--- a/hackathon-comp2.pptx
+++ b/hackathon-comp2.pptx
@@ -5,19 +5,15 @@
     <p:sldMasterId id="2147483648" r:id="rId1"/>
   </p:sldMasterIdLst>
   <p:notesMasterIdLst>
-    <p:notesMasterId r:id="rId9"/>
+    <p:notesMasterId r:id="rId5"/>
   </p:notesMasterIdLst>
   <p:handoutMasterIdLst>
-    <p:handoutMasterId r:id="rId10"/>
+    <p:handoutMasterId r:id="rId6"/>
   </p:handoutMasterIdLst>
   <p:sldIdLst>
     <p:sldId id="256" r:id="rId2"/>
     <p:sldId id="258" r:id="rId3"/>
-    <p:sldId id="266" r:id="rId4"/>
-    <p:sldId id="268" r:id="rId5"/>
-    <p:sldId id="267" r:id="rId6"/>
-    <p:sldId id="269" r:id="rId7"/>
-    <p:sldId id="265" r:id="rId8"/>
+    <p:sldId id="265" r:id="rId4"/>
   </p:sldIdLst>
   <p:sldSz cx="9144000" cy="6858000" type="screen4x3"/>
   <p:notesSz cx="6858000" cy="9144000"/>
@@ -6657,7 +6653,7 @@
             <a:pPr algn="r"/>
             <a:r>
               <a:rPr lang="en-US" dirty="0" smtClean="0"/>
-              <a:t>PPT Template</a:t>
+              <a:t>Pitch Black by Comp2</a:t>
             </a:r>
             <a:endParaRPr lang="en-US" dirty="0"/>
           </a:p>
@@ -6681,7 +6677,7 @@
             <a:pPr algn="r"/>
             <a:r>
               <a:rPr lang="en-US" dirty="0" smtClean="0"/>
-              <a:t>Presentation Sub</a:t>
+              <a:t>By: Paul, Jamison, Sal, and Victoria </a:t>
             </a:r>
             <a:endParaRPr lang="en-US" dirty="0"/>
           </a:p>
@@ -6855,7 +6851,7 @@
                   <a:srgbClr val="EA713D"/>
                 </a:solidFill>
               </a:rPr>
-              <a:t>Agenda Item #1</a:t>
+              <a:t>What is Pitch Black?</a:t>
             </a:r>
           </a:p>
           <a:p>
@@ -6868,7 +6864,79 @@
             </a:pPr>
             <a:r>
               <a:rPr lang="en-US" sz="1800" b="0" dirty="0" smtClean="0"/>
-              <a:t>Bullet</a:t>
+              <a:t>A predictive application that will inform a pitcher of where they can best ensure to throw a good pitch.</a:t>
+            </a:r>
+            <a:endParaRPr lang="en-US" sz="1800" b="0" dirty="0" smtClean="0"/>
+          </a:p>
+          <a:p>
+            <a:pPr marL="279400">
+              <a:spcBef>
+                <a:spcPts val="0"/>
+              </a:spcBef>
+            </a:pPr>
+            <a:endParaRPr lang="en-US" sz="2400" b="0" dirty="0" smtClean="0"/>
+          </a:p>
+          <a:p>
+            <a:pPr>
+              <a:spcBef>
+                <a:spcPts val="0"/>
+              </a:spcBef>
+            </a:pPr>
+            <a:r>
+              <a:rPr lang="en-US" sz="2400" smtClean="0">
+                <a:solidFill>
+                  <a:schemeClr val="bg1"/>
+                </a:solidFill>
+              </a:rPr>
+              <a:t>How </a:t>
+            </a:r>
+            <a:r>
+              <a:rPr lang="en-US" sz="2400" dirty="0" smtClean="0">
+                <a:solidFill>
+                  <a:schemeClr val="bg1"/>
+                </a:solidFill>
+              </a:rPr>
+              <a:t>does it work?</a:t>
+            </a:r>
+          </a:p>
+          <a:p>
+            <a:pPr marL="450850" indent="-171450">
+              <a:spcBef>
+                <a:spcPts val="0"/>
+              </a:spcBef>
+              <a:buFont typeface="Arial"/>
+              <a:buChar char="•"/>
+            </a:pPr>
+            <a:r>
+              <a:rPr lang="en-US" sz="1800" b="0" dirty="0" smtClean="0">
+                <a:solidFill>
+                  <a:schemeClr val="bg1"/>
+                </a:solidFill>
+              </a:rPr>
+              <a:t>It uses previous Pitch f/x data and calculates where batters perform their best and where they perform their worst.</a:t>
+            </a:r>
+          </a:p>
+          <a:p>
+            <a:pPr marL="279400">
+              <a:spcBef>
+                <a:spcPts val="0"/>
+              </a:spcBef>
+            </a:pPr>
+            <a:endParaRPr lang="en-US" sz="2400" b="0" dirty="0" smtClean="0"/>
+          </a:p>
+          <a:p>
+            <a:pPr>
+              <a:spcBef>
+                <a:spcPts val="0"/>
+              </a:spcBef>
+            </a:pPr>
+            <a:r>
+              <a:rPr lang="en-US" sz="2400" dirty="0" smtClean="0">
+                <a:solidFill>
+                  <a:srgbClr val="EA713D"/>
+                </a:solidFill>
+              </a:rPr>
+              <a:t>How will it be used?</a:t>
             </a:r>
           </a:p>
           <a:p>
@@ -6881,78 +6949,13 @@
             </a:pPr>
             <a:r>
               <a:rPr lang="en-US" sz="1800" b="0" dirty="0" smtClean="0"/>
-              <a:t>Bullet</a:t>
-            </a:r>
-          </a:p>
-          <a:p>
-            <a:pPr marL="279400">
-              <a:spcBef>
-                <a:spcPts val="0"/>
-              </a:spcBef>
-            </a:pPr>
-            <a:endParaRPr lang="en-US" sz="2400" b="0" dirty="0" smtClean="0"/>
-          </a:p>
-          <a:p>
-            <a:pPr>
-              <a:spcBef>
-                <a:spcPts val="0"/>
-              </a:spcBef>
-            </a:pPr>
-            <a:r>
-              <a:rPr lang="en-US" sz="2400" dirty="0">
-                <a:solidFill>
-                  <a:schemeClr val="bg1"/>
-                </a:solidFill>
-              </a:rPr>
-              <a:t>Agenda Item </a:t>
+              <a:t>A manager or someone in the dugout ca</a:t>
             </a:r>
             <a:r>
-              <a:rPr lang="en-US" sz="2400" dirty="0" smtClean="0">
-                <a:solidFill>
-                  <a:schemeClr val="bg1"/>
-                </a:solidFill>
-              </a:rPr>
-              <a:t>#2</a:t>
+              <a:rPr lang="en-US" sz="1800" b="0" dirty="0" smtClean="0"/>
+              <a:t>n enter the batter’s name and the current pitch count and will receive the best location to throw their pitch.</a:t>
             </a:r>
-            <a:endParaRPr lang="en-US" sz="2400" dirty="0">
-              <a:solidFill>
-                <a:schemeClr val="bg1"/>
-              </a:solidFill>
-            </a:endParaRPr>
-          </a:p>
-          <a:p>
-            <a:pPr marL="450850" indent="-171450">
-              <a:spcBef>
-                <a:spcPts val="0"/>
-              </a:spcBef>
-              <a:buFont typeface="Arial"/>
-              <a:buChar char="•"/>
-            </a:pPr>
-            <a:r>
-              <a:rPr lang="en-US" sz="1800" b="0" dirty="0">
-                <a:solidFill>
-                  <a:schemeClr val="bg1"/>
-                </a:solidFill>
-              </a:rPr>
-              <a:t>Bullet</a:t>
-            </a:r>
-          </a:p>
-          <a:p>
-            <a:pPr marL="450850" indent="-171450">
-              <a:spcBef>
-                <a:spcPts val="0"/>
-              </a:spcBef>
-              <a:buFont typeface="Arial"/>
-              <a:buChar char="•"/>
-            </a:pPr>
-            <a:r>
-              <a:rPr lang="en-US" sz="1800" b="0" dirty="0">
-                <a:solidFill>
-                  <a:schemeClr val="bg1"/>
-                </a:solidFill>
-              </a:rPr>
-              <a:t>Bullet</a:t>
-            </a:r>
+            <a:endParaRPr lang="en-US" sz="1800" b="0" dirty="0"/>
           </a:p>
           <a:p>
             <a:pPr marL="450850" indent="-171450">
@@ -6971,115 +6974,12 @@
               </a:spcBef>
             </a:pPr>
             <a:r>
-              <a:rPr lang="en-US" sz="2400" dirty="0">
-                <a:solidFill>
-                  <a:srgbClr val="EA713D"/>
-                </a:solidFill>
-              </a:rPr>
-              <a:t>Agenda Item </a:t>
-            </a:r>
-            <a:r>
               <a:rPr lang="en-US" sz="2400" dirty="0" smtClean="0">
                 <a:solidFill>
                   <a:srgbClr val="EA713D"/>
                 </a:solidFill>
               </a:rPr>
-              <a:t>#3</a:t>
-            </a:r>
-            <a:endParaRPr lang="en-US" sz="2400" dirty="0">
-              <a:solidFill>
-                <a:srgbClr val="EA713D"/>
-              </a:solidFill>
-            </a:endParaRPr>
-          </a:p>
-          <a:p>
-            <a:pPr marL="450850" indent="-171450">
-              <a:spcBef>
-                <a:spcPts val="0"/>
-              </a:spcBef>
-              <a:buFont typeface="Arial"/>
-              <a:buChar char="•"/>
-            </a:pPr>
-            <a:r>
-              <a:rPr lang="en-US" sz="1800" b="0" dirty="0"/>
-              <a:t>Bullet</a:t>
-            </a:r>
-          </a:p>
-          <a:p>
-            <a:pPr marL="450850" indent="-171450">
-              <a:spcBef>
-                <a:spcPts val="0"/>
-              </a:spcBef>
-              <a:buFont typeface="Arial"/>
-              <a:buChar char="•"/>
-            </a:pPr>
-            <a:r>
-              <a:rPr lang="en-US" sz="1800" b="0" dirty="0"/>
-              <a:t>Bullet</a:t>
-            </a:r>
-          </a:p>
-          <a:p>
-            <a:pPr marL="450850" indent="-171450">
-              <a:spcBef>
-                <a:spcPts val="0"/>
-              </a:spcBef>
-              <a:buFont typeface="Arial"/>
-              <a:buChar char="•"/>
-            </a:pPr>
-            <a:endParaRPr lang="en-US" sz="2400" b="0" dirty="0" smtClean="0"/>
-          </a:p>
-          <a:p>
-            <a:pPr>
-              <a:spcBef>
-                <a:spcPts val="0"/>
-              </a:spcBef>
-            </a:pPr>
-            <a:r>
-              <a:rPr lang="en-US" sz="2400" dirty="0">
-                <a:solidFill>
-                  <a:srgbClr val="EA713D"/>
-                </a:solidFill>
-              </a:rPr>
-              <a:t>Agenda Item </a:t>
-            </a:r>
-            <a:r>
-              <a:rPr lang="en-US" sz="2400" dirty="0" smtClean="0">
-                <a:solidFill>
-                  <a:srgbClr val="EA713D"/>
-                </a:solidFill>
-              </a:rPr>
-              <a:t>#4</a:t>
-            </a:r>
-            <a:endParaRPr lang="en-US" sz="2400" dirty="0">
-              <a:solidFill>
-                <a:srgbClr val="EA713D"/>
-              </a:solidFill>
-            </a:endParaRPr>
-          </a:p>
-          <a:p>
-            <a:pPr marL="450850" indent="-171450">
-              <a:spcBef>
-                <a:spcPts val="0"/>
-              </a:spcBef>
-              <a:buFont typeface="Arial"/>
-              <a:buChar char="•"/>
-            </a:pPr>
-            <a:r>
-              <a:rPr lang="en-US" sz="1800" b="0" dirty="0"/>
-              <a:t>Bullet</a:t>
-            </a:r>
-          </a:p>
-          <a:p>
-            <a:pPr marL="450850" indent="-171450">
-              <a:spcBef>
-                <a:spcPts val="0"/>
-              </a:spcBef>
-              <a:buFont typeface="Arial"/>
-              <a:buChar char="•"/>
-            </a:pPr>
-            <a:r>
-              <a:rPr lang="en-US" sz="1800" b="0" dirty="0" smtClean="0"/>
-              <a:t>Bullet</a:t>
+              <a:t>Demo</a:t>
             </a:r>
             <a:endParaRPr lang="en-US" sz="1800" b="0" dirty="0"/>
           </a:p>
@@ -7176,6 +7076,35 @@
           <a:p>
             <a:pPr algn="ctr"/>
             <a:endParaRPr lang="en-US"/>
+          </a:p>
+        </p:txBody>
+      </p:sp>
+      <p:sp>
+        <p:nvSpPr>
+          <p:cNvPr id="5" name="TextBox 4"/>
+          <p:cNvSpPr txBox="1"/>
+          <p:nvPr/>
+        </p:nvSpPr>
+        <p:spPr>
+          <a:xfrm>
+            <a:off x="-1916545" y="3879273"/>
+            <a:ext cx="914400" cy="914400"/>
+          </a:xfrm>
+          <a:prstGeom prst="rect">
+            <a:avLst/>
+          </a:prstGeom>
+          <a:noFill/>
+        </p:spPr>
+        <p:txBody>
+          <a:bodyPr wrap="none" rtlCol="0">
+            <a:noAutofit/>
+          </a:bodyPr>
+          <a:lstStyle/>
+          <a:p>
+            <a:endParaRPr lang="en-US" sz="2000" dirty="0" err="1" smtClean="0">
+              <a:latin typeface="Century Gothic"/>
+              <a:cs typeface="Century Gothic"/>
+            </a:endParaRPr>
           </a:p>
         </p:txBody>
       </p:sp>
@@ -7218,204 +7147,12 @@
       </p:grpSpPr>
       <p:sp>
         <p:nvSpPr>
-          <p:cNvPr id="15" name="Round Same Side Corner Rectangle 14"/>
-          <p:cNvSpPr/>
-          <p:nvPr/>
-        </p:nvSpPr>
-        <p:spPr>
-          <a:xfrm rot="5400000">
-            <a:off x="4102561" y="-1413558"/>
-            <a:ext cx="677162" cy="7754716"/>
-          </a:xfrm>
-          <a:prstGeom prst="round2SameRect">
-            <a:avLst>
-              <a:gd name="adj1" fmla="val 50000"/>
-              <a:gd name="adj2" fmla="val 0"/>
-            </a:avLst>
-          </a:prstGeom>
-          <a:solidFill>
-            <a:srgbClr val="EA713D"/>
-          </a:solidFill>
-          <a:ln>
-            <a:noFill/>
-          </a:ln>
-          <a:effectLst/>
-        </p:spPr>
-        <p:style>
-          <a:lnRef idx="1">
-            <a:schemeClr val="accent1"/>
-          </a:lnRef>
-          <a:fillRef idx="3">
-            <a:schemeClr val="accent1"/>
-          </a:fillRef>
-          <a:effectRef idx="2">
-            <a:schemeClr val="accent1"/>
-          </a:effectRef>
-          <a:fontRef idx="minor">
-            <a:schemeClr val="lt1"/>
-          </a:fontRef>
-        </p:style>
-        <p:txBody>
-          <a:bodyPr rtlCol="0" anchor="ctr"/>
-          <a:lstStyle/>
-          <a:p>
-            <a:pPr algn="ctr"/>
-            <a:endParaRPr lang="en-US" sz="1400"/>
-          </a:p>
-        </p:txBody>
-      </p:sp>
-      <p:sp>
-        <p:nvSpPr>
-          <p:cNvPr id="66" name="Round Same Side Corner Rectangle 65"/>
-          <p:cNvSpPr/>
-          <p:nvPr/>
-        </p:nvSpPr>
-        <p:spPr>
-          <a:xfrm rot="5400000">
-            <a:off x="3372311" y="180292"/>
-            <a:ext cx="677162" cy="6294216"/>
-          </a:xfrm>
-          <a:prstGeom prst="round2SameRect">
-            <a:avLst>
-              <a:gd name="adj1" fmla="val 48125"/>
-              <a:gd name="adj2" fmla="val 0"/>
-            </a:avLst>
-          </a:prstGeom>
-          <a:solidFill>
-            <a:srgbClr val="EA713D"/>
-          </a:solidFill>
-          <a:ln>
-            <a:noFill/>
-          </a:ln>
-          <a:effectLst/>
-        </p:spPr>
-        <p:style>
-          <a:lnRef idx="1">
-            <a:schemeClr val="accent1"/>
-          </a:lnRef>
-          <a:fillRef idx="3">
-            <a:schemeClr val="accent1"/>
-          </a:fillRef>
-          <a:effectRef idx="2">
-            <a:schemeClr val="accent1"/>
-          </a:effectRef>
-          <a:fontRef idx="minor">
-            <a:schemeClr val="lt1"/>
-          </a:fontRef>
-        </p:style>
-        <p:txBody>
-          <a:bodyPr rtlCol="0" anchor="ctr"/>
-          <a:lstStyle/>
-          <a:p>
-            <a:pPr algn="ctr"/>
-            <a:endParaRPr lang="en-US" sz="1400"/>
-          </a:p>
-        </p:txBody>
-      </p:sp>
-      <p:sp>
-        <p:nvSpPr>
-          <p:cNvPr id="73" name="Round Same Side Corner Rectangle 72"/>
-          <p:cNvSpPr/>
-          <p:nvPr/>
-        </p:nvSpPr>
-        <p:spPr>
-          <a:xfrm rot="5400000">
-            <a:off x="3753311" y="675819"/>
-            <a:ext cx="677162" cy="7056216"/>
-          </a:xfrm>
-          <a:prstGeom prst="round2SameRect">
-            <a:avLst>
-              <a:gd name="adj1" fmla="val 48125"/>
-              <a:gd name="adj2" fmla="val 0"/>
-            </a:avLst>
-          </a:prstGeom>
-          <a:solidFill>
-            <a:srgbClr val="EA713D"/>
-          </a:solidFill>
-          <a:ln>
-            <a:noFill/>
-          </a:ln>
-          <a:effectLst/>
-        </p:spPr>
-        <p:style>
-          <a:lnRef idx="1">
-            <a:schemeClr val="accent1"/>
-          </a:lnRef>
-          <a:fillRef idx="3">
-            <a:schemeClr val="accent1"/>
-          </a:fillRef>
-          <a:effectRef idx="2">
-            <a:schemeClr val="accent1"/>
-          </a:effectRef>
-          <a:fontRef idx="minor">
-            <a:schemeClr val="lt1"/>
-          </a:fontRef>
-        </p:style>
-        <p:txBody>
-          <a:bodyPr rtlCol="0" anchor="ctr"/>
-          <a:lstStyle/>
-          <a:p>
-            <a:pPr algn="ctr"/>
-            <a:endParaRPr lang="en-US" sz="1400"/>
-          </a:p>
-        </p:txBody>
-      </p:sp>
-      <p:sp>
-        <p:nvSpPr>
-          <p:cNvPr id="79" name="Round Same Side Corner Rectangle 78"/>
-          <p:cNvSpPr/>
-          <p:nvPr/>
-        </p:nvSpPr>
-        <p:spPr>
-          <a:xfrm rot="5400000">
-            <a:off x="2603961" y="2701695"/>
-            <a:ext cx="677162" cy="4757516"/>
-          </a:xfrm>
-          <a:prstGeom prst="round2SameRect">
-            <a:avLst>
-              <a:gd name="adj1" fmla="val 48125"/>
-              <a:gd name="adj2" fmla="val 0"/>
-            </a:avLst>
-          </a:prstGeom>
-          <a:solidFill>
-            <a:srgbClr val="EA713D"/>
-          </a:solidFill>
-          <a:ln>
-            <a:noFill/>
-          </a:ln>
-          <a:effectLst/>
-        </p:spPr>
-        <p:style>
-          <a:lnRef idx="1">
-            <a:schemeClr val="accent1"/>
-          </a:lnRef>
-          <a:fillRef idx="3">
-            <a:schemeClr val="accent1"/>
-          </a:fillRef>
-          <a:effectRef idx="2">
-            <a:schemeClr val="accent1"/>
-          </a:effectRef>
-          <a:fontRef idx="minor">
-            <a:schemeClr val="lt1"/>
-          </a:fontRef>
-        </p:style>
-        <p:txBody>
-          <a:bodyPr rtlCol="0" anchor="ctr"/>
-          <a:lstStyle/>
-          <a:p>
-            <a:pPr algn="ctr"/>
-            <a:endParaRPr lang="en-US" sz="1400"/>
-          </a:p>
-        </p:txBody>
-      </p:sp>
-      <p:sp>
-        <p:nvSpPr>
           <p:cNvPr id="2" name="Title 1"/>
           <p:cNvSpPr>
             <a:spLocks noGrp="1"/>
           </p:cNvSpPr>
           <p:nvPr>
-            <p:ph type="title"/>
+            <p:ph type="ctrTitle"/>
           </p:nvPr>
         </p:nvSpPr>
         <p:spPr/>
@@ -7425,4069 +7162,16 @@
           <a:p>
             <a:r>
               <a:rPr lang="en-US" dirty="0" smtClean="0"/>
-              <a:t>Chart Sample</a:t>
+              <a:t>Thank You</a:t>
             </a:r>
             <a:endParaRPr lang="en-US" dirty="0"/>
-          </a:p>
-        </p:txBody>
-      </p:sp>
-      <p:sp>
-        <p:nvSpPr>
-          <p:cNvPr id="3" name="Slide Number Placeholder 2"/>
-          <p:cNvSpPr>
-            <a:spLocks noGrp="1"/>
-          </p:cNvSpPr>
-          <p:nvPr>
-            <p:ph type="sldNum" sz="quarter" idx="12"/>
-          </p:nvPr>
-        </p:nvSpPr>
-        <p:spPr/>
-        <p:txBody>
-          <a:bodyPr/>
-          <a:lstStyle/>
-          <a:p>
-            <a:fld id="{D3DEDF89-8E0A-854D-9A33-444D75E69871}" type="slidenum">
-              <a:rPr lang="en-US" smtClean="0"/>
-              <a:t>3</a:t>
-            </a:fld>
-            <a:endParaRPr lang="en-US"/>
-          </a:p>
-        </p:txBody>
-      </p:sp>
-      <p:sp>
-        <p:nvSpPr>
-          <p:cNvPr id="5" name="Rectangle 4"/>
-          <p:cNvSpPr/>
-          <p:nvPr/>
-        </p:nvSpPr>
-        <p:spPr>
-          <a:xfrm>
-            <a:off x="457200" y="1371600"/>
-            <a:ext cx="8269789" cy="584776"/>
-          </a:xfrm>
-          <a:prstGeom prst="rect">
-            <a:avLst/>
-          </a:prstGeom>
-        </p:spPr>
-        <p:txBody>
-          <a:bodyPr wrap="square">
-            <a:spAutoFit/>
-          </a:bodyPr>
-          <a:lstStyle/>
-          <a:p>
-            <a:r>
-              <a:rPr lang="en-US" sz="1600" b="1" dirty="0" smtClean="0">
-                <a:solidFill>
-                  <a:srgbClr val="000000"/>
-                </a:solidFill>
-                <a:latin typeface="Century Gothic"/>
-                <a:cs typeface="Century Gothic"/>
-              </a:rPr>
-              <a:t>Chart Title</a:t>
-            </a:r>
-          </a:p>
-          <a:p>
-            <a:r>
-              <a:rPr lang="en-US" sz="1600" dirty="0" err="1" smtClean="0">
-                <a:solidFill>
-                  <a:srgbClr val="000000"/>
-                </a:solidFill>
-                <a:latin typeface="Century Gothic"/>
-                <a:cs typeface="Century Gothic"/>
-              </a:rPr>
-              <a:t>Lorem</a:t>
-            </a:r>
-            <a:r>
-              <a:rPr lang="en-US" sz="1600" dirty="0" smtClean="0">
-                <a:solidFill>
-                  <a:srgbClr val="000000"/>
-                </a:solidFill>
-                <a:latin typeface="Century Gothic"/>
-                <a:cs typeface="Century Gothic"/>
-              </a:rPr>
-              <a:t> </a:t>
-            </a:r>
-            <a:r>
-              <a:rPr lang="en-US" sz="1600" dirty="0" err="1" smtClean="0">
-                <a:solidFill>
-                  <a:srgbClr val="000000"/>
-                </a:solidFill>
-                <a:latin typeface="Century Gothic"/>
-                <a:cs typeface="Century Gothic"/>
-              </a:rPr>
-              <a:t>ipsum</a:t>
-            </a:r>
-            <a:r>
-              <a:rPr lang="en-US" sz="1600" dirty="0" smtClean="0">
-                <a:solidFill>
-                  <a:srgbClr val="000000"/>
-                </a:solidFill>
-                <a:latin typeface="Century Gothic"/>
-                <a:cs typeface="Century Gothic"/>
-              </a:rPr>
-              <a:t> dolor </a:t>
-            </a:r>
-            <a:r>
-              <a:rPr lang="en-US" sz="1600" dirty="0" err="1" smtClean="0">
-                <a:solidFill>
-                  <a:srgbClr val="000000"/>
-                </a:solidFill>
-                <a:latin typeface="Century Gothic"/>
-                <a:cs typeface="Century Gothic"/>
-              </a:rPr>
-              <a:t>sae</a:t>
-            </a:r>
-            <a:r>
-              <a:rPr lang="en-US" sz="1600" dirty="0" smtClean="0">
-                <a:solidFill>
-                  <a:srgbClr val="000000"/>
-                </a:solidFill>
-                <a:latin typeface="Century Gothic"/>
-                <a:cs typeface="Century Gothic"/>
-              </a:rPr>
-              <a:t> </a:t>
-            </a:r>
-            <a:r>
-              <a:rPr lang="en-US" sz="1600" dirty="0" err="1" smtClean="0">
-                <a:solidFill>
-                  <a:srgbClr val="000000"/>
-                </a:solidFill>
-                <a:latin typeface="Century Gothic"/>
-                <a:cs typeface="Century Gothic"/>
-              </a:rPr>
-              <a:t>nisitasi</a:t>
-            </a:r>
-            <a:r>
-              <a:rPr lang="en-US" sz="1600" dirty="0" smtClean="0">
-                <a:solidFill>
-                  <a:srgbClr val="000000"/>
-                </a:solidFill>
-                <a:latin typeface="Century Gothic"/>
-                <a:cs typeface="Century Gothic"/>
-              </a:rPr>
-              <a:t> </a:t>
-            </a:r>
-            <a:r>
-              <a:rPr lang="en-US" sz="1600" dirty="0" err="1" smtClean="0">
-                <a:solidFill>
-                  <a:srgbClr val="000000"/>
-                </a:solidFill>
-                <a:latin typeface="Century Gothic"/>
-                <a:cs typeface="Century Gothic"/>
-              </a:rPr>
-              <a:t>offici</a:t>
-            </a:r>
-            <a:r>
-              <a:rPr lang="en-US" sz="1600" dirty="0" smtClean="0">
-                <a:solidFill>
-                  <a:srgbClr val="000000"/>
-                </a:solidFill>
-                <a:latin typeface="Century Gothic"/>
-                <a:cs typeface="Century Gothic"/>
-              </a:rPr>
-              <a:t> </a:t>
-            </a:r>
-            <a:r>
-              <a:rPr lang="en-US" sz="1600" dirty="0" err="1" smtClean="0">
-                <a:solidFill>
-                  <a:srgbClr val="000000"/>
-                </a:solidFill>
-                <a:latin typeface="Century Gothic"/>
-                <a:cs typeface="Century Gothic"/>
-              </a:rPr>
-              <a:t>veliquos</a:t>
-            </a:r>
-            <a:r>
-              <a:rPr lang="en-US" sz="1600" dirty="0" smtClean="0">
-                <a:solidFill>
-                  <a:srgbClr val="000000"/>
-                </a:solidFill>
-                <a:latin typeface="Century Gothic"/>
-                <a:cs typeface="Century Gothic"/>
-              </a:rPr>
-              <a:t> re </a:t>
-            </a:r>
-            <a:r>
-              <a:rPr lang="en-US" sz="1600" dirty="0" err="1" smtClean="0">
-                <a:solidFill>
-                  <a:srgbClr val="000000"/>
-                </a:solidFill>
-                <a:latin typeface="Century Gothic"/>
-                <a:cs typeface="Century Gothic"/>
-              </a:rPr>
-              <a:t>doluptia</a:t>
-            </a:r>
-            <a:endParaRPr lang="en-US" sz="1600" dirty="0">
-              <a:latin typeface="Century Gothic"/>
-              <a:cs typeface="Century Gothic"/>
-            </a:endParaRPr>
-          </a:p>
-        </p:txBody>
-      </p:sp>
-      <p:sp>
-        <p:nvSpPr>
-          <p:cNvPr id="14" name="TextBox 13"/>
-          <p:cNvSpPr txBox="1"/>
-          <p:nvPr/>
-        </p:nvSpPr>
-        <p:spPr>
-          <a:xfrm>
-            <a:off x="457200" y="6025284"/>
-            <a:ext cx="6553200" cy="261610"/>
-          </a:xfrm>
-          <a:prstGeom prst="rect">
-            <a:avLst/>
-          </a:prstGeom>
-          <a:noFill/>
-        </p:spPr>
-        <p:txBody>
-          <a:bodyPr wrap="square" rtlCol="0">
-            <a:spAutoFit/>
-          </a:bodyPr>
-          <a:lstStyle/>
-          <a:p>
-            <a:r>
-              <a:rPr lang="en-US" sz="1100" dirty="0" smtClean="0">
-                <a:solidFill>
-                  <a:schemeClr val="bg2"/>
-                </a:solidFill>
-              </a:rPr>
-              <a:t>Source:</a:t>
-            </a:r>
-          </a:p>
-        </p:txBody>
-      </p:sp>
-      <p:sp>
-        <p:nvSpPr>
-          <p:cNvPr id="49" name="Rectangle 48"/>
-          <p:cNvSpPr/>
-          <p:nvPr/>
-        </p:nvSpPr>
-        <p:spPr>
-          <a:xfrm>
-            <a:off x="740592" y="2219120"/>
-            <a:ext cx="6447608" cy="492443"/>
-          </a:xfrm>
-          <a:prstGeom prst="rect">
-            <a:avLst/>
-          </a:prstGeom>
-        </p:spPr>
-        <p:txBody>
-          <a:bodyPr wrap="square" lIns="0" tIns="0" rIns="0" bIns="0" anchor="ctr">
-            <a:spAutoFit/>
-          </a:bodyPr>
-          <a:lstStyle/>
-          <a:p>
-            <a:r>
-              <a:rPr lang="en-US" sz="3200" dirty="0" smtClean="0">
-                <a:solidFill>
-                  <a:schemeClr val="bg1"/>
-                </a:solidFill>
-                <a:latin typeface="Century Gothic"/>
-                <a:cs typeface="Century Gothic"/>
-              </a:rPr>
-              <a:t>10,000 </a:t>
-            </a:r>
-            <a:r>
-              <a:rPr lang="en-US" sz="2000" dirty="0" err="1" smtClean="0">
-                <a:solidFill>
-                  <a:schemeClr val="bg1"/>
-                </a:solidFill>
-                <a:latin typeface="Century Gothic"/>
-                <a:cs typeface="Century Gothic"/>
-              </a:rPr>
-              <a:t>lorem</a:t>
-            </a:r>
-            <a:r>
-              <a:rPr lang="en-US" sz="2000" dirty="0" smtClean="0">
-                <a:solidFill>
-                  <a:schemeClr val="bg1"/>
-                </a:solidFill>
-                <a:latin typeface="Century Gothic"/>
-                <a:cs typeface="Century Gothic"/>
-              </a:rPr>
-              <a:t> </a:t>
-            </a:r>
-            <a:r>
-              <a:rPr lang="en-US" sz="2000" dirty="0" err="1" smtClean="0">
-                <a:solidFill>
-                  <a:schemeClr val="bg1"/>
-                </a:solidFill>
-                <a:latin typeface="Century Gothic"/>
-                <a:cs typeface="Century Gothic"/>
-              </a:rPr>
-              <a:t>ipsum</a:t>
-            </a:r>
-            <a:r>
-              <a:rPr lang="en-US" sz="2000" dirty="0" smtClean="0">
-                <a:solidFill>
-                  <a:schemeClr val="bg1"/>
-                </a:solidFill>
-                <a:latin typeface="Century Gothic"/>
-                <a:cs typeface="Century Gothic"/>
-              </a:rPr>
-              <a:t> dolor sit </a:t>
-            </a:r>
-            <a:r>
-              <a:rPr lang="en-US" sz="2000" dirty="0" err="1" smtClean="0">
-                <a:solidFill>
-                  <a:schemeClr val="bg1"/>
-                </a:solidFill>
-                <a:latin typeface="Century Gothic"/>
-                <a:cs typeface="Century Gothic"/>
-              </a:rPr>
-              <a:t>amet</a:t>
-            </a:r>
-            <a:endParaRPr lang="en-US" sz="2000" dirty="0">
-              <a:solidFill>
-                <a:schemeClr val="bg1"/>
-              </a:solidFill>
-              <a:latin typeface="Century Gothic"/>
-              <a:cs typeface="Century Gothic"/>
-            </a:endParaRPr>
-          </a:p>
-        </p:txBody>
-      </p:sp>
-      <p:sp>
-        <p:nvSpPr>
-          <p:cNvPr id="82" name="Rectangle 81"/>
-          <p:cNvSpPr/>
-          <p:nvPr/>
-        </p:nvSpPr>
-        <p:spPr>
-          <a:xfrm>
-            <a:off x="740592" y="3059239"/>
-            <a:ext cx="6447608" cy="492443"/>
-          </a:xfrm>
-          <a:prstGeom prst="rect">
-            <a:avLst/>
-          </a:prstGeom>
-        </p:spPr>
-        <p:txBody>
-          <a:bodyPr wrap="square" lIns="0" tIns="0" rIns="0" bIns="0" anchor="ctr">
-            <a:spAutoFit/>
-          </a:bodyPr>
-          <a:lstStyle/>
-          <a:p>
-            <a:r>
-              <a:rPr lang="en-US" sz="3200" dirty="0" smtClean="0">
-                <a:solidFill>
-                  <a:schemeClr val="bg1"/>
-                </a:solidFill>
-                <a:latin typeface="Century Gothic"/>
-                <a:cs typeface="Century Gothic"/>
-              </a:rPr>
-              <a:t>8,000 </a:t>
-            </a:r>
-            <a:r>
-              <a:rPr lang="en-US" sz="2000" dirty="0" err="1" smtClean="0">
-                <a:solidFill>
-                  <a:schemeClr val="bg1"/>
-                </a:solidFill>
-                <a:latin typeface="Century Gothic"/>
-                <a:cs typeface="Century Gothic"/>
-              </a:rPr>
-              <a:t>lorem</a:t>
-            </a:r>
-            <a:r>
-              <a:rPr lang="en-US" sz="2000" dirty="0" smtClean="0">
-                <a:solidFill>
-                  <a:schemeClr val="bg1"/>
-                </a:solidFill>
-                <a:latin typeface="Century Gothic"/>
-                <a:cs typeface="Century Gothic"/>
-              </a:rPr>
-              <a:t> </a:t>
-            </a:r>
-            <a:r>
-              <a:rPr lang="en-US" sz="2000" dirty="0" err="1" smtClean="0">
-                <a:solidFill>
-                  <a:schemeClr val="bg1"/>
-                </a:solidFill>
-                <a:latin typeface="Century Gothic"/>
-                <a:cs typeface="Century Gothic"/>
-              </a:rPr>
-              <a:t>ipsum</a:t>
-            </a:r>
-            <a:r>
-              <a:rPr lang="en-US" sz="2000" dirty="0" smtClean="0">
-                <a:solidFill>
-                  <a:schemeClr val="bg1"/>
-                </a:solidFill>
-                <a:latin typeface="Century Gothic"/>
-                <a:cs typeface="Century Gothic"/>
-              </a:rPr>
-              <a:t> dolor sit </a:t>
-            </a:r>
-            <a:r>
-              <a:rPr lang="en-US" sz="2000" dirty="0" err="1" smtClean="0">
-                <a:solidFill>
-                  <a:schemeClr val="bg1"/>
-                </a:solidFill>
-                <a:latin typeface="Century Gothic"/>
-                <a:cs typeface="Century Gothic"/>
-              </a:rPr>
-              <a:t>amet</a:t>
-            </a:r>
-            <a:endParaRPr lang="en-US" sz="2000" dirty="0">
-              <a:solidFill>
-                <a:schemeClr val="bg1"/>
-              </a:solidFill>
-              <a:latin typeface="Century Gothic"/>
-              <a:cs typeface="Century Gothic"/>
-            </a:endParaRPr>
-          </a:p>
-        </p:txBody>
-      </p:sp>
-      <p:sp>
-        <p:nvSpPr>
-          <p:cNvPr id="83" name="Rectangle 82"/>
-          <p:cNvSpPr/>
-          <p:nvPr/>
-        </p:nvSpPr>
-        <p:spPr>
-          <a:xfrm>
-            <a:off x="740592" y="3937227"/>
-            <a:ext cx="6447608" cy="492443"/>
-          </a:xfrm>
-          <a:prstGeom prst="rect">
-            <a:avLst/>
-          </a:prstGeom>
-        </p:spPr>
-        <p:txBody>
-          <a:bodyPr wrap="square" lIns="0" tIns="0" rIns="0" bIns="0" anchor="ctr">
-            <a:spAutoFit/>
-          </a:bodyPr>
-          <a:lstStyle/>
-          <a:p>
-            <a:r>
-              <a:rPr lang="en-US" sz="3200" dirty="0" smtClean="0">
-                <a:solidFill>
-                  <a:schemeClr val="bg1"/>
-                </a:solidFill>
-                <a:latin typeface="Century Gothic"/>
-                <a:cs typeface="Century Gothic"/>
-              </a:rPr>
-              <a:t>9,000 </a:t>
-            </a:r>
-            <a:r>
-              <a:rPr lang="en-US" sz="2000" dirty="0" err="1" smtClean="0">
-                <a:solidFill>
-                  <a:schemeClr val="bg1"/>
-                </a:solidFill>
-                <a:latin typeface="Century Gothic"/>
-                <a:cs typeface="Century Gothic"/>
-              </a:rPr>
-              <a:t>lorem</a:t>
-            </a:r>
-            <a:r>
-              <a:rPr lang="en-US" sz="2000" dirty="0" smtClean="0">
-                <a:solidFill>
-                  <a:schemeClr val="bg1"/>
-                </a:solidFill>
-                <a:latin typeface="Century Gothic"/>
-                <a:cs typeface="Century Gothic"/>
-              </a:rPr>
-              <a:t> </a:t>
-            </a:r>
-            <a:r>
-              <a:rPr lang="en-US" sz="2000" dirty="0" err="1" smtClean="0">
-                <a:solidFill>
-                  <a:schemeClr val="bg1"/>
-                </a:solidFill>
-                <a:latin typeface="Century Gothic"/>
-                <a:cs typeface="Century Gothic"/>
-              </a:rPr>
-              <a:t>ipsum</a:t>
-            </a:r>
-            <a:r>
-              <a:rPr lang="en-US" sz="2000" dirty="0" smtClean="0">
-                <a:solidFill>
-                  <a:schemeClr val="bg1"/>
-                </a:solidFill>
-                <a:latin typeface="Century Gothic"/>
-                <a:cs typeface="Century Gothic"/>
-              </a:rPr>
-              <a:t> dolor sit </a:t>
-            </a:r>
-            <a:r>
-              <a:rPr lang="en-US" sz="2000" dirty="0" err="1" smtClean="0">
-                <a:solidFill>
-                  <a:schemeClr val="bg1"/>
-                </a:solidFill>
-                <a:latin typeface="Century Gothic"/>
-                <a:cs typeface="Century Gothic"/>
-              </a:rPr>
-              <a:t>amet</a:t>
-            </a:r>
-            <a:endParaRPr lang="en-US" sz="2000" dirty="0">
-              <a:solidFill>
-                <a:schemeClr val="bg1"/>
-              </a:solidFill>
-              <a:latin typeface="Century Gothic"/>
-              <a:cs typeface="Century Gothic"/>
-            </a:endParaRPr>
-          </a:p>
-        </p:txBody>
-      </p:sp>
-      <p:sp>
-        <p:nvSpPr>
-          <p:cNvPr id="84" name="Rectangle 83"/>
-          <p:cNvSpPr/>
-          <p:nvPr/>
-        </p:nvSpPr>
-        <p:spPr>
-          <a:xfrm>
-            <a:off x="740592" y="4824991"/>
-            <a:ext cx="4441008" cy="492443"/>
-          </a:xfrm>
-          <a:prstGeom prst="rect">
-            <a:avLst/>
-          </a:prstGeom>
-        </p:spPr>
-        <p:txBody>
-          <a:bodyPr wrap="square" lIns="0" tIns="0" rIns="0" bIns="0" anchor="ctr">
-            <a:spAutoFit/>
-          </a:bodyPr>
-          <a:lstStyle/>
-          <a:p>
-            <a:r>
-              <a:rPr lang="en-US" sz="3200" dirty="0" smtClean="0">
-                <a:solidFill>
-                  <a:schemeClr val="bg1"/>
-                </a:solidFill>
-                <a:latin typeface="Century Gothic"/>
-                <a:cs typeface="Century Gothic"/>
-              </a:rPr>
-              <a:t>5,000 </a:t>
-            </a:r>
-            <a:r>
-              <a:rPr lang="en-US" sz="2000" dirty="0" err="1" smtClean="0">
-                <a:solidFill>
-                  <a:schemeClr val="bg1"/>
-                </a:solidFill>
-                <a:latin typeface="Century Gothic"/>
-                <a:cs typeface="Century Gothic"/>
-              </a:rPr>
-              <a:t>lorem</a:t>
-            </a:r>
-            <a:r>
-              <a:rPr lang="en-US" sz="2000" dirty="0" smtClean="0">
-                <a:solidFill>
-                  <a:schemeClr val="bg1"/>
-                </a:solidFill>
-                <a:latin typeface="Century Gothic"/>
-                <a:cs typeface="Century Gothic"/>
-              </a:rPr>
-              <a:t> </a:t>
-            </a:r>
-            <a:r>
-              <a:rPr lang="en-US" sz="2000" dirty="0" err="1" smtClean="0">
-                <a:solidFill>
-                  <a:schemeClr val="bg1"/>
-                </a:solidFill>
-                <a:latin typeface="Century Gothic"/>
-                <a:cs typeface="Century Gothic"/>
-              </a:rPr>
-              <a:t>ipsum</a:t>
-            </a:r>
-            <a:r>
-              <a:rPr lang="en-US" sz="2000" dirty="0" smtClean="0">
-                <a:solidFill>
-                  <a:schemeClr val="bg1"/>
-                </a:solidFill>
-                <a:latin typeface="Century Gothic"/>
-                <a:cs typeface="Century Gothic"/>
-              </a:rPr>
-              <a:t> dolor sit </a:t>
-            </a:r>
-            <a:r>
-              <a:rPr lang="en-US" sz="2000" dirty="0" err="1" smtClean="0">
-                <a:solidFill>
-                  <a:schemeClr val="bg1"/>
-                </a:solidFill>
-                <a:latin typeface="Century Gothic"/>
-                <a:cs typeface="Century Gothic"/>
-              </a:rPr>
-              <a:t>amet</a:t>
-            </a:r>
-            <a:endParaRPr lang="en-US" sz="2000" dirty="0">
-              <a:solidFill>
-                <a:schemeClr val="bg1"/>
-              </a:solidFill>
-              <a:latin typeface="Century Gothic"/>
-              <a:cs typeface="Century Gothic"/>
-            </a:endParaRPr>
           </a:p>
         </p:txBody>
       </p:sp>
     </p:spTree>
     <p:extLst>
       <p:ext uri="{BB962C8B-B14F-4D97-AF65-F5344CB8AC3E}">
-        <p14:creationId xmlns:p14="http://schemas.microsoft.com/office/powerpoint/2010/main" val="645463193"/>
-      </p:ext>
-    </p:extLst>
-  </p:cSld>
-  <p:clrMapOvr>
-    <a:masterClrMapping/>
-  </p:clrMapOvr>
-</p:sld>
-</file>
-
-<file path=ppt/slides/slide4.xml><?xml version="1.0" encoding="utf-8"?>
-<p:sld xmlns:a="http://schemas.openxmlformats.org/drawingml/2006/main" xmlns:r="http://schemas.openxmlformats.org/officeDocument/2006/relationships" xmlns:p="http://schemas.openxmlformats.org/presentationml/2006/main">
-  <p:cSld>
-    <p:spTree>
-      <p:nvGrpSpPr>
-        <p:cNvPr id="1" name=""/>
-        <p:cNvGrpSpPr/>
-        <p:nvPr/>
-      </p:nvGrpSpPr>
-      <p:grpSpPr>
-        <a:xfrm>
-          <a:off x="0" y="0"/>
-          <a:ext cx="0" cy="0"/>
-          <a:chOff x="0" y="0"/>
-          <a:chExt cx="0" cy="0"/>
-        </a:xfrm>
-      </p:grpSpPr>
-      <p:sp>
-        <p:nvSpPr>
-          <p:cNvPr id="2" name="Title 1"/>
-          <p:cNvSpPr>
-            <a:spLocks noGrp="1"/>
-          </p:cNvSpPr>
-          <p:nvPr>
-            <p:ph type="title"/>
-          </p:nvPr>
-        </p:nvSpPr>
-        <p:spPr/>
-        <p:txBody>
-          <a:bodyPr/>
-          <a:lstStyle/>
-          <a:p>
-            <a:r>
-              <a:rPr lang="en-US" dirty="0" smtClean="0"/>
-              <a:t>Table Sample</a:t>
-            </a:r>
-            <a:endParaRPr lang="en-US" dirty="0"/>
-          </a:p>
-        </p:txBody>
-      </p:sp>
-      <p:sp>
-        <p:nvSpPr>
-          <p:cNvPr id="3" name="Slide Number Placeholder 2"/>
-          <p:cNvSpPr>
-            <a:spLocks noGrp="1"/>
-          </p:cNvSpPr>
-          <p:nvPr>
-            <p:ph type="sldNum" sz="quarter" idx="12"/>
-          </p:nvPr>
-        </p:nvSpPr>
-        <p:spPr/>
-        <p:txBody>
-          <a:bodyPr/>
-          <a:lstStyle/>
-          <a:p>
-            <a:fld id="{D3DEDF89-8E0A-854D-9A33-444D75E69871}" type="slidenum">
-              <a:rPr lang="en-US" smtClean="0"/>
-              <a:t>4</a:t>
-            </a:fld>
-            <a:endParaRPr lang="en-US"/>
-          </a:p>
-        </p:txBody>
-      </p:sp>
-      <p:graphicFrame>
-        <p:nvGraphicFramePr>
-          <p:cNvPr id="4" name="Table 3"/>
-          <p:cNvGraphicFramePr>
-            <a:graphicFrameLocks noGrp="1"/>
-          </p:cNvGraphicFramePr>
-          <p:nvPr>
-            <p:extLst>
-              <p:ext uri="{D42A27DB-BD31-4B8C-83A1-F6EECF244321}">
-                <p14:modId xmlns:p14="http://schemas.microsoft.com/office/powerpoint/2010/main" val="2774055363"/>
-              </p:ext>
-            </p:extLst>
-          </p:nvPr>
-        </p:nvGraphicFramePr>
-        <p:xfrm>
-          <a:off x="457200" y="1447801"/>
-          <a:ext cx="8229600" cy="4125653"/>
-        </p:xfrm>
-        <a:graphic>
-          <a:graphicData uri="http://schemas.openxmlformats.org/drawingml/2006/table">
-            <a:tbl>
-              <a:tblPr firstRow="1" bandRow="1">
-                <a:tableStyleId>{08FB837D-C827-4EFA-A057-4D05807E0F7C}</a:tableStyleId>
-              </a:tblPr>
-              <a:tblGrid>
-                <a:gridCol w="1371600"/>
-                <a:gridCol w="1371600"/>
-                <a:gridCol w="1371600"/>
-                <a:gridCol w="1371600"/>
-                <a:gridCol w="1371600"/>
-                <a:gridCol w="1371600"/>
-              </a:tblGrid>
-              <a:tr h="990599">
-                <a:tc gridSpan="6">
-                  <a:txBody>
-                    <a:bodyPr/>
-                    <a:lstStyle/>
-                    <a:p>
-                      <a:r>
-                        <a:rPr lang="en-US" sz="2400" b="1" dirty="0" smtClean="0">
-                          <a:solidFill>
-                            <a:srgbClr val="EA713D"/>
-                          </a:solidFill>
-                          <a:latin typeface="Century Gothic"/>
-                          <a:cs typeface="Century Gothic"/>
-                        </a:rPr>
-                        <a:t>Table Title</a:t>
-                      </a:r>
-                    </a:p>
-                    <a:p>
-                      <a:pPr>
-                        <a:lnSpc>
-                          <a:spcPct val="90000"/>
-                        </a:lnSpc>
-                      </a:pPr>
-                      <a:r>
-                        <a:rPr lang="en-US" sz="1800" b="0" dirty="0" err="1" smtClean="0">
-                          <a:solidFill>
-                            <a:schemeClr val="tx1"/>
-                          </a:solidFill>
-                          <a:latin typeface="Century Gothic"/>
-                          <a:cs typeface="Century Gothic"/>
-                        </a:rPr>
-                        <a:t>Lorem</a:t>
-                      </a:r>
-                      <a:r>
-                        <a:rPr lang="en-US" sz="1800" b="0" dirty="0" smtClean="0">
-                          <a:solidFill>
-                            <a:schemeClr val="tx1"/>
-                          </a:solidFill>
-                          <a:latin typeface="Century Gothic"/>
-                          <a:cs typeface="Century Gothic"/>
-                        </a:rPr>
-                        <a:t> </a:t>
-                      </a:r>
-                      <a:r>
-                        <a:rPr lang="en-US" sz="1800" b="0" dirty="0" err="1" smtClean="0">
-                          <a:solidFill>
-                            <a:schemeClr val="tx1"/>
-                          </a:solidFill>
-                          <a:latin typeface="Century Gothic"/>
-                          <a:cs typeface="Century Gothic"/>
-                        </a:rPr>
-                        <a:t>ipsum</a:t>
-                      </a:r>
-                      <a:r>
-                        <a:rPr lang="en-US" sz="1800" b="0" dirty="0" smtClean="0">
-                          <a:solidFill>
-                            <a:schemeClr val="tx1"/>
-                          </a:solidFill>
-                          <a:latin typeface="Century Gothic"/>
-                          <a:cs typeface="Century Gothic"/>
-                        </a:rPr>
-                        <a:t> dolor </a:t>
-                      </a:r>
-                      <a:r>
-                        <a:rPr lang="en-US" sz="1800" b="0" dirty="0" err="1" smtClean="0">
-                          <a:solidFill>
-                            <a:schemeClr val="tx1"/>
-                          </a:solidFill>
-                          <a:latin typeface="Century Gothic"/>
-                          <a:cs typeface="Century Gothic"/>
-                        </a:rPr>
-                        <a:t>sae</a:t>
-                      </a:r>
-                      <a:r>
-                        <a:rPr lang="en-US" sz="1800" b="0" dirty="0" smtClean="0">
-                          <a:solidFill>
-                            <a:schemeClr val="tx1"/>
-                          </a:solidFill>
-                          <a:latin typeface="Century Gothic"/>
-                          <a:cs typeface="Century Gothic"/>
-                        </a:rPr>
-                        <a:t> </a:t>
-                      </a:r>
-                      <a:r>
-                        <a:rPr lang="en-US" sz="1800" b="0" dirty="0" err="1" smtClean="0">
-                          <a:solidFill>
-                            <a:schemeClr val="tx1"/>
-                          </a:solidFill>
-                          <a:latin typeface="Century Gothic"/>
-                          <a:cs typeface="Century Gothic"/>
-                        </a:rPr>
-                        <a:t>nisitasi</a:t>
-                      </a:r>
-                      <a:r>
-                        <a:rPr lang="en-US" sz="1800" b="0" dirty="0" smtClean="0">
-                          <a:solidFill>
-                            <a:schemeClr val="tx1"/>
-                          </a:solidFill>
-                          <a:latin typeface="Century Gothic"/>
-                          <a:cs typeface="Century Gothic"/>
-                        </a:rPr>
-                        <a:t> </a:t>
-                      </a:r>
-                      <a:r>
-                        <a:rPr lang="en-US" sz="1800" b="0" dirty="0" err="1" smtClean="0">
-                          <a:solidFill>
-                            <a:schemeClr val="tx1"/>
-                          </a:solidFill>
-                          <a:latin typeface="Century Gothic"/>
-                          <a:cs typeface="Century Gothic"/>
-                        </a:rPr>
-                        <a:t>offici</a:t>
-                      </a:r>
-                      <a:r>
-                        <a:rPr lang="en-US" sz="1800" b="0" dirty="0" smtClean="0">
-                          <a:solidFill>
-                            <a:schemeClr val="tx1"/>
-                          </a:solidFill>
-                          <a:latin typeface="Century Gothic"/>
-                          <a:cs typeface="Century Gothic"/>
-                        </a:rPr>
-                        <a:t> </a:t>
-                      </a:r>
-                      <a:r>
-                        <a:rPr lang="en-US" sz="1800" b="0" dirty="0" err="1" smtClean="0">
-                          <a:solidFill>
-                            <a:schemeClr val="tx1"/>
-                          </a:solidFill>
-                          <a:latin typeface="Century Gothic"/>
-                          <a:cs typeface="Century Gothic"/>
-                        </a:rPr>
-                        <a:t>veliquos</a:t>
-                      </a:r>
-                      <a:r>
-                        <a:rPr lang="en-US" sz="1800" b="0" dirty="0" smtClean="0">
-                          <a:solidFill>
-                            <a:schemeClr val="tx1"/>
-                          </a:solidFill>
-                          <a:latin typeface="Century Gothic"/>
-                          <a:cs typeface="Century Gothic"/>
-                        </a:rPr>
-                        <a:t> re </a:t>
-                      </a:r>
-                      <a:r>
-                        <a:rPr lang="en-US" sz="1800" b="0" dirty="0" err="1" smtClean="0">
-                          <a:solidFill>
-                            <a:schemeClr val="tx1"/>
-                          </a:solidFill>
-                          <a:latin typeface="Century Gothic"/>
-                          <a:cs typeface="Century Gothic"/>
-                        </a:rPr>
-                        <a:t>doluptia</a:t>
-                      </a:r>
-                      <a:endParaRPr lang="en-US" sz="1800" b="0" dirty="0" smtClean="0">
-                        <a:solidFill>
-                          <a:schemeClr val="tx1"/>
-                        </a:solidFill>
-                        <a:latin typeface="Century Gothic"/>
-                        <a:cs typeface="Century Gothic"/>
-                      </a:endParaRPr>
-                    </a:p>
-                  </a:txBody>
-                  <a:tcPr marL="182880" marR="182880" anchor="ctr">
-                    <a:lnL w="6350" cap="flat" cmpd="sng" algn="ctr">
-                      <a:solidFill>
-                        <a:srgbClr val="7F7F7F"/>
-                      </a:solidFill>
-                      <a:prstDash val="solid"/>
-                      <a:round/>
-                      <a:headEnd type="none" w="med" len="med"/>
-                      <a:tailEnd type="none" w="med" len="med"/>
-                    </a:lnL>
-                    <a:lnR w="6350" cap="flat" cmpd="sng" algn="ctr">
-                      <a:solidFill>
-                        <a:srgbClr val="7F7F7F"/>
-                      </a:solidFill>
-                      <a:prstDash val="solid"/>
-                      <a:round/>
-                      <a:headEnd type="none" w="med" len="med"/>
-                      <a:tailEnd type="none" w="med" len="med"/>
-                    </a:lnR>
-                    <a:lnT w="6350" cap="flat" cmpd="sng" algn="ctr">
-                      <a:solidFill>
-                        <a:srgbClr val="7F7F7F"/>
-                      </a:solidFill>
-                      <a:prstDash val="solid"/>
-                      <a:round/>
-                      <a:headEnd type="none" w="med" len="med"/>
-                      <a:tailEnd type="none" w="med" len="med"/>
-                    </a:lnT>
-                    <a:lnB w="25400" cap="flat" cmpd="sng" algn="ctr">
-                      <a:noFill/>
-                      <a:prstDash val="solid"/>
-                    </a:lnB>
-                    <a:lnTlToBr w="12700" cmpd="sng">
-                      <a:noFill/>
-                      <a:prstDash val="solid"/>
-                    </a:lnTlToBr>
-                    <a:lnBlToTr w="12700" cmpd="sng">
-                      <a:noFill/>
-                      <a:prstDash val="solid"/>
-                    </a:lnBlToTr>
-                    <a:solidFill>
-                      <a:schemeClr val="bg1"/>
-                    </a:solidFill>
-                  </a:tcPr>
-                </a:tc>
-                <a:tc hMerge="1">
-                  <a:txBody>
-                    <a:bodyPr/>
-                    <a:lstStyle/>
-                    <a:p>
-                      <a:endParaRPr lang="en-US"/>
-                    </a:p>
-                  </a:txBody>
-                  <a:tcPr/>
-                </a:tc>
-                <a:tc hMerge="1">
-                  <a:txBody>
-                    <a:bodyPr/>
-                    <a:lstStyle/>
-                    <a:p>
-                      <a:endParaRPr lang="en-US" dirty="0"/>
-                    </a:p>
-                  </a:txBody>
-                  <a:tcPr/>
-                </a:tc>
-                <a:tc hMerge="1">
-                  <a:txBody>
-                    <a:bodyPr/>
-                    <a:lstStyle/>
-                    <a:p>
-                      <a:endParaRPr lang="en-US"/>
-                    </a:p>
-                  </a:txBody>
-                  <a:tcPr/>
-                </a:tc>
-                <a:tc hMerge="1">
-                  <a:txBody>
-                    <a:bodyPr/>
-                    <a:lstStyle/>
-                    <a:p>
-                      <a:endParaRPr lang="en-US"/>
-                    </a:p>
-                  </a:txBody>
-                  <a:tcPr/>
-                </a:tc>
-                <a:tc hMerge="1">
-                  <a:txBody>
-                    <a:bodyPr/>
-                    <a:lstStyle/>
-                    <a:p>
-                      <a:endParaRPr lang="en-US" dirty="0"/>
-                    </a:p>
-                  </a:txBody>
-                  <a:tcPr/>
-                </a:tc>
-              </a:tr>
-              <a:tr h="522509">
-                <a:tc>
-                  <a:txBody>
-                    <a:bodyPr/>
-                    <a:lstStyle/>
-                    <a:p>
-                      <a:pPr algn="ctr"/>
-                      <a:r>
-                        <a:rPr lang="en-US" b="0" dirty="0" smtClean="0">
-                          <a:solidFill>
-                            <a:schemeClr val="bg1"/>
-                          </a:solidFill>
-                          <a:latin typeface="Century Gothic"/>
-                          <a:cs typeface="Century Gothic"/>
-                        </a:rPr>
-                        <a:t>2000</a:t>
-                      </a:r>
-                      <a:endParaRPr lang="en-US" b="0" dirty="0">
-                        <a:solidFill>
-                          <a:schemeClr val="bg1"/>
-                        </a:solidFill>
-                        <a:latin typeface="Century Gothic"/>
-                        <a:cs typeface="Century Gothic"/>
-                      </a:endParaRPr>
-                    </a:p>
-                  </a:txBody>
-                  <a:tcPr marL="182880" marR="182880" anchor="ctr">
-                    <a:lnL w="6350" cap="flat" cmpd="sng" algn="ctr">
-                      <a:solidFill>
-                        <a:srgbClr val="7F7F7F"/>
-                      </a:solidFill>
-                      <a:prstDash val="solid"/>
-                      <a:round/>
-                      <a:headEnd type="none" w="med" len="med"/>
-                      <a:tailEnd type="none" w="med" len="med"/>
-                    </a:lnL>
-                    <a:lnR w="6350" cap="flat" cmpd="sng" algn="ctr">
-                      <a:solidFill>
-                        <a:prstClr val="black">
-                          <a:lumMod val="50000"/>
-                          <a:lumOff val="50000"/>
-                        </a:prstClr>
-                      </a:solidFill>
-                      <a:prstDash val="solid"/>
-                      <a:round/>
-                      <a:headEnd type="none" w="med" len="med"/>
-                      <a:tailEnd type="none" w="med" len="med"/>
-                    </a:lnR>
-                    <a:lnT w="25400" cap="flat" cmpd="sng" algn="ctr">
-                      <a:noFill/>
-                      <a:prstDash val="solid"/>
-                    </a:lnT>
-                    <a:lnB w="9525" cap="flat" cmpd="sng" algn="ctr">
-                      <a:noFill/>
-                      <a:prstDash val="solid"/>
-                    </a:lnB>
-                    <a:lnTlToBr w="12700" cmpd="sng">
-                      <a:noFill/>
-                      <a:prstDash val="solid"/>
-                    </a:lnTlToBr>
-                    <a:lnBlToTr w="12700" cmpd="sng">
-                      <a:noFill/>
-                      <a:prstDash val="solid"/>
-                    </a:lnBlToTr>
-                    <a:solidFill>
-                      <a:srgbClr val="EA713D"/>
-                    </a:solidFill>
-                  </a:tcPr>
-                </a:tc>
-                <a:tc>
-                  <a:txBody>
-                    <a:bodyPr/>
-                    <a:lstStyle/>
-                    <a:p>
-                      <a:pPr algn="ctr"/>
-                      <a:r>
-                        <a:rPr lang="en-US" b="0" dirty="0" smtClean="0">
-                          <a:solidFill>
-                            <a:schemeClr val="bg1"/>
-                          </a:solidFill>
-                          <a:latin typeface="Century Gothic"/>
-                          <a:cs typeface="Century Gothic"/>
-                        </a:rPr>
-                        <a:t>2010</a:t>
-                      </a:r>
-                      <a:endParaRPr lang="en-US" b="0" dirty="0">
-                        <a:solidFill>
-                          <a:schemeClr val="bg1"/>
-                        </a:solidFill>
-                        <a:latin typeface="Century Gothic"/>
-                        <a:cs typeface="Century Gothic"/>
-                      </a:endParaRPr>
-                    </a:p>
-                  </a:txBody>
-                  <a:tcPr marL="182880" marR="182880" anchor="ctr">
-                    <a:lnL w="6350" cap="flat" cmpd="sng" algn="ctr">
-                      <a:solidFill>
-                        <a:prstClr val="black">
-                          <a:lumMod val="50000"/>
-                          <a:lumOff val="50000"/>
-                        </a:prstClr>
-                      </a:solidFill>
-                      <a:prstDash val="solid"/>
-                      <a:round/>
-                      <a:headEnd type="none" w="med" len="med"/>
-                      <a:tailEnd type="none" w="med" len="med"/>
-                    </a:lnL>
-                    <a:lnR w="6350" cap="flat" cmpd="sng" algn="ctr">
-                      <a:solidFill>
-                        <a:prstClr val="black">
-                          <a:lumMod val="50000"/>
-                          <a:lumOff val="50000"/>
-                        </a:prstClr>
-                      </a:solidFill>
-                      <a:prstDash val="solid"/>
-                      <a:round/>
-                      <a:headEnd type="none" w="med" len="med"/>
-                      <a:tailEnd type="none" w="med" len="med"/>
-                    </a:lnR>
-                    <a:lnT w="25400" cap="flat" cmpd="sng" algn="ctr">
-                      <a:noFill/>
-                      <a:prstDash val="solid"/>
-                    </a:lnT>
-                    <a:lnB w="9525" cap="flat" cmpd="sng" algn="ctr">
-                      <a:noFill/>
-                      <a:prstDash val="solid"/>
-                    </a:lnB>
-                    <a:lnTlToBr w="12700" cmpd="sng">
-                      <a:noFill/>
-                      <a:prstDash val="solid"/>
-                    </a:lnTlToBr>
-                    <a:lnBlToTr w="12700" cmpd="sng">
-                      <a:noFill/>
-                      <a:prstDash val="solid"/>
-                    </a:lnBlToTr>
-                    <a:solidFill>
-                      <a:srgbClr val="EA713D"/>
-                    </a:solidFill>
-                  </a:tcPr>
-                </a:tc>
-                <a:tc>
-                  <a:txBody>
-                    <a:bodyPr/>
-                    <a:lstStyle/>
-                    <a:p>
-                      <a:pPr algn="ctr"/>
-                      <a:r>
-                        <a:rPr lang="en-US" b="0" dirty="0" smtClean="0">
-                          <a:solidFill>
-                            <a:schemeClr val="bg1"/>
-                          </a:solidFill>
-                          <a:latin typeface="Century Gothic"/>
-                          <a:cs typeface="Century Gothic"/>
-                        </a:rPr>
-                        <a:t>2020</a:t>
-                      </a:r>
-                      <a:endParaRPr lang="en-US" b="0" dirty="0">
-                        <a:solidFill>
-                          <a:schemeClr val="bg1"/>
-                        </a:solidFill>
-                        <a:latin typeface="Century Gothic"/>
-                        <a:cs typeface="Century Gothic"/>
-                      </a:endParaRPr>
-                    </a:p>
-                  </a:txBody>
-                  <a:tcPr marL="182880" marR="182880" anchor="ctr">
-                    <a:lnL w="6350" cap="flat" cmpd="sng" algn="ctr">
-                      <a:solidFill>
-                        <a:prstClr val="black">
-                          <a:lumMod val="50000"/>
-                          <a:lumOff val="50000"/>
-                        </a:prstClr>
-                      </a:solidFill>
-                      <a:prstDash val="solid"/>
-                      <a:round/>
-                      <a:headEnd type="none" w="med" len="med"/>
-                      <a:tailEnd type="none" w="med" len="med"/>
-                    </a:lnL>
-                    <a:lnR w="6350" cap="flat" cmpd="sng" algn="ctr">
-                      <a:solidFill>
-                        <a:prstClr val="black">
-                          <a:lumMod val="50000"/>
-                          <a:lumOff val="50000"/>
-                        </a:prstClr>
-                      </a:solidFill>
-                      <a:prstDash val="solid"/>
-                      <a:round/>
-                      <a:headEnd type="none" w="med" len="med"/>
-                      <a:tailEnd type="none" w="med" len="med"/>
-                    </a:lnR>
-                    <a:lnT w="25400" cap="flat" cmpd="sng" algn="ctr">
-                      <a:noFill/>
-                      <a:prstDash val="solid"/>
-                    </a:lnT>
-                    <a:lnB w="9525" cap="flat" cmpd="sng" algn="ctr">
-                      <a:noFill/>
-                      <a:prstDash val="solid"/>
-                    </a:lnB>
-                    <a:lnTlToBr w="12700" cmpd="sng">
-                      <a:noFill/>
-                      <a:prstDash val="solid"/>
-                    </a:lnTlToBr>
-                    <a:lnBlToTr w="12700" cmpd="sng">
-                      <a:noFill/>
-                      <a:prstDash val="solid"/>
-                    </a:lnBlToTr>
-                    <a:solidFill>
-                      <a:srgbClr val="EA713D"/>
-                    </a:solidFill>
-                  </a:tcPr>
-                </a:tc>
-                <a:tc>
-                  <a:txBody>
-                    <a:bodyPr/>
-                    <a:lstStyle/>
-                    <a:p>
-                      <a:pPr algn="ctr"/>
-                      <a:r>
-                        <a:rPr lang="en-US" b="0" dirty="0" smtClean="0">
-                          <a:solidFill>
-                            <a:schemeClr val="bg1"/>
-                          </a:solidFill>
-                          <a:latin typeface="Century Gothic"/>
-                          <a:cs typeface="Century Gothic"/>
-                        </a:rPr>
-                        <a:t>2030</a:t>
-                      </a:r>
-                      <a:endParaRPr lang="en-US" b="0" dirty="0">
-                        <a:solidFill>
-                          <a:schemeClr val="bg1"/>
-                        </a:solidFill>
-                        <a:latin typeface="Century Gothic"/>
-                        <a:cs typeface="Century Gothic"/>
-                      </a:endParaRPr>
-                    </a:p>
-                  </a:txBody>
-                  <a:tcPr marL="182880" marR="182880" anchor="ctr">
-                    <a:lnL w="6350" cap="flat" cmpd="sng" algn="ctr">
-                      <a:solidFill>
-                        <a:prstClr val="black">
-                          <a:lumMod val="50000"/>
-                          <a:lumOff val="50000"/>
-                        </a:prstClr>
-                      </a:solidFill>
-                      <a:prstDash val="solid"/>
-                      <a:round/>
-                      <a:headEnd type="none" w="med" len="med"/>
-                      <a:tailEnd type="none" w="med" len="med"/>
-                    </a:lnL>
-                    <a:lnR w="6350" cap="flat" cmpd="sng" algn="ctr">
-                      <a:solidFill>
-                        <a:prstClr val="black">
-                          <a:lumMod val="50000"/>
-                          <a:lumOff val="50000"/>
-                        </a:prstClr>
-                      </a:solidFill>
-                      <a:prstDash val="solid"/>
-                      <a:round/>
-                      <a:headEnd type="none" w="med" len="med"/>
-                      <a:tailEnd type="none" w="med" len="med"/>
-                    </a:lnR>
-                    <a:lnT w="25400" cap="flat" cmpd="sng" algn="ctr">
-                      <a:noFill/>
-                      <a:prstDash val="solid"/>
-                    </a:lnT>
-                    <a:lnB w="9525" cap="flat" cmpd="sng" algn="ctr">
-                      <a:noFill/>
-                      <a:prstDash val="solid"/>
-                    </a:lnB>
-                    <a:lnTlToBr w="12700" cmpd="sng">
-                      <a:noFill/>
-                      <a:prstDash val="solid"/>
-                    </a:lnTlToBr>
-                    <a:lnBlToTr w="12700" cmpd="sng">
-                      <a:noFill/>
-                      <a:prstDash val="solid"/>
-                    </a:lnBlToTr>
-                    <a:solidFill>
-                      <a:srgbClr val="EA713D"/>
-                    </a:solidFill>
-                  </a:tcPr>
-                </a:tc>
-                <a:tc>
-                  <a:txBody>
-                    <a:bodyPr/>
-                    <a:lstStyle/>
-                    <a:p>
-                      <a:pPr algn="ctr"/>
-                      <a:r>
-                        <a:rPr lang="en-US" b="0" dirty="0" smtClean="0">
-                          <a:solidFill>
-                            <a:schemeClr val="bg1"/>
-                          </a:solidFill>
-                          <a:latin typeface="Century Gothic"/>
-                          <a:cs typeface="Century Gothic"/>
-                        </a:rPr>
-                        <a:t>2040</a:t>
-                      </a:r>
-                      <a:endParaRPr lang="en-US" b="0" dirty="0">
-                        <a:solidFill>
-                          <a:schemeClr val="bg1"/>
-                        </a:solidFill>
-                        <a:latin typeface="Century Gothic"/>
-                        <a:cs typeface="Century Gothic"/>
-                      </a:endParaRPr>
-                    </a:p>
-                  </a:txBody>
-                  <a:tcPr marL="182880" marR="182880" anchor="ctr">
-                    <a:lnL w="6350" cap="flat" cmpd="sng" algn="ctr">
-                      <a:solidFill>
-                        <a:prstClr val="black">
-                          <a:lumMod val="50000"/>
-                          <a:lumOff val="50000"/>
-                        </a:prstClr>
-                      </a:solidFill>
-                      <a:prstDash val="solid"/>
-                      <a:round/>
-                      <a:headEnd type="none" w="med" len="med"/>
-                      <a:tailEnd type="none" w="med" len="med"/>
-                    </a:lnL>
-                    <a:lnR w="6350" cap="flat" cmpd="sng" algn="ctr">
-                      <a:solidFill>
-                        <a:prstClr val="black">
-                          <a:lumMod val="50000"/>
-                          <a:lumOff val="50000"/>
-                        </a:prstClr>
-                      </a:solidFill>
-                      <a:prstDash val="solid"/>
-                      <a:round/>
-                      <a:headEnd type="none" w="med" len="med"/>
-                      <a:tailEnd type="none" w="med" len="med"/>
-                    </a:lnR>
-                    <a:lnT w="25400" cap="flat" cmpd="sng" algn="ctr">
-                      <a:noFill/>
-                      <a:prstDash val="solid"/>
-                    </a:lnT>
-                    <a:lnB w="9525" cap="flat" cmpd="sng" algn="ctr">
-                      <a:noFill/>
-                      <a:prstDash val="solid"/>
-                    </a:lnB>
-                    <a:lnTlToBr w="12700" cmpd="sng">
-                      <a:noFill/>
-                      <a:prstDash val="solid"/>
-                    </a:lnTlToBr>
-                    <a:lnBlToTr w="12700" cmpd="sng">
-                      <a:noFill/>
-                      <a:prstDash val="solid"/>
-                    </a:lnBlToTr>
-                    <a:solidFill>
-                      <a:srgbClr val="EA713D"/>
-                    </a:solidFill>
-                  </a:tcPr>
-                </a:tc>
-                <a:tc>
-                  <a:txBody>
-                    <a:bodyPr/>
-                    <a:lstStyle/>
-                    <a:p>
-                      <a:pPr algn="ctr"/>
-                      <a:r>
-                        <a:rPr lang="en-US" b="0" dirty="0" smtClean="0">
-                          <a:solidFill>
-                            <a:schemeClr val="bg1"/>
-                          </a:solidFill>
-                          <a:latin typeface="Century Gothic"/>
-                          <a:cs typeface="Century Gothic"/>
-                        </a:rPr>
-                        <a:t>2050</a:t>
-                      </a:r>
-                      <a:endParaRPr lang="en-US" b="0" dirty="0">
-                        <a:solidFill>
-                          <a:schemeClr val="bg1"/>
-                        </a:solidFill>
-                        <a:latin typeface="Century Gothic"/>
-                        <a:cs typeface="Century Gothic"/>
-                      </a:endParaRPr>
-                    </a:p>
-                  </a:txBody>
-                  <a:tcPr marL="182880" marR="182880" anchor="ctr">
-                    <a:lnL w="6350" cap="flat" cmpd="sng" algn="ctr">
-                      <a:solidFill>
-                        <a:prstClr val="black">
-                          <a:lumMod val="50000"/>
-                          <a:lumOff val="50000"/>
-                        </a:prstClr>
-                      </a:solidFill>
-                      <a:prstDash val="solid"/>
-                      <a:round/>
-                      <a:headEnd type="none" w="med" len="med"/>
-                      <a:tailEnd type="none" w="med" len="med"/>
-                    </a:lnL>
-                    <a:lnR w="6350" cap="flat" cmpd="sng" algn="ctr">
-                      <a:solidFill>
-                        <a:srgbClr val="7F7F7F"/>
-                      </a:solidFill>
-                      <a:prstDash val="solid"/>
-                      <a:round/>
-                      <a:headEnd type="none" w="med" len="med"/>
-                      <a:tailEnd type="none" w="med" len="med"/>
-                    </a:lnR>
-                    <a:lnT w="25400" cap="flat" cmpd="sng" algn="ctr">
-                      <a:noFill/>
-                      <a:prstDash val="solid"/>
-                    </a:lnT>
-                    <a:lnB w="9525" cap="flat" cmpd="sng" algn="ctr">
-                      <a:noFill/>
-                      <a:prstDash val="solid"/>
-                    </a:lnB>
-                    <a:lnTlToBr w="12700" cmpd="sng">
-                      <a:noFill/>
-                      <a:prstDash val="solid"/>
-                    </a:lnTlToBr>
-                    <a:lnBlToTr w="12700" cmpd="sng">
-                      <a:noFill/>
-                      <a:prstDash val="solid"/>
-                    </a:lnBlToTr>
-                    <a:solidFill>
-                      <a:srgbClr val="EA713D"/>
-                    </a:solidFill>
-                  </a:tcPr>
-                </a:tc>
-              </a:tr>
-              <a:tr h="522509">
-                <a:tc>
-                  <a:txBody>
-                    <a:bodyPr/>
-                    <a:lstStyle/>
-                    <a:p>
-                      <a:endParaRPr lang="en-US" dirty="0">
-                        <a:latin typeface="Century Gothic"/>
-                        <a:cs typeface="Century Gothic"/>
-                      </a:endParaRPr>
-                    </a:p>
-                  </a:txBody>
-                  <a:tcPr marL="182880" marR="182880" anchor="ctr">
-                    <a:lnL w="6350" cap="flat" cmpd="sng" algn="ctr">
-                      <a:solidFill>
-                        <a:srgbClr val="7F7F7F"/>
-                      </a:solidFill>
-                      <a:prstDash val="solid"/>
-                      <a:round/>
-                      <a:headEnd type="none" w="med" len="med"/>
-                      <a:tailEnd type="none" w="med" len="med"/>
-                    </a:lnL>
-                    <a:lnR w="6350" cap="flat" cmpd="sng" algn="ctr">
-                      <a:solidFill>
-                        <a:prstClr val="black">
-                          <a:lumMod val="50000"/>
-                          <a:lumOff val="50000"/>
-                        </a:prstClr>
-                      </a:solidFill>
-                      <a:prstDash val="solid"/>
-                      <a:round/>
-                      <a:headEnd type="none" w="med" len="med"/>
-                      <a:tailEnd type="none" w="med" len="med"/>
-                    </a:lnR>
-                    <a:lnT w="9525" cap="flat" cmpd="sng" algn="ctr">
-                      <a:noFill/>
-                      <a:prstDash val="solid"/>
-                    </a:lnT>
-                    <a:lnB w="9525" cap="flat" cmpd="sng" algn="ctr">
-                      <a:noFill/>
-                      <a:prstDash val="solid"/>
-                    </a:lnB>
-                    <a:lnTlToBr w="12700" cmpd="sng">
-                      <a:noFill/>
-                      <a:prstDash val="solid"/>
-                    </a:lnTlToBr>
-                    <a:lnBlToTr w="12700" cmpd="sng">
-                      <a:noFill/>
-                      <a:prstDash val="solid"/>
-                    </a:lnBlToTr>
-                    <a:solidFill>
-                      <a:schemeClr val="bg1"/>
-                    </a:solidFill>
-                  </a:tcPr>
-                </a:tc>
-                <a:tc>
-                  <a:txBody>
-                    <a:bodyPr/>
-                    <a:lstStyle/>
-                    <a:p>
-                      <a:endParaRPr lang="en-US" dirty="0">
-                        <a:latin typeface="Century Gothic"/>
-                        <a:cs typeface="Century Gothic"/>
-                      </a:endParaRPr>
-                    </a:p>
-                  </a:txBody>
-                  <a:tcPr marL="182880" marR="182880" anchor="ctr">
-                    <a:lnL w="6350" cap="flat" cmpd="sng" algn="ctr">
-                      <a:solidFill>
-                        <a:prstClr val="black">
-                          <a:lumMod val="50000"/>
-                          <a:lumOff val="50000"/>
-                        </a:prstClr>
-                      </a:solidFill>
-                      <a:prstDash val="solid"/>
-                      <a:round/>
-                      <a:headEnd type="none" w="med" len="med"/>
-                      <a:tailEnd type="none" w="med" len="med"/>
-                    </a:lnL>
-                    <a:lnR w="6350" cap="flat" cmpd="sng" algn="ctr">
-                      <a:solidFill>
-                        <a:prstClr val="black">
-                          <a:lumMod val="50000"/>
-                          <a:lumOff val="50000"/>
-                        </a:prstClr>
-                      </a:solidFill>
-                      <a:prstDash val="solid"/>
-                      <a:round/>
-                      <a:headEnd type="none" w="med" len="med"/>
-                      <a:tailEnd type="none" w="med" len="med"/>
-                    </a:lnR>
-                    <a:lnT w="9525" cap="flat" cmpd="sng" algn="ctr">
-                      <a:noFill/>
-                      <a:prstDash val="solid"/>
-                    </a:lnT>
-                    <a:lnB w="9525" cap="flat" cmpd="sng" algn="ctr">
-                      <a:noFill/>
-                      <a:prstDash val="solid"/>
-                    </a:lnB>
-                    <a:lnTlToBr w="12700" cmpd="sng">
-                      <a:noFill/>
-                      <a:prstDash val="solid"/>
-                    </a:lnTlToBr>
-                    <a:lnBlToTr w="12700" cmpd="sng">
-                      <a:noFill/>
-                      <a:prstDash val="solid"/>
-                    </a:lnBlToTr>
-                    <a:solidFill>
-                      <a:schemeClr val="bg1"/>
-                    </a:solidFill>
-                  </a:tcPr>
-                </a:tc>
-                <a:tc>
-                  <a:txBody>
-                    <a:bodyPr/>
-                    <a:lstStyle/>
-                    <a:p>
-                      <a:endParaRPr lang="en-US" dirty="0">
-                        <a:latin typeface="Century Gothic"/>
-                        <a:cs typeface="Century Gothic"/>
-                      </a:endParaRPr>
-                    </a:p>
-                  </a:txBody>
-                  <a:tcPr marL="182880" marR="182880" anchor="ctr">
-                    <a:lnL w="6350" cap="flat" cmpd="sng" algn="ctr">
-                      <a:solidFill>
-                        <a:prstClr val="black">
-                          <a:lumMod val="50000"/>
-                          <a:lumOff val="50000"/>
-                        </a:prstClr>
-                      </a:solidFill>
-                      <a:prstDash val="solid"/>
-                      <a:round/>
-                      <a:headEnd type="none" w="med" len="med"/>
-                      <a:tailEnd type="none" w="med" len="med"/>
-                    </a:lnL>
-                    <a:lnR w="6350" cap="flat" cmpd="sng" algn="ctr">
-                      <a:solidFill>
-                        <a:prstClr val="black">
-                          <a:lumMod val="50000"/>
-                          <a:lumOff val="50000"/>
-                        </a:prstClr>
-                      </a:solidFill>
-                      <a:prstDash val="solid"/>
-                      <a:round/>
-                      <a:headEnd type="none" w="med" len="med"/>
-                      <a:tailEnd type="none" w="med" len="med"/>
-                    </a:lnR>
-                    <a:lnT w="9525" cap="flat" cmpd="sng" algn="ctr">
-                      <a:noFill/>
-                      <a:prstDash val="solid"/>
-                    </a:lnT>
-                    <a:lnB w="9525" cap="flat" cmpd="sng" algn="ctr">
-                      <a:noFill/>
-                      <a:prstDash val="solid"/>
-                    </a:lnB>
-                    <a:lnTlToBr w="12700" cmpd="sng">
-                      <a:noFill/>
-                      <a:prstDash val="solid"/>
-                    </a:lnTlToBr>
-                    <a:lnBlToTr w="12700" cmpd="sng">
-                      <a:noFill/>
-                      <a:prstDash val="solid"/>
-                    </a:lnBlToTr>
-                    <a:solidFill>
-                      <a:schemeClr val="bg1"/>
-                    </a:solidFill>
-                  </a:tcPr>
-                </a:tc>
-                <a:tc>
-                  <a:txBody>
-                    <a:bodyPr/>
-                    <a:lstStyle/>
-                    <a:p>
-                      <a:endParaRPr lang="en-US" dirty="0">
-                        <a:latin typeface="Century Gothic"/>
-                        <a:cs typeface="Century Gothic"/>
-                      </a:endParaRPr>
-                    </a:p>
-                  </a:txBody>
-                  <a:tcPr marL="182880" marR="182880" anchor="ctr">
-                    <a:lnL w="6350" cap="flat" cmpd="sng" algn="ctr">
-                      <a:solidFill>
-                        <a:prstClr val="black">
-                          <a:lumMod val="50000"/>
-                          <a:lumOff val="50000"/>
-                        </a:prstClr>
-                      </a:solidFill>
-                      <a:prstDash val="solid"/>
-                      <a:round/>
-                      <a:headEnd type="none" w="med" len="med"/>
-                      <a:tailEnd type="none" w="med" len="med"/>
-                    </a:lnL>
-                    <a:lnR w="6350" cap="flat" cmpd="sng" algn="ctr">
-                      <a:solidFill>
-                        <a:prstClr val="black">
-                          <a:lumMod val="50000"/>
-                          <a:lumOff val="50000"/>
-                        </a:prstClr>
-                      </a:solidFill>
-                      <a:prstDash val="solid"/>
-                      <a:round/>
-                      <a:headEnd type="none" w="med" len="med"/>
-                      <a:tailEnd type="none" w="med" len="med"/>
-                    </a:lnR>
-                    <a:lnT w="9525" cap="flat" cmpd="sng" algn="ctr">
-                      <a:noFill/>
-                      <a:prstDash val="solid"/>
-                    </a:lnT>
-                    <a:lnB w="9525" cap="flat" cmpd="sng" algn="ctr">
-                      <a:noFill/>
-                      <a:prstDash val="solid"/>
-                    </a:lnB>
-                    <a:lnTlToBr w="12700" cmpd="sng">
-                      <a:noFill/>
-                      <a:prstDash val="solid"/>
-                    </a:lnTlToBr>
-                    <a:lnBlToTr w="12700" cmpd="sng">
-                      <a:noFill/>
-                      <a:prstDash val="solid"/>
-                    </a:lnBlToTr>
-                    <a:solidFill>
-                      <a:schemeClr val="bg1"/>
-                    </a:solidFill>
-                  </a:tcPr>
-                </a:tc>
-                <a:tc>
-                  <a:txBody>
-                    <a:bodyPr/>
-                    <a:lstStyle/>
-                    <a:p>
-                      <a:endParaRPr lang="en-US">
-                        <a:latin typeface="Century Gothic"/>
-                        <a:cs typeface="Century Gothic"/>
-                      </a:endParaRPr>
-                    </a:p>
-                  </a:txBody>
-                  <a:tcPr marL="182880" marR="182880" anchor="ctr">
-                    <a:lnL w="6350" cap="flat" cmpd="sng" algn="ctr">
-                      <a:solidFill>
-                        <a:prstClr val="black">
-                          <a:lumMod val="50000"/>
-                          <a:lumOff val="50000"/>
-                        </a:prstClr>
-                      </a:solidFill>
-                      <a:prstDash val="solid"/>
-                      <a:round/>
-                      <a:headEnd type="none" w="med" len="med"/>
-                      <a:tailEnd type="none" w="med" len="med"/>
-                    </a:lnL>
-                    <a:lnR w="6350" cap="flat" cmpd="sng" algn="ctr">
-                      <a:solidFill>
-                        <a:prstClr val="black">
-                          <a:lumMod val="50000"/>
-                          <a:lumOff val="50000"/>
-                        </a:prstClr>
-                      </a:solidFill>
-                      <a:prstDash val="solid"/>
-                      <a:round/>
-                      <a:headEnd type="none" w="med" len="med"/>
-                      <a:tailEnd type="none" w="med" len="med"/>
-                    </a:lnR>
-                    <a:lnT w="9525" cap="flat" cmpd="sng" algn="ctr">
-                      <a:noFill/>
-                      <a:prstDash val="solid"/>
-                    </a:lnT>
-                    <a:lnB w="9525" cap="flat" cmpd="sng" algn="ctr">
-                      <a:noFill/>
-                      <a:prstDash val="solid"/>
-                    </a:lnB>
-                    <a:lnTlToBr w="12700" cmpd="sng">
-                      <a:noFill/>
-                      <a:prstDash val="solid"/>
-                    </a:lnTlToBr>
-                    <a:lnBlToTr w="12700" cmpd="sng">
-                      <a:noFill/>
-                      <a:prstDash val="solid"/>
-                    </a:lnBlToTr>
-                    <a:solidFill>
-                      <a:schemeClr val="bg1"/>
-                    </a:solidFill>
-                  </a:tcPr>
-                </a:tc>
-                <a:tc>
-                  <a:txBody>
-                    <a:bodyPr/>
-                    <a:lstStyle/>
-                    <a:p>
-                      <a:endParaRPr lang="en-US" dirty="0">
-                        <a:latin typeface="Century Gothic"/>
-                        <a:cs typeface="Century Gothic"/>
-                      </a:endParaRPr>
-                    </a:p>
-                  </a:txBody>
-                  <a:tcPr marL="182880" marR="182880" anchor="ctr">
-                    <a:lnL w="6350" cap="flat" cmpd="sng" algn="ctr">
-                      <a:solidFill>
-                        <a:prstClr val="black">
-                          <a:lumMod val="50000"/>
-                          <a:lumOff val="50000"/>
-                        </a:prstClr>
-                      </a:solidFill>
-                      <a:prstDash val="solid"/>
-                      <a:round/>
-                      <a:headEnd type="none" w="med" len="med"/>
-                      <a:tailEnd type="none" w="med" len="med"/>
-                    </a:lnL>
-                    <a:lnR w="6350" cap="flat" cmpd="sng" algn="ctr">
-                      <a:solidFill>
-                        <a:srgbClr val="7F7F7F"/>
-                      </a:solidFill>
-                      <a:prstDash val="solid"/>
-                      <a:round/>
-                      <a:headEnd type="none" w="med" len="med"/>
-                      <a:tailEnd type="none" w="med" len="med"/>
-                    </a:lnR>
-                    <a:lnT w="9525" cap="flat" cmpd="sng" algn="ctr">
-                      <a:noFill/>
-                      <a:prstDash val="solid"/>
-                    </a:lnT>
-                    <a:lnB w="9525" cap="flat" cmpd="sng" algn="ctr">
-                      <a:noFill/>
-                      <a:prstDash val="solid"/>
-                    </a:lnB>
-                    <a:lnTlToBr w="12700" cmpd="sng">
-                      <a:noFill/>
-                      <a:prstDash val="solid"/>
-                    </a:lnTlToBr>
-                    <a:lnBlToTr w="12700" cmpd="sng">
-                      <a:noFill/>
-                      <a:prstDash val="solid"/>
-                    </a:lnBlToTr>
-                    <a:solidFill>
-                      <a:schemeClr val="bg1"/>
-                    </a:solidFill>
-                  </a:tcPr>
-                </a:tc>
-              </a:tr>
-              <a:tr h="522509">
-                <a:tc>
-                  <a:txBody>
-                    <a:bodyPr/>
-                    <a:lstStyle/>
-                    <a:p>
-                      <a:endParaRPr lang="en-US" dirty="0">
-                        <a:latin typeface="Century Gothic"/>
-                        <a:cs typeface="Century Gothic"/>
-                      </a:endParaRPr>
-                    </a:p>
-                  </a:txBody>
-                  <a:tcPr marL="182880" marR="182880" anchor="ctr">
-                    <a:lnL w="6350" cap="flat" cmpd="sng" algn="ctr">
-                      <a:solidFill>
-                        <a:srgbClr val="7F7F7F"/>
-                      </a:solidFill>
-                      <a:prstDash val="solid"/>
-                      <a:round/>
-                      <a:headEnd type="none" w="med" len="med"/>
-                      <a:tailEnd type="none" w="med" len="med"/>
-                    </a:lnL>
-                    <a:lnR w="6350" cap="flat" cmpd="sng" algn="ctr">
-                      <a:solidFill>
-                        <a:prstClr val="black">
-                          <a:lumMod val="50000"/>
-                          <a:lumOff val="50000"/>
-                        </a:prstClr>
-                      </a:solidFill>
-                      <a:prstDash val="solid"/>
-                      <a:round/>
-                      <a:headEnd type="none" w="med" len="med"/>
-                      <a:tailEnd type="none" w="med" len="med"/>
-                    </a:lnR>
-                    <a:lnT w="9525" cap="flat" cmpd="sng" algn="ctr">
-                      <a:noFill/>
-                      <a:prstDash val="solid"/>
-                    </a:lnT>
-                    <a:lnB w="9525" cap="flat" cmpd="sng" algn="ctr">
-                      <a:noFill/>
-                      <a:prstDash val="solid"/>
-                    </a:lnB>
-                    <a:lnTlToBr w="12700" cmpd="sng">
-                      <a:noFill/>
-                      <a:prstDash val="solid"/>
-                    </a:lnTlToBr>
-                    <a:lnBlToTr w="12700" cmpd="sng">
-                      <a:noFill/>
-                      <a:prstDash val="solid"/>
-                    </a:lnBlToTr>
-                    <a:solidFill>
-                      <a:schemeClr val="bg2">
-                        <a:lumMod val="20000"/>
-                        <a:lumOff val="80000"/>
-                      </a:schemeClr>
-                    </a:solidFill>
-                  </a:tcPr>
-                </a:tc>
-                <a:tc>
-                  <a:txBody>
-                    <a:bodyPr/>
-                    <a:lstStyle/>
-                    <a:p>
-                      <a:endParaRPr lang="en-US" dirty="0">
-                        <a:latin typeface="Century Gothic"/>
-                        <a:cs typeface="Century Gothic"/>
-                      </a:endParaRPr>
-                    </a:p>
-                  </a:txBody>
-                  <a:tcPr marL="182880" marR="182880" anchor="ctr">
-                    <a:lnL w="6350" cap="flat" cmpd="sng" algn="ctr">
-                      <a:solidFill>
-                        <a:prstClr val="black">
-                          <a:lumMod val="50000"/>
-                          <a:lumOff val="50000"/>
-                        </a:prstClr>
-                      </a:solidFill>
-                      <a:prstDash val="solid"/>
-                      <a:round/>
-                      <a:headEnd type="none" w="med" len="med"/>
-                      <a:tailEnd type="none" w="med" len="med"/>
-                    </a:lnL>
-                    <a:lnR w="6350" cap="flat" cmpd="sng" algn="ctr">
-                      <a:solidFill>
-                        <a:prstClr val="black">
-                          <a:lumMod val="50000"/>
-                          <a:lumOff val="50000"/>
-                        </a:prstClr>
-                      </a:solidFill>
-                      <a:prstDash val="solid"/>
-                      <a:round/>
-                      <a:headEnd type="none" w="med" len="med"/>
-                      <a:tailEnd type="none" w="med" len="med"/>
-                    </a:lnR>
-                    <a:lnT w="9525" cap="flat" cmpd="sng" algn="ctr">
-                      <a:noFill/>
-                      <a:prstDash val="solid"/>
-                    </a:lnT>
-                    <a:lnB w="9525" cap="flat" cmpd="sng" algn="ctr">
-                      <a:noFill/>
-                      <a:prstDash val="solid"/>
-                    </a:lnB>
-                    <a:lnTlToBr w="12700" cmpd="sng">
-                      <a:noFill/>
-                      <a:prstDash val="solid"/>
-                    </a:lnTlToBr>
-                    <a:lnBlToTr w="12700" cmpd="sng">
-                      <a:noFill/>
-                      <a:prstDash val="solid"/>
-                    </a:lnBlToTr>
-                    <a:solidFill>
-                      <a:schemeClr val="bg2">
-                        <a:lumMod val="20000"/>
-                        <a:lumOff val="80000"/>
-                      </a:schemeClr>
-                    </a:solidFill>
-                  </a:tcPr>
-                </a:tc>
-                <a:tc>
-                  <a:txBody>
-                    <a:bodyPr/>
-                    <a:lstStyle/>
-                    <a:p>
-                      <a:endParaRPr lang="en-US" dirty="0">
-                        <a:latin typeface="Century Gothic"/>
-                        <a:cs typeface="Century Gothic"/>
-                      </a:endParaRPr>
-                    </a:p>
-                  </a:txBody>
-                  <a:tcPr marL="182880" marR="182880" anchor="ctr">
-                    <a:lnL w="6350" cap="flat" cmpd="sng" algn="ctr">
-                      <a:solidFill>
-                        <a:prstClr val="black">
-                          <a:lumMod val="50000"/>
-                          <a:lumOff val="50000"/>
-                        </a:prstClr>
-                      </a:solidFill>
-                      <a:prstDash val="solid"/>
-                      <a:round/>
-                      <a:headEnd type="none" w="med" len="med"/>
-                      <a:tailEnd type="none" w="med" len="med"/>
-                    </a:lnL>
-                    <a:lnR w="6350" cap="flat" cmpd="sng" algn="ctr">
-                      <a:solidFill>
-                        <a:prstClr val="black">
-                          <a:lumMod val="50000"/>
-                          <a:lumOff val="50000"/>
-                        </a:prstClr>
-                      </a:solidFill>
-                      <a:prstDash val="solid"/>
-                      <a:round/>
-                      <a:headEnd type="none" w="med" len="med"/>
-                      <a:tailEnd type="none" w="med" len="med"/>
-                    </a:lnR>
-                    <a:lnT w="9525" cap="flat" cmpd="sng" algn="ctr">
-                      <a:noFill/>
-                      <a:prstDash val="solid"/>
-                    </a:lnT>
-                    <a:lnB w="9525" cap="flat" cmpd="sng" algn="ctr">
-                      <a:noFill/>
-                      <a:prstDash val="solid"/>
-                    </a:lnB>
-                    <a:lnTlToBr w="12700" cmpd="sng">
-                      <a:noFill/>
-                      <a:prstDash val="solid"/>
-                    </a:lnTlToBr>
-                    <a:lnBlToTr w="12700" cmpd="sng">
-                      <a:noFill/>
-                      <a:prstDash val="solid"/>
-                    </a:lnBlToTr>
-                    <a:solidFill>
-                      <a:schemeClr val="bg2">
-                        <a:lumMod val="20000"/>
-                        <a:lumOff val="80000"/>
-                      </a:schemeClr>
-                    </a:solidFill>
-                  </a:tcPr>
-                </a:tc>
-                <a:tc>
-                  <a:txBody>
-                    <a:bodyPr/>
-                    <a:lstStyle/>
-                    <a:p>
-                      <a:endParaRPr lang="en-US" dirty="0">
-                        <a:latin typeface="Century Gothic"/>
-                        <a:cs typeface="Century Gothic"/>
-                      </a:endParaRPr>
-                    </a:p>
-                  </a:txBody>
-                  <a:tcPr marL="182880" marR="182880" anchor="ctr">
-                    <a:lnL w="6350" cap="flat" cmpd="sng" algn="ctr">
-                      <a:solidFill>
-                        <a:prstClr val="black">
-                          <a:lumMod val="50000"/>
-                          <a:lumOff val="50000"/>
-                        </a:prstClr>
-                      </a:solidFill>
-                      <a:prstDash val="solid"/>
-                      <a:round/>
-                      <a:headEnd type="none" w="med" len="med"/>
-                      <a:tailEnd type="none" w="med" len="med"/>
-                    </a:lnL>
-                    <a:lnR w="6350" cap="flat" cmpd="sng" algn="ctr">
-                      <a:solidFill>
-                        <a:prstClr val="black">
-                          <a:lumMod val="50000"/>
-                          <a:lumOff val="50000"/>
-                        </a:prstClr>
-                      </a:solidFill>
-                      <a:prstDash val="solid"/>
-                      <a:round/>
-                      <a:headEnd type="none" w="med" len="med"/>
-                      <a:tailEnd type="none" w="med" len="med"/>
-                    </a:lnR>
-                    <a:lnT w="9525" cap="flat" cmpd="sng" algn="ctr">
-                      <a:noFill/>
-                      <a:prstDash val="solid"/>
-                    </a:lnT>
-                    <a:lnB w="9525" cap="flat" cmpd="sng" algn="ctr">
-                      <a:noFill/>
-                      <a:prstDash val="solid"/>
-                    </a:lnB>
-                    <a:lnTlToBr w="12700" cmpd="sng">
-                      <a:noFill/>
-                      <a:prstDash val="solid"/>
-                    </a:lnTlToBr>
-                    <a:lnBlToTr w="12700" cmpd="sng">
-                      <a:noFill/>
-                      <a:prstDash val="solid"/>
-                    </a:lnBlToTr>
-                    <a:solidFill>
-                      <a:schemeClr val="bg2">
-                        <a:lumMod val="20000"/>
-                        <a:lumOff val="80000"/>
-                      </a:schemeClr>
-                    </a:solidFill>
-                  </a:tcPr>
-                </a:tc>
-                <a:tc>
-                  <a:txBody>
-                    <a:bodyPr/>
-                    <a:lstStyle/>
-                    <a:p>
-                      <a:endParaRPr lang="en-US" dirty="0">
-                        <a:latin typeface="Century Gothic"/>
-                        <a:cs typeface="Century Gothic"/>
-                      </a:endParaRPr>
-                    </a:p>
-                  </a:txBody>
-                  <a:tcPr marL="182880" marR="182880" anchor="ctr">
-                    <a:lnL w="6350" cap="flat" cmpd="sng" algn="ctr">
-                      <a:solidFill>
-                        <a:prstClr val="black">
-                          <a:lumMod val="50000"/>
-                          <a:lumOff val="50000"/>
-                        </a:prstClr>
-                      </a:solidFill>
-                      <a:prstDash val="solid"/>
-                      <a:round/>
-                      <a:headEnd type="none" w="med" len="med"/>
-                      <a:tailEnd type="none" w="med" len="med"/>
-                    </a:lnL>
-                    <a:lnR w="6350" cap="flat" cmpd="sng" algn="ctr">
-                      <a:solidFill>
-                        <a:prstClr val="black">
-                          <a:lumMod val="50000"/>
-                          <a:lumOff val="50000"/>
-                        </a:prstClr>
-                      </a:solidFill>
-                      <a:prstDash val="solid"/>
-                      <a:round/>
-                      <a:headEnd type="none" w="med" len="med"/>
-                      <a:tailEnd type="none" w="med" len="med"/>
-                    </a:lnR>
-                    <a:lnT w="9525" cap="flat" cmpd="sng" algn="ctr">
-                      <a:noFill/>
-                      <a:prstDash val="solid"/>
-                    </a:lnT>
-                    <a:lnB w="9525" cap="flat" cmpd="sng" algn="ctr">
-                      <a:noFill/>
-                      <a:prstDash val="solid"/>
-                    </a:lnB>
-                    <a:lnTlToBr w="12700" cmpd="sng">
-                      <a:noFill/>
-                      <a:prstDash val="solid"/>
-                    </a:lnTlToBr>
-                    <a:lnBlToTr w="12700" cmpd="sng">
-                      <a:noFill/>
-                      <a:prstDash val="solid"/>
-                    </a:lnBlToTr>
-                    <a:solidFill>
-                      <a:schemeClr val="bg2">
-                        <a:lumMod val="20000"/>
-                        <a:lumOff val="80000"/>
-                      </a:schemeClr>
-                    </a:solidFill>
-                  </a:tcPr>
-                </a:tc>
-                <a:tc>
-                  <a:txBody>
-                    <a:bodyPr/>
-                    <a:lstStyle/>
-                    <a:p>
-                      <a:endParaRPr lang="en-US" dirty="0">
-                        <a:latin typeface="Century Gothic"/>
-                        <a:cs typeface="Century Gothic"/>
-                      </a:endParaRPr>
-                    </a:p>
-                  </a:txBody>
-                  <a:tcPr marL="182880" marR="182880" anchor="ctr">
-                    <a:lnL w="6350" cap="flat" cmpd="sng" algn="ctr">
-                      <a:solidFill>
-                        <a:prstClr val="black">
-                          <a:lumMod val="50000"/>
-                          <a:lumOff val="50000"/>
-                        </a:prstClr>
-                      </a:solidFill>
-                      <a:prstDash val="solid"/>
-                      <a:round/>
-                      <a:headEnd type="none" w="med" len="med"/>
-                      <a:tailEnd type="none" w="med" len="med"/>
-                    </a:lnL>
-                    <a:lnR w="6350" cap="flat" cmpd="sng" algn="ctr">
-                      <a:solidFill>
-                        <a:srgbClr val="7F7F7F"/>
-                      </a:solidFill>
-                      <a:prstDash val="solid"/>
-                      <a:round/>
-                      <a:headEnd type="none" w="med" len="med"/>
-                      <a:tailEnd type="none" w="med" len="med"/>
-                    </a:lnR>
-                    <a:lnT w="9525" cap="flat" cmpd="sng" algn="ctr">
-                      <a:noFill/>
-                      <a:prstDash val="solid"/>
-                    </a:lnT>
-                    <a:lnB w="9525" cap="flat" cmpd="sng" algn="ctr">
-                      <a:noFill/>
-                      <a:prstDash val="solid"/>
-                    </a:lnB>
-                    <a:lnTlToBr w="12700" cmpd="sng">
-                      <a:noFill/>
-                      <a:prstDash val="solid"/>
-                    </a:lnTlToBr>
-                    <a:lnBlToTr w="12700" cmpd="sng">
-                      <a:noFill/>
-                      <a:prstDash val="solid"/>
-                    </a:lnBlToTr>
-                    <a:solidFill>
-                      <a:schemeClr val="bg2">
-                        <a:lumMod val="20000"/>
-                        <a:lumOff val="80000"/>
-                      </a:schemeClr>
-                    </a:solidFill>
-                  </a:tcPr>
-                </a:tc>
-              </a:tr>
-              <a:tr h="522509">
-                <a:tc>
-                  <a:txBody>
-                    <a:bodyPr/>
-                    <a:lstStyle/>
-                    <a:p>
-                      <a:endParaRPr lang="en-US" dirty="0">
-                        <a:latin typeface="Century Gothic"/>
-                        <a:cs typeface="Century Gothic"/>
-                      </a:endParaRPr>
-                    </a:p>
-                  </a:txBody>
-                  <a:tcPr marL="182880" marR="182880" anchor="ctr">
-                    <a:lnL w="6350" cap="flat" cmpd="sng" algn="ctr">
-                      <a:solidFill>
-                        <a:srgbClr val="7F7F7F"/>
-                      </a:solidFill>
-                      <a:prstDash val="solid"/>
-                      <a:round/>
-                      <a:headEnd type="none" w="med" len="med"/>
-                      <a:tailEnd type="none" w="med" len="med"/>
-                    </a:lnL>
-                    <a:lnR w="6350" cap="flat" cmpd="sng" algn="ctr">
-                      <a:solidFill>
-                        <a:prstClr val="black">
-                          <a:lumMod val="50000"/>
-                          <a:lumOff val="50000"/>
-                        </a:prstClr>
-                      </a:solidFill>
-                      <a:prstDash val="solid"/>
-                      <a:round/>
-                      <a:headEnd type="none" w="med" len="med"/>
-                      <a:tailEnd type="none" w="med" len="med"/>
-                    </a:lnR>
-                    <a:lnT w="9525" cap="flat" cmpd="sng" algn="ctr">
-                      <a:noFill/>
-                      <a:prstDash val="solid"/>
-                    </a:lnT>
-                    <a:lnB w="9525" cap="flat" cmpd="sng" algn="ctr">
-                      <a:noFill/>
-                      <a:prstDash val="solid"/>
-                    </a:lnB>
-                    <a:lnTlToBr w="12700" cmpd="sng">
-                      <a:noFill/>
-                      <a:prstDash val="solid"/>
-                    </a:lnTlToBr>
-                    <a:lnBlToTr w="12700" cmpd="sng">
-                      <a:noFill/>
-                      <a:prstDash val="solid"/>
-                    </a:lnBlToTr>
-                    <a:solidFill>
-                      <a:schemeClr val="bg1"/>
-                    </a:solidFill>
-                  </a:tcPr>
-                </a:tc>
-                <a:tc>
-                  <a:txBody>
-                    <a:bodyPr/>
-                    <a:lstStyle/>
-                    <a:p>
-                      <a:endParaRPr lang="en-US" dirty="0">
-                        <a:latin typeface="Century Gothic"/>
-                        <a:cs typeface="Century Gothic"/>
-                      </a:endParaRPr>
-                    </a:p>
-                  </a:txBody>
-                  <a:tcPr marL="182880" marR="182880" anchor="ctr">
-                    <a:lnL w="6350" cap="flat" cmpd="sng" algn="ctr">
-                      <a:solidFill>
-                        <a:prstClr val="black">
-                          <a:lumMod val="50000"/>
-                          <a:lumOff val="50000"/>
-                        </a:prstClr>
-                      </a:solidFill>
-                      <a:prstDash val="solid"/>
-                      <a:round/>
-                      <a:headEnd type="none" w="med" len="med"/>
-                      <a:tailEnd type="none" w="med" len="med"/>
-                    </a:lnL>
-                    <a:lnR w="6350" cap="flat" cmpd="sng" algn="ctr">
-                      <a:solidFill>
-                        <a:prstClr val="black">
-                          <a:lumMod val="50000"/>
-                          <a:lumOff val="50000"/>
-                        </a:prstClr>
-                      </a:solidFill>
-                      <a:prstDash val="solid"/>
-                      <a:round/>
-                      <a:headEnd type="none" w="med" len="med"/>
-                      <a:tailEnd type="none" w="med" len="med"/>
-                    </a:lnR>
-                    <a:lnT w="9525" cap="flat" cmpd="sng" algn="ctr">
-                      <a:noFill/>
-                      <a:prstDash val="solid"/>
-                    </a:lnT>
-                    <a:lnB w="9525" cap="flat" cmpd="sng" algn="ctr">
-                      <a:noFill/>
-                      <a:prstDash val="solid"/>
-                    </a:lnB>
-                    <a:lnTlToBr w="12700" cmpd="sng">
-                      <a:noFill/>
-                      <a:prstDash val="solid"/>
-                    </a:lnTlToBr>
-                    <a:lnBlToTr w="12700" cmpd="sng">
-                      <a:noFill/>
-                      <a:prstDash val="solid"/>
-                    </a:lnBlToTr>
-                    <a:solidFill>
-                      <a:schemeClr val="bg1"/>
-                    </a:solidFill>
-                  </a:tcPr>
-                </a:tc>
-                <a:tc>
-                  <a:txBody>
-                    <a:bodyPr/>
-                    <a:lstStyle/>
-                    <a:p>
-                      <a:endParaRPr lang="en-US" dirty="0">
-                        <a:latin typeface="Century Gothic"/>
-                        <a:cs typeface="Century Gothic"/>
-                      </a:endParaRPr>
-                    </a:p>
-                  </a:txBody>
-                  <a:tcPr marL="182880" marR="182880" anchor="ctr">
-                    <a:lnL w="6350" cap="flat" cmpd="sng" algn="ctr">
-                      <a:solidFill>
-                        <a:prstClr val="black">
-                          <a:lumMod val="50000"/>
-                          <a:lumOff val="50000"/>
-                        </a:prstClr>
-                      </a:solidFill>
-                      <a:prstDash val="solid"/>
-                      <a:round/>
-                      <a:headEnd type="none" w="med" len="med"/>
-                      <a:tailEnd type="none" w="med" len="med"/>
-                    </a:lnL>
-                    <a:lnR w="6350" cap="flat" cmpd="sng" algn="ctr">
-                      <a:solidFill>
-                        <a:prstClr val="black">
-                          <a:lumMod val="50000"/>
-                          <a:lumOff val="50000"/>
-                        </a:prstClr>
-                      </a:solidFill>
-                      <a:prstDash val="solid"/>
-                      <a:round/>
-                      <a:headEnd type="none" w="med" len="med"/>
-                      <a:tailEnd type="none" w="med" len="med"/>
-                    </a:lnR>
-                    <a:lnT w="9525" cap="flat" cmpd="sng" algn="ctr">
-                      <a:noFill/>
-                      <a:prstDash val="solid"/>
-                    </a:lnT>
-                    <a:lnB w="9525" cap="flat" cmpd="sng" algn="ctr">
-                      <a:noFill/>
-                      <a:prstDash val="solid"/>
-                    </a:lnB>
-                    <a:lnTlToBr w="12700" cmpd="sng">
-                      <a:noFill/>
-                      <a:prstDash val="solid"/>
-                    </a:lnTlToBr>
-                    <a:lnBlToTr w="12700" cmpd="sng">
-                      <a:noFill/>
-                      <a:prstDash val="solid"/>
-                    </a:lnBlToTr>
-                    <a:solidFill>
-                      <a:schemeClr val="bg1"/>
-                    </a:solidFill>
-                  </a:tcPr>
-                </a:tc>
-                <a:tc>
-                  <a:txBody>
-                    <a:bodyPr/>
-                    <a:lstStyle/>
-                    <a:p>
-                      <a:endParaRPr lang="en-US" dirty="0">
-                        <a:latin typeface="Century Gothic"/>
-                        <a:cs typeface="Century Gothic"/>
-                      </a:endParaRPr>
-                    </a:p>
-                  </a:txBody>
-                  <a:tcPr marL="182880" marR="182880" anchor="ctr">
-                    <a:lnL w="6350" cap="flat" cmpd="sng" algn="ctr">
-                      <a:solidFill>
-                        <a:prstClr val="black">
-                          <a:lumMod val="50000"/>
-                          <a:lumOff val="50000"/>
-                        </a:prstClr>
-                      </a:solidFill>
-                      <a:prstDash val="solid"/>
-                      <a:round/>
-                      <a:headEnd type="none" w="med" len="med"/>
-                      <a:tailEnd type="none" w="med" len="med"/>
-                    </a:lnL>
-                    <a:lnR w="6350" cap="flat" cmpd="sng" algn="ctr">
-                      <a:solidFill>
-                        <a:prstClr val="black">
-                          <a:lumMod val="50000"/>
-                          <a:lumOff val="50000"/>
-                        </a:prstClr>
-                      </a:solidFill>
-                      <a:prstDash val="solid"/>
-                      <a:round/>
-                      <a:headEnd type="none" w="med" len="med"/>
-                      <a:tailEnd type="none" w="med" len="med"/>
-                    </a:lnR>
-                    <a:lnT w="9525" cap="flat" cmpd="sng" algn="ctr">
-                      <a:noFill/>
-                      <a:prstDash val="solid"/>
-                    </a:lnT>
-                    <a:lnB w="9525" cap="flat" cmpd="sng" algn="ctr">
-                      <a:noFill/>
-                      <a:prstDash val="solid"/>
-                    </a:lnB>
-                    <a:lnTlToBr w="12700" cmpd="sng">
-                      <a:noFill/>
-                      <a:prstDash val="solid"/>
-                    </a:lnTlToBr>
-                    <a:lnBlToTr w="12700" cmpd="sng">
-                      <a:noFill/>
-                      <a:prstDash val="solid"/>
-                    </a:lnBlToTr>
-                    <a:solidFill>
-                      <a:schemeClr val="bg1"/>
-                    </a:solidFill>
-                  </a:tcPr>
-                </a:tc>
-                <a:tc>
-                  <a:txBody>
-                    <a:bodyPr/>
-                    <a:lstStyle/>
-                    <a:p>
-                      <a:endParaRPr lang="en-US" dirty="0">
-                        <a:latin typeface="Century Gothic"/>
-                        <a:cs typeface="Century Gothic"/>
-                      </a:endParaRPr>
-                    </a:p>
-                  </a:txBody>
-                  <a:tcPr marL="182880" marR="182880" anchor="ctr">
-                    <a:lnL w="6350" cap="flat" cmpd="sng" algn="ctr">
-                      <a:solidFill>
-                        <a:prstClr val="black">
-                          <a:lumMod val="50000"/>
-                          <a:lumOff val="50000"/>
-                        </a:prstClr>
-                      </a:solidFill>
-                      <a:prstDash val="solid"/>
-                      <a:round/>
-                      <a:headEnd type="none" w="med" len="med"/>
-                      <a:tailEnd type="none" w="med" len="med"/>
-                    </a:lnL>
-                    <a:lnR w="6350" cap="flat" cmpd="sng" algn="ctr">
-                      <a:solidFill>
-                        <a:prstClr val="black">
-                          <a:lumMod val="50000"/>
-                          <a:lumOff val="50000"/>
-                        </a:prstClr>
-                      </a:solidFill>
-                      <a:prstDash val="solid"/>
-                      <a:round/>
-                      <a:headEnd type="none" w="med" len="med"/>
-                      <a:tailEnd type="none" w="med" len="med"/>
-                    </a:lnR>
-                    <a:lnT w="9525" cap="flat" cmpd="sng" algn="ctr">
-                      <a:noFill/>
-                      <a:prstDash val="solid"/>
-                    </a:lnT>
-                    <a:lnB w="9525" cap="flat" cmpd="sng" algn="ctr">
-                      <a:noFill/>
-                      <a:prstDash val="solid"/>
-                    </a:lnB>
-                    <a:lnTlToBr w="12700" cmpd="sng">
-                      <a:noFill/>
-                      <a:prstDash val="solid"/>
-                    </a:lnTlToBr>
-                    <a:lnBlToTr w="12700" cmpd="sng">
-                      <a:noFill/>
-                      <a:prstDash val="solid"/>
-                    </a:lnBlToTr>
-                    <a:solidFill>
-                      <a:schemeClr val="bg1"/>
-                    </a:solidFill>
-                  </a:tcPr>
-                </a:tc>
-                <a:tc>
-                  <a:txBody>
-                    <a:bodyPr/>
-                    <a:lstStyle/>
-                    <a:p>
-                      <a:endParaRPr lang="en-US" dirty="0">
-                        <a:latin typeface="Century Gothic"/>
-                        <a:cs typeface="Century Gothic"/>
-                      </a:endParaRPr>
-                    </a:p>
-                  </a:txBody>
-                  <a:tcPr marL="182880" marR="182880" anchor="ctr">
-                    <a:lnL w="6350" cap="flat" cmpd="sng" algn="ctr">
-                      <a:solidFill>
-                        <a:prstClr val="black">
-                          <a:lumMod val="50000"/>
-                          <a:lumOff val="50000"/>
-                        </a:prstClr>
-                      </a:solidFill>
-                      <a:prstDash val="solid"/>
-                      <a:round/>
-                      <a:headEnd type="none" w="med" len="med"/>
-                      <a:tailEnd type="none" w="med" len="med"/>
-                    </a:lnL>
-                    <a:lnR w="6350" cap="flat" cmpd="sng" algn="ctr">
-                      <a:solidFill>
-                        <a:srgbClr val="7F7F7F"/>
-                      </a:solidFill>
-                      <a:prstDash val="solid"/>
-                      <a:round/>
-                      <a:headEnd type="none" w="med" len="med"/>
-                      <a:tailEnd type="none" w="med" len="med"/>
-                    </a:lnR>
-                    <a:lnT w="9525" cap="flat" cmpd="sng" algn="ctr">
-                      <a:noFill/>
-                      <a:prstDash val="solid"/>
-                    </a:lnT>
-                    <a:lnB w="9525" cap="flat" cmpd="sng" algn="ctr">
-                      <a:noFill/>
-                      <a:prstDash val="solid"/>
-                    </a:lnB>
-                    <a:lnTlToBr w="12700" cmpd="sng">
-                      <a:noFill/>
-                      <a:prstDash val="solid"/>
-                    </a:lnTlToBr>
-                    <a:lnBlToTr w="12700" cmpd="sng">
-                      <a:noFill/>
-                      <a:prstDash val="solid"/>
-                    </a:lnBlToTr>
-                    <a:solidFill>
-                      <a:schemeClr val="bg1"/>
-                    </a:solidFill>
-                  </a:tcPr>
-                </a:tc>
-              </a:tr>
-              <a:tr h="522509">
-                <a:tc>
-                  <a:txBody>
-                    <a:bodyPr/>
-                    <a:lstStyle/>
-                    <a:p>
-                      <a:endParaRPr lang="en-US" dirty="0">
-                        <a:latin typeface="Century Gothic"/>
-                        <a:cs typeface="Century Gothic"/>
-                      </a:endParaRPr>
-                    </a:p>
-                  </a:txBody>
-                  <a:tcPr marL="182880" marR="182880" anchor="ctr">
-                    <a:lnL w="6350" cap="flat" cmpd="sng" algn="ctr">
-                      <a:solidFill>
-                        <a:srgbClr val="7F7F7F"/>
-                      </a:solidFill>
-                      <a:prstDash val="solid"/>
-                      <a:round/>
-                      <a:headEnd type="none" w="med" len="med"/>
-                      <a:tailEnd type="none" w="med" len="med"/>
-                    </a:lnL>
-                    <a:lnR w="6350" cap="flat" cmpd="sng" algn="ctr">
-                      <a:solidFill>
-                        <a:prstClr val="black">
-                          <a:lumMod val="50000"/>
-                          <a:lumOff val="50000"/>
-                        </a:prstClr>
-                      </a:solidFill>
-                      <a:prstDash val="solid"/>
-                      <a:round/>
-                      <a:headEnd type="none" w="med" len="med"/>
-                      <a:tailEnd type="none" w="med" len="med"/>
-                    </a:lnR>
-                    <a:lnT w="9525" cap="flat" cmpd="sng" algn="ctr">
-                      <a:noFill/>
-                      <a:prstDash val="solid"/>
-                    </a:lnT>
-                    <a:lnB w="9525" cap="flat" cmpd="sng" algn="ctr">
-                      <a:noFill/>
-                      <a:prstDash val="solid"/>
-                    </a:lnB>
-                    <a:lnTlToBr w="12700" cmpd="sng">
-                      <a:noFill/>
-                      <a:prstDash val="solid"/>
-                    </a:lnTlToBr>
-                    <a:lnBlToTr w="12700" cmpd="sng">
-                      <a:noFill/>
-                      <a:prstDash val="solid"/>
-                    </a:lnBlToTr>
-                    <a:solidFill>
-                      <a:srgbClr val="EDEDED"/>
-                    </a:solidFill>
-                  </a:tcPr>
-                </a:tc>
-                <a:tc>
-                  <a:txBody>
-                    <a:bodyPr/>
-                    <a:lstStyle/>
-                    <a:p>
-                      <a:endParaRPr lang="en-US" dirty="0">
-                        <a:latin typeface="Century Gothic"/>
-                        <a:cs typeface="Century Gothic"/>
-                      </a:endParaRPr>
-                    </a:p>
-                  </a:txBody>
-                  <a:tcPr marL="182880" marR="182880" anchor="ctr">
-                    <a:lnL w="6350" cap="flat" cmpd="sng" algn="ctr">
-                      <a:solidFill>
-                        <a:prstClr val="black">
-                          <a:lumMod val="50000"/>
-                          <a:lumOff val="50000"/>
-                        </a:prstClr>
-                      </a:solidFill>
-                      <a:prstDash val="solid"/>
-                      <a:round/>
-                      <a:headEnd type="none" w="med" len="med"/>
-                      <a:tailEnd type="none" w="med" len="med"/>
-                    </a:lnL>
-                    <a:lnR w="6350" cap="flat" cmpd="sng" algn="ctr">
-                      <a:solidFill>
-                        <a:prstClr val="black">
-                          <a:lumMod val="50000"/>
-                          <a:lumOff val="50000"/>
-                        </a:prstClr>
-                      </a:solidFill>
-                      <a:prstDash val="solid"/>
-                      <a:round/>
-                      <a:headEnd type="none" w="med" len="med"/>
-                      <a:tailEnd type="none" w="med" len="med"/>
-                    </a:lnR>
-                    <a:lnT w="9525" cap="flat" cmpd="sng" algn="ctr">
-                      <a:noFill/>
-                      <a:prstDash val="solid"/>
-                    </a:lnT>
-                    <a:lnB w="9525" cap="flat" cmpd="sng" algn="ctr">
-                      <a:noFill/>
-                      <a:prstDash val="solid"/>
-                    </a:lnB>
-                    <a:lnTlToBr w="12700" cmpd="sng">
-                      <a:noFill/>
-                      <a:prstDash val="solid"/>
-                    </a:lnTlToBr>
-                    <a:lnBlToTr w="12700" cmpd="sng">
-                      <a:noFill/>
-                      <a:prstDash val="solid"/>
-                    </a:lnBlToTr>
-                    <a:solidFill>
-                      <a:srgbClr val="EDEDED"/>
-                    </a:solidFill>
-                  </a:tcPr>
-                </a:tc>
-                <a:tc>
-                  <a:txBody>
-                    <a:bodyPr/>
-                    <a:lstStyle/>
-                    <a:p>
-                      <a:endParaRPr lang="en-US" dirty="0">
-                        <a:latin typeface="Century Gothic"/>
-                        <a:cs typeface="Century Gothic"/>
-                      </a:endParaRPr>
-                    </a:p>
-                  </a:txBody>
-                  <a:tcPr marL="182880" marR="182880" anchor="ctr">
-                    <a:lnL w="6350" cap="flat" cmpd="sng" algn="ctr">
-                      <a:solidFill>
-                        <a:prstClr val="black">
-                          <a:lumMod val="50000"/>
-                          <a:lumOff val="50000"/>
-                        </a:prstClr>
-                      </a:solidFill>
-                      <a:prstDash val="solid"/>
-                      <a:round/>
-                      <a:headEnd type="none" w="med" len="med"/>
-                      <a:tailEnd type="none" w="med" len="med"/>
-                    </a:lnL>
-                    <a:lnR w="6350" cap="flat" cmpd="sng" algn="ctr">
-                      <a:solidFill>
-                        <a:prstClr val="black">
-                          <a:lumMod val="50000"/>
-                          <a:lumOff val="50000"/>
-                        </a:prstClr>
-                      </a:solidFill>
-                      <a:prstDash val="solid"/>
-                      <a:round/>
-                      <a:headEnd type="none" w="med" len="med"/>
-                      <a:tailEnd type="none" w="med" len="med"/>
-                    </a:lnR>
-                    <a:lnT w="9525" cap="flat" cmpd="sng" algn="ctr">
-                      <a:noFill/>
-                      <a:prstDash val="solid"/>
-                    </a:lnT>
-                    <a:lnB w="9525" cap="flat" cmpd="sng" algn="ctr">
-                      <a:noFill/>
-                      <a:prstDash val="solid"/>
-                    </a:lnB>
-                    <a:lnTlToBr w="12700" cmpd="sng">
-                      <a:noFill/>
-                      <a:prstDash val="solid"/>
-                    </a:lnTlToBr>
-                    <a:lnBlToTr w="12700" cmpd="sng">
-                      <a:noFill/>
-                      <a:prstDash val="solid"/>
-                    </a:lnBlToTr>
-                    <a:solidFill>
-                      <a:srgbClr val="EDEDED"/>
-                    </a:solidFill>
-                  </a:tcPr>
-                </a:tc>
-                <a:tc>
-                  <a:txBody>
-                    <a:bodyPr/>
-                    <a:lstStyle/>
-                    <a:p>
-                      <a:endParaRPr lang="en-US" dirty="0">
-                        <a:latin typeface="Century Gothic"/>
-                        <a:cs typeface="Century Gothic"/>
-                      </a:endParaRPr>
-                    </a:p>
-                  </a:txBody>
-                  <a:tcPr marL="182880" marR="182880" anchor="ctr">
-                    <a:lnL w="6350" cap="flat" cmpd="sng" algn="ctr">
-                      <a:solidFill>
-                        <a:prstClr val="black">
-                          <a:lumMod val="50000"/>
-                          <a:lumOff val="50000"/>
-                        </a:prstClr>
-                      </a:solidFill>
-                      <a:prstDash val="solid"/>
-                      <a:round/>
-                      <a:headEnd type="none" w="med" len="med"/>
-                      <a:tailEnd type="none" w="med" len="med"/>
-                    </a:lnL>
-                    <a:lnR w="6350" cap="flat" cmpd="sng" algn="ctr">
-                      <a:solidFill>
-                        <a:prstClr val="black">
-                          <a:lumMod val="50000"/>
-                          <a:lumOff val="50000"/>
-                        </a:prstClr>
-                      </a:solidFill>
-                      <a:prstDash val="solid"/>
-                      <a:round/>
-                      <a:headEnd type="none" w="med" len="med"/>
-                      <a:tailEnd type="none" w="med" len="med"/>
-                    </a:lnR>
-                    <a:lnT w="9525" cap="flat" cmpd="sng" algn="ctr">
-                      <a:noFill/>
-                      <a:prstDash val="solid"/>
-                    </a:lnT>
-                    <a:lnB w="9525" cap="flat" cmpd="sng" algn="ctr">
-                      <a:noFill/>
-                      <a:prstDash val="solid"/>
-                    </a:lnB>
-                    <a:lnTlToBr w="12700" cmpd="sng">
-                      <a:noFill/>
-                      <a:prstDash val="solid"/>
-                    </a:lnTlToBr>
-                    <a:lnBlToTr w="12700" cmpd="sng">
-                      <a:noFill/>
-                      <a:prstDash val="solid"/>
-                    </a:lnBlToTr>
-                    <a:solidFill>
-                      <a:srgbClr val="EDEDED"/>
-                    </a:solidFill>
-                  </a:tcPr>
-                </a:tc>
-                <a:tc>
-                  <a:txBody>
-                    <a:bodyPr/>
-                    <a:lstStyle/>
-                    <a:p>
-                      <a:endParaRPr lang="en-US" dirty="0">
-                        <a:latin typeface="Century Gothic"/>
-                        <a:cs typeface="Century Gothic"/>
-                      </a:endParaRPr>
-                    </a:p>
-                  </a:txBody>
-                  <a:tcPr marL="182880" marR="182880" anchor="ctr">
-                    <a:lnL w="6350" cap="flat" cmpd="sng" algn="ctr">
-                      <a:solidFill>
-                        <a:prstClr val="black">
-                          <a:lumMod val="50000"/>
-                          <a:lumOff val="50000"/>
-                        </a:prstClr>
-                      </a:solidFill>
-                      <a:prstDash val="solid"/>
-                      <a:round/>
-                      <a:headEnd type="none" w="med" len="med"/>
-                      <a:tailEnd type="none" w="med" len="med"/>
-                    </a:lnL>
-                    <a:lnR w="6350" cap="flat" cmpd="sng" algn="ctr">
-                      <a:solidFill>
-                        <a:prstClr val="black">
-                          <a:lumMod val="50000"/>
-                          <a:lumOff val="50000"/>
-                        </a:prstClr>
-                      </a:solidFill>
-                      <a:prstDash val="solid"/>
-                      <a:round/>
-                      <a:headEnd type="none" w="med" len="med"/>
-                      <a:tailEnd type="none" w="med" len="med"/>
-                    </a:lnR>
-                    <a:lnT w="9525" cap="flat" cmpd="sng" algn="ctr">
-                      <a:noFill/>
-                      <a:prstDash val="solid"/>
-                    </a:lnT>
-                    <a:lnB w="9525" cap="flat" cmpd="sng" algn="ctr">
-                      <a:noFill/>
-                      <a:prstDash val="solid"/>
-                    </a:lnB>
-                    <a:lnTlToBr w="12700" cmpd="sng">
-                      <a:noFill/>
-                      <a:prstDash val="solid"/>
-                    </a:lnTlToBr>
-                    <a:lnBlToTr w="12700" cmpd="sng">
-                      <a:noFill/>
-                      <a:prstDash val="solid"/>
-                    </a:lnBlToTr>
-                    <a:solidFill>
-                      <a:srgbClr val="EDEDED"/>
-                    </a:solidFill>
-                  </a:tcPr>
-                </a:tc>
-                <a:tc>
-                  <a:txBody>
-                    <a:bodyPr/>
-                    <a:lstStyle/>
-                    <a:p>
-                      <a:endParaRPr lang="en-US" dirty="0">
-                        <a:latin typeface="Century Gothic"/>
-                        <a:cs typeface="Century Gothic"/>
-                      </a:endParaRPr>
-                    </a:p>
-                  </a:txBody>
-                  <a:tcPr marL="182880" marR="182880" anchor="ctr">
-                    <a:lnL w="6350" cap="flat" cmpd="sng" algn="ctr">
-                      <a:solidFill>
-                        <a:prstClr val="black">
-                          <a:lumMod val="50000"/>
-                          <a:lumOff val="50000"/>
-                        </a:prstClr>
-                      </a:solidFill>
-                      <a:prstDash val="solid"/>
-                      <a:round/>
-                      <a:headEnd type="none" w="med" len="med"/>
-                      <a:tailEnd type="none" w="med" len="med"/>
-                    </a:lnL>
-                    <a:lnR w="6350" cap="flat" cmpd="sng" algn="ctr">
-                      <a:solidFill>
-                        <a:srgbClr val="7F7F7F"/>
-                      </a:solidFill>
-                      <a:prstDash val="solid"/>
-                      <a:round/>
-                      <a:headEnd type="none" w="med" len="med"/>
-                      <a:tailEnd type="none" w="med" len="med"/>
-                    </a:lnR>
-                    <a:lnT w="9525" cap="flat" cmpd="sng" algn="ctr">
-                      <a:noFill/>
-                      <a:prstDash val="solid"/>
-                    </a:lnT>
-                    <a:lnB w="9525" cap="flat" cmpd="sng" algn="ctr">
-                      <a:noFill/>
-                      <a:prstDash val="solid"/>
-                    </a:lnB>
-                    <a:lnTlToBr w="12700" cmpd="sng">
-                      <a:noFill/>
-                      <a:prstDash val="solid"/>
-                    </a:lnTlToBr>
-                    <a:lnBlToTr w="12700" cmpd="sng">
-                      <a:noFill/>
-                      <a:prstDash val="solid"/>
-                    </a:lnBlToTr>
-                    <a:solidFill>
-                      <a:srgbClr val="EDEDED"/>
-                    </a:solidFill>
-                  </a:tcPr>
-                </a:tc>
-              </a:tr>
-              <a:tr h="522509">
-                <a:tc>
-                  <a:txBody>
-                    <a:bodyPr/>
-                    <a:lstStyle/>
-                    <a:p>
-                      <a:endParaRPr lang="en-US">
-                        <a:latin typeface="Century Gothic"/>
-                        <a:cs typeface="Century Gothic"/>
-                      </a:endParaRPr>
-                    </a:p>
-                  </a:txBody>
-                  <a:tcPr marL="182880" marR="182880" anchor="ctr">
-                    <a:lnL w="6350" cap="flat" cmpd="sng" algn="ctr">
-                      <a:solidFill>
-                        <a:srgbClr val="7F7F7F"/>
-                      </a:solidFill>
-                      <a:prstDash val="solid"/>
-                      <a:round/>
-                      <a:headEnd type="none" w="med" len="med"/>
-                      <a:tailEnd type="none" w="med" len="med"/>
-                    </a:lnL>
-                    <a:lnR w="6350" cap="flat" cmpd="sng" algn="ctr">
-                      <a:solidFill>
-                        <a:prstClr val="black">
-                          <a:lumMod val="50000"/>
-                          <a:lumOff val="50000"/>
-                        </a:prstClr>
-                      </a:solidFill>
-                      <a:prstDash val="solid"/>
-                      <a:round/>
-                      <a:headEnd type="none" w="med" len="med"/>
-                      <a:tailEnd type="none" w="med" len="med"/>
-                    </a:lnR>
-                    <a:lnT w="9525" cap="flat" cmpd="sng" algn="ctr">
-                      <a:noFill/>
-                      <a:prstDash val="solid"/>
-                    </a:lnT>
-                    <a:lnB w="6350" cap="flat" cmpd="sng" algn="ctr">
-                      <a:solidFill>
-                        <a:srgbClr val="7F7F7F"/>
-                      </a:solidFill>
-                      <a:prstDash val="solid"/>
-                      <a:round/>
-                      <a:headEnd type="none" w="med" len="med"/>
-                      <a:tailEnd type="none" w="med" len="med"/>
-                    </a:lnB>
-                    <a:lnTlToBr w="12700" cmpd="sng">
-                      <a:noFill/>
-                      <a:prstDash val="solid"/>
-                    </a:lnTlToBr>
-                    <a:lnBlToTr w="12700" cmpd="sng">
-                      <a:noFill/>
-                      <a:prstDash val="solid"/>
-                    </a:lnBlToTr>
-                    <a:solidFill>
-                      <a:schemeClr val="bg1"/>
-                    </a:solidFill>
-                  </a:tcPr>
-                </a:tc>
-                <a:tc>
-                  <a:txBody>
-                    <a:bodyPr/>
-                    <a:lstStyle/>
-                    <a:p>
-                      <a:endParaRPr lang="en-US">
-                        <a:latin typeface="Century Gothic"/>
-                        <a:cs typeface="Century Gothic"/>
-                      </a:endParaRPr>
-                    </a:p>
-                  </a:txBody>
-                  <a:tcPr marL="182880" marR="182880" anchor="ctr">
-                    <a:lnL w="6350" cap="flat" cmpd="sng" algn="ctr">
-                      <a:solidFill>
-                        <a:prstClr val="black">
-                          <a:lumMod val="50000"/>
-                          <a:lumOff val="50000"/>
-                        </a:prstClr>
-                      </a:solidFill>
-                      <a:prstDash val="solid"/>
-                      <a:round/>
-                      <a:headEnd type="none" w="med" len="med"/>
-                      <a:tailEnd type="none" w="med" len="med"/>
-                    </a:lnL>
-                    <a:lnR w="6350" cap="flat" cmpd="sng" algn="ctr">
-                      <a:solidFill>
-                        <a:prstClr val="black">
-                          <a:lumMod val="50000"/>
-                          <a:lumOff val="50000"/>
-                        </a:prstClr>
-                      </a:solidFill>
-                      <a:prstDash val="solid"/>
-                      <a:round/>
-                      <a:headEnd type="none" w="med" len="med"/>
-                      <a:tailEnd type="none" w="med" len="med"/>
-                    </a:lnR>
-                    <a:lnT w="9525" cap="flat" cmpd="sng" algn="ctr">
-                      <a:noFill/>
-                      <a:prstDash val="solid"/>
-                    </a:lnT>
-                    <a:lnB w="6350" cap="flat" cmpd="sng" algn="ctr">
-                      <a:solidFill>
-                        <a:srgbClr val="7F7F7F"/>
-                      </a:solidFill>
-                      <a:prstDash val="solid"/>
-                      <a:round/>
-                      <a:headEnd type="none" w="med" len="med"/>
-                      <a:tailEnd type="none" w="med" len="med"/>
-                    </a:lnB>
-                    <a:lnTlToBr w="12700" cmpd="sng">
-                      <a:noFill/>
-                      <a:prstDash val="solid"/>
-                    </a:lnTlToBr>
-                    <a:lnBlToTr w="12700" cmpd="sng">
-                      <a:noFill/>
-                      <a:prstDash val="solid"/>
-                    </a:lnBlToTr>
-                    <a:solidFill>
-                      <a:schemeClr val="bg1"/>
-                    </a:solidFill>
-                  </a:tcPr>
-                </a:tc>
-                <a:tc>
-                  <a:txBody>
-                    <a:bodyPr/>
-                    <a:lstStyle/>
-                    <a:p>
-                      <a:endParaRPr lang="en-US">
-                        <a:latin typeface="Century Gothic"/>
-                        <a:cs typeface="Century Gothic"/>
-                      </a:endParaRPr>
-                    </a:p>
-                  </a:txBody>
-                  <a:tcPr marL="182880" marR="182880" anchor="ctr">
-                    <a:lnL w="6350" cap="flat" cmpd="sng" algn="ctr">
-                      <a:solidFill>
-                        <a:prstClr val="black">
-                          <a:lumMod val="50000"/>
-                          <a:lumOff val="50000"/>
-                        </a:prstClr>
-                      </a:solidFill>
-                      <a:prstDash val="solid"/>
-                      <a:round/>
-                      <a:headEnd type="none" w="med" len="med"/>
-                      <a:tailEnd type="none" w="med" len="med"/>
-                    </a:lnL>
-                    <a:lnR w="6350" cap="flat" cmpd="sng" algn="ctr">
-                      <a:solidFill>
-                        <a:prstClr val="black">
-                          <a:lumMod val="50000"/>
-                          <a:lumOff val="50000"/>
-                        </a:prstClr>
-                      </a:solidFill>
-                      <a:prstDash val="solid"/>
-                      <a:round/>
-                      <a:headEnd type="none" w="med" len="med"/>
-                      <a:tailEnd type="none" w="med" len="med"/>
-                    </a:lnR>
-                    <a:lnT w="9525" cap="flat" cmpd="sng" algn="ctr">
-                      <a:noFill/>
-                      <a:prstDash val="solid"/>
-                    </a:lnT>
-                    <a:lnB w="6350" cap="flat" cmpd="sng" algn="ctr">
-                      <a:solidFill>
-                        <a:srgbClr val="7F7F7F"/>
-                      </a:solidFill>
-                      <a:prstDash val="solid"/>
-                      <a:round/>
-                      <a:headEnd type="none" w="med" len="med"/>
-                      <a:tailEnd type="none" w="med" len="med"/>
-                    </a:lnB>
-                    <a:lnTlToBr w="12700" cmpd="sng">
-                      <a:noFill/>
-                      <a:prstDash val="solid"/>
-                    </a:lnTlToBr>
-                    <a:lnBlToTr w="12700" cmpd="sng">
-                      <a:noFill/>
-                      <a:prstDash val="solid"/>
-                    </a:lnBlToTr>
-                    <a:solidFill>
-                      <a:schemeClr val="bg1"/>
-                    </a:solidFill>
-                  </a:tcPr>
-                </a:tc>
-                <a:tc>
-                  <a:txBody>
-                    <a:bodyPr/>
-                    <a:lstStyle/>
-                    <a:p>
-                      <a:endParaRPr lang="en-US" dirty="0">
-                        <a:latin typeface="Century Gothic"/>
-                        <a:cs typeface="Century Gothic"/>
-                      </a:endParaRPr>
-                    </a:p>
-                  </a:txBody>
-                  <a:tcPr marL="182880" marR="182880" anchor="ctr">
-                    <a:lnL w="6350" cap="flat" cmpd="sng" algn="ctr">
-                      <a:solidFill>
-                        <a:prstClr val="black">
-                          <a:lumMod val="50000"/>
-                          <a:lumOff val="50000"/>
-                        </a:prstClr>
-                      </a:solidFill>
-                      <a:prstDash val="solid"/>
-                      <a:round/>
-                      <a:headEnd type="none" w="med" len="med"/>
-                      <a:tailEnd type="none" w="med" len="med"/>
-                    </a:lnL>
-                    <a:lnR w="6350" cap="flat" cmpd="sng" algn="ctr">
-                      <a:solidFill>
-                        <a:prstClr val="black">
-                          <a:lumMod val="50000"/>
-                          <a:lumOff val="50000"/>
-                        </a:prstClr>
-                      </a:solidFill>
-                      <a:prstDash val="solid"/>
-                      <a:round/>
-                      <a:headEnd type="none" w="med" len="med"/>
-                      <a:tailEnd type="none" w="med" len="med"/>
-                    </a:lnR>
-                    <a:lnT w="9525" cap="flat" cmpd="sng" algn="ctr">
-                      <a:noFill/>
-                      <a:prstDash val="solid"/>
-                    </a:lnT>
-                    <a:lnB w="6350" cap="flat" cmpd="sng" algn="ctr">
-                      <a:solidFill>
-                        <a:srgbClr val="7F7F7F"/>
-                      </a:solidFill>
-                      <a:prstDash val="solid"/>
-                      <a:round/>
-                      <a:headEnd type="none" w="med" len="med"/>
-                      <a:tailEnd type="none" w="med" len="med"/>
-                    </a:lnB>
-                    <a:lnTlToBr w="12700" cmpd="sng">
-                      <a:noFill/>
-                      <a:prstDash val="solid"/>
-                    </a:lnTlToBr>
-                    <a:lnBlToTr w="12700" cmpd="sng">
-                      <a:noFill/>
-                      <a:prstDash val="solid"/>
-                    </a:lnBlToTr>
-                    <a:solidFill>
-                      <a:schemeClr val="bg1"/>
-                    </a:solidFill>
-                  </a:tcPr>
-                </a:tc>
-                <a:tc>
-                  <a:txBody>
-                    <a:bodyPr/>
-                    <a:lstStyle/>
-                    <a:p>
-                      <a:endParaRPr lang="en-US" dirty="0">
-                        <a:latin typeface="Century Gothic"/>
-                        <a:cs typeface="Century Gothic"/>
-                      </a:endParaRPr>
-                    </a:p>
-                  </a:txBody>
-                  <a:tcPr marL="182880" marR="182880" anchor="ctr">
-                    <a:lnL w="6350" cap="flat" cmpd="sng" algn="ctr">
-                      <a:solidFill>
-                        <a:prstClr val="black">
-                          <a:lumMod val="50000"/>
-                          <a:lumOff val="50000"/>
-                        </a:prstClr>
-                      </a:solidFill>
-                      <a:prstDash val="solid"/>
-                      <a:round/>
-                      <a:headEnd type="none" w="med" len="med"/>
-                      <a:tailEnd type="none" w="med" len="med"/>
-                    </a:lnL>
-                    <a:lnR w="6350" cap="flat" cmpd="sng" algn="ctr">
-                      <a:solidFill>
-                        <a:prstClr val="black">
-                          <a:lumMod val="50000"/>
-                          <a:lumOff val="50000"/>
-                        </a:prstClr>
-                      </a:solidFill>
-                      <a:prstDash val="solid"/>
-                      <a:round/>
-                      <a:headEnd type="none" w="med" len="med"/>
-                      <a:tailEnd type="none" w="med" len="med"/>
-                    </a:lnR>
-                    <a:lnT w="9525" cap="flat" cmpd="sng" algn="ctr">
-                      <a:noFill/>
-                      <a:prstDash val="solid"/>
-                    </a:lnT>
-                    <a:lnB w="6350" cap="flat" cmpd="sng" algn="ctr">
-                      <a:solidFill>
-                        <a:srgbClr val="7F7F7F"/>
-                      </a:solidFill>
-                      <a:prstDash val="solid"/>
-                      <a:round/>
-                      <a:headEnd type="none" w="med" len="med"/>
-                      <a:tailEnd type="none" w="med" len="med"/>
-                    </a:lnB>
-                    <a:lnTlToBr w="12700" cmpd="sng">
-                      <a:noFill/>
-                      <a:prstDash val="solid"/>
-                    </a:lnTlToBr>
-                    <a:lnBlToTr w="12700" cmpd="sng">
-                      <a:noFill/>
-                      <a:prstDash val="solid"/>
-                    </a:lnBlToTr>
-                    <a:solidFill>
-                      <a:schemeClr val="bg1"/>
-                    </a:solidFill>
-                  </a:tcPr>
-                </a:tc>
-                <a:tc>
-                  <a:txBody>
-                    <a:bodyPr/>
-                    <a:lstStyle/>
-                    <a:p>
-                      <a:endParaRPr lang="en-US" dirty="0">
-                        <a:latin typeface="Century Gothic"/>
-                        <a:cs typeface="Century Gothic"/>
-                      </a:endParaRPr>
-                    </a:p>
-                  </a:txBody>
-                  <a:tcPr marL="182880" marR="182880" anchor="ctr">
-                    <a:lnL w="6350" cap="flat" cmpd="sng" algn="ctr">
-                      <a:solidFill>
-                        <a:prstClr val="black">
-                          <a:lumMod val="50000"/>
-                          <a:lumOff val="50000"/>
-                        </a:prstClr>
-                      </a:solidFill>
-                      <a:prstDash val="solid"/>
-                      <a:round/>
-                      <a:headEnd type="none" w="med" len="med"/>
-                      <a:tailEnd type="none" w="med" len="med"/>
-                    </a:lnL>
-                    <a:lnR w="6350" cap="flat" cmpd="sng" algn="ctr">
-                      <a:solidFill>
-                        <a:srgbClr val="7F7F7F"/>
-                      </a:solidFill>
-                      <a:prstDash val="solid"/>
-                      <a:round/>
-                      <a:headEnd type="none" w="med" len="med"/>
-                      <a:tailEnd type="none" w="med" len="med"/>
-                    </a:lnR>
-                    <a:lnT w="9525" cap="flat" cmpd="sng" algn="ctr">
-                      <a:noFill/>
-                      <a:prstDash val="solid"/>
-                    </a:lnT>
-                    <a:lnB w="6350" cap="flat" cmpd="sng" algn="ctr">
-                      <a:solidFill>
-                        <a:srgbClr val="7F7F7F"/>
-                      </a:solidFill>
-                      <a:prstDash val="solid"/>
-                      <a:round/>
-                      <a:headEnd type="none" w="med" len="med"/>
-                      <a:tailEnd type="none" w="med" len="med"/>
-                    </a:lnB>
-                    <a:lnTlToBr w="12700" cmpd="sng">
-                      <a:noFill/>
-                      <a:prstDash val="solid"/>
-                    </a:lnTlToBr>
-                    <a:lnBlToTr w="12700" cmpd="sng">
-                      <a:noFill/>
-                      <a:prstDash val="solid"/>
-                    </a:lnBlToTr>
-                    <a:solidFill>
-                      <a:schemeClr val="bg1"/>
-                    </a:solidFill>
-                  </a:tcPr>
-                </a:tc>
-              </a:tr>
-            </a:tbl>
-          </a:graphicData>
-        </a:graphic>
-      </p:graphicFrame>
-    </p:spTree>
-    <p:extLst>
-      <p:ext uri="{BB962C8B-B14F-4D97-AF65-F5344CB8AC3E}">
-        <p14:creationId xmlns:p14="http://schemas.microsoft.com/office/powerpoint/2010/main" val="1785611942"/>
-      </p:ext>
-    </p:extLst>
-  </p:cSld>
-  <p:clrMapOvr>
-    <a:masterClrMapping/>
-  </p:clrMapOvr>
-</p:sld>
-</file>
-
-<file path=ppt/slides/slide5.xml><?xml version="1.0" encoding="utf-8"?>
-<p:sld xmlns:a="http://schemas.openxmlformats.org/drawingml/2006/main" xmlns:r="http://schemas.openxmlformats.org/officeDocument/2006/relationships" xmlns:p="http://schemas.openxmlformats.org/presentationml/2006/main">
-  <p:cSld>
-    <p:spTree>
-      <p:nvGrpSpPr>
-        <p:cNvPr id="1" name=""/>
-        <p:cNvGrpSpPr/>
-        <p:nvPr/>
-      </p:nvGrpSpPr>
-      <p:grpSpPr>
-        <a:xfrm>
-          <a:off x="0" y="0"/>
-          <a:ext cx="0" cy="0"/>
-          <a:chOff x="0" y="0"/>
-          <a:chExt cx="0" cy="0"/>
-        </a:xfrm>
-      </p:grpSpPr>
-      <p:sp>
-        <p:nvSpPr>
-          <p:cNvPr id="2" name="Title 1"/>
-          <p:cNvSpPr>
-            <a:spLocks noGrp="1"/>
-          </p:cNvSpPr>
-          <p:nvPr>
-            <p:ph type="title"/>
-          </p:nvPr>
-        </p:nvSpPr>
-        <p:spPr/>
-        <p:txBody>
-          <a:bodyPr/>
-          <a:lstStyle/>
-          <a:p>
-            <a:r>
-              <a:rPr lang="en-US" dirty="0" smtClean="0"/>
-              <a:t>Icon Sample</a:t>
-            </a:r>
-            <a:endParaRPr lang="en-US" dirty="0"/>
-          </a:p>
-        </p:txBody>
-      </p:sp>
-      <p:sp>
-        <p:nvSpPr>
-          <p:cNvPr id="3" name="Content Placeholder 2"/>
-          <p:cNvSpPr>
-            <a:spLocks noGrp="1"/>
-          </p:cNvSpPr>
-          <p:nvPr>
-            <p:ph idx="1"/>
-          </p:nvPr>
-        </p:nvSpPr>
-        <p:spPr>
-          <a:xfrm>
-            <a:off x="129412" y="3078785"/>
-            <a:ext cx="1787525" cy="2844800"/>
-          </a:xfrm>
-        </p:spPr>
-        <p:txBody>
-          <a:bodyPr/>
-          <a:lstStyle/>
-          <a:p>
-            <a:pPr algn="ctr"/>
-            <a:r>
-              <a:rPr lang="en-US" b="1" dirty="0" smtClean="0">
-                <a:solidFill>
-                  <a:srgbClr val="EA713D"/>
-                </a:solidFill>
-              </a:rPr>
-              <a:t>Openness</a:t>
-            </a:r>
-          </a:p>
-          <a:p>
-            <a:pPr algn="ctr"/>
-            <a:r>
-              <a:rPr lang="en-US" sz="1400" dirty="0" smtClean="0">
-                <a:solidFill>
-                  <a:srgbClr val="000000"/>
-                </a:solidFill>
-              </a:rPr>
-              <a:t>Competition is the prime mover of innovation; we should believe in our solutions enough to welcome it broadly</a:t>
-            </a:r>
-            <a:endParaRPr lang="en-US" sz="1400" dirty="0"/>
-          </a:p>
-        </p:txBody>
-      </p:sp>
-      <p:sp>
-        <p:nvSpPr>
-          <p:cNvPr id="4" name="Slide Number Placeholder 3"/>
-          <p:cNvSpPr>
-            <a:spLocks noGrp="1"/>
-          </p:cNvSpPr>
-          <p:nvPr>
-            <p:ph type="sldNum" sz="quarter" idx="12"/>
-          </p:nvPr>
-        </p:nvSpPr>
-        <p:spPr/>
-        <p:txBody>
-          <a:bodyPr/>
-          <a:lstStyle/>
-          <a:p>
-            <a:fld id="{D3DEDF89-8E0A-854D-9A33-444D75E69871}" type="slidenum">
-              <a:rPr lang="en-US" smtClean="0"/>
-              <a:t>5</a:t>
-            </a:fld>
-            <a:endParaRPr lang="en-US"/>
-          </a:p>
-        </p:txBody>
-      </p:sp>
-      <p:grpSp>
-        <p:nvGrpSpPr>
-          <p:cNvPr id="5" name="Group 4"/>
-          <p:cNvGrpSpPr/>
-          <p:nvPr/>
-        </p:nvGrpSpPr>
-        <p:grpSpPr>
-          <a:xfrm>
-            <a:off x="2119173" y="1818138"/>
-            <a:ext cx="2617117" cy="4115796"/>
-            <a:chOff x="2056741" y="1818138"/>
-            <a:chExt cx="2617117" cy="4115796"/>
-          </a:xfrm>
-        </p:grpSpPr>
-        <p:sp>
-          <p:nvSpPr>
-            <p:cNvPr id="8" name="Content Placeholder 2"/>
-            <p:cNvSpPr txBox="1">
-              <a:spLocks/>
-            </p:cNvSpPr>
-            <p:nvPr/>
-          </p:nvSpPr>
-          <p:spPr>
-            <a:xfrm>
-              <a:off x="2056741" y="3089134"/>
-              <a:ext cx="2617117" cy="2844800"/>
-            </a:xfrm>
-            <a:prstGeom prst="rect">
-              <a:avLst/>
-            </a:prstGeom>
-          </p:spPr>
-          <p:txBody>
-            <a:bodyPr vert="horz" lIns="91440" tIns="45720" rIns="91440" bIns="45720" rtlCol="0">
-              <a:noAutofit/>
-            </a:bodyPr>
-            <a:lstStyle>
-              <a:lvl1pPr marL="0" indent="0" algn="l" defTabSz="457200" rtl="0" eaLnBrk="1" latinLnBrk="0" hangingPunct="1">
-                <a:lnSpc>
-                  <a:spcPct val="100000"/>
-                </a:lnSpc>
-                <a:spcBef>
-                  <a:spcPts val="500"/>
-                </a:spcBef>
-                <a:buFont typeface="Arial"/>
-                <a:buNone/>
-                <a:defRPr sz="2000" kern="1200">
-                  <a:solidFill>
-                    <a:schemeClr val="tx1"/>
-                  </a:solidFill>
-                  <a:latin typeface="Century Gothic"/>
-                  <a:ea typeface="+mn-ea"/>
-                  <a:cs typeface="Century Gothic"/>
-                </a:defRPr>
-              </a:lvl1pPr>
-              <a:lvl2pPr marL="458788" indent="-174625" algn="l" defTabSz="457200" rtl="0" eaLnBrk="1" latinLnBrk="0" hangingPunct="1">
-                <a:lnSpc>
-                  <a:spcPct val="100000"/>
-                </a:lnSpc>
-                <a:spcBef>
-                  <a:spcPts val="500"/>
-                </a:spcBef>
-                <a:buFont typeface="Arial"/>
-                <a:buChar char="•"/>
-                <a:defRPr sz="2000" kern="1200">
-                  <a:solidFill>
-                    <a:srgbClr val="525352"/>
-                  </a:solidFill>
-                  <a:latin typeface="Century Gothic"/>
-                  <a:ea typeface="+mn-ea"/>
-                  <a:cs typeface="Century Gothic"/>
-                </a:defRPr>
-              </a:lvl2pPr>
-              <a:lvl3pPr marL="919163" indent="-168275" algn="l" defTabSz="457200" rtl="0" eaLnBrk="1" latinLnBrk="0" hangingPunct="1">
-                <a:lnSpc>
-                  <a:spcPct val="100000"/>
-                </a:lnSpc>
-                <a:spcBef>
-                  <a:spcPts val="500"/>
-                </a:spcBef>
-                <a:buClr>
-                  <a:schemeClr val="accent2"/>
-                </a:buClr>
-                <a:buSzPct val="100000"/>
-                <a:buFont typeface="Wingdings" charset="2"/>
-                <a:buChar char="§"/>
-                <a:defRPr sz="1400" kern="1200">
-                  <a:solidFill>
-                    <a:schemeClr val="tx1"/>
-                  </a:solidFill>
-                  <a:latin typeface="Century Gothic"/>
-                  <a:ea typeface="+mn-ea"/>
-                  <a:cs typeface="Century Gothic"/>
-                </a:defRPr>
-              </a:lvl3pPr>
-              <a:lvl4pPr marL="1600200" indent="-228600" algn="l" defTabSz="457200" rtl="0" eaLnBrk="1" latinLnBrk="0" hangingPunct="1">
-                <a:spcBef>
-                  <a:spcPct val="20000"/>
-                </a:spcBef>
-                <a:buFont typeface="Arial"/>
-                <a:buChar char="–"/>
-                <a:defRPr sz="1800" kern="1200">
-                  <a:solidFill>
-                    <a:schemeClr val="tx1"/>
-                  </a:solidFill>
-                  <a:latin typeface="Century Gothic"/>
-                  <a:ea typeface="+mn-ea"/>
-                  <a:cs typeface="Century Gothic"/>
-                </a:defRPr>
-              </a:lvl4pPr>
-              <a:lvl5pPr marL="2057400" indent="-228600" algn="l" defTabSz="457200" rtl="0" eaLnBrk="1" latinLnBrk="0" hangingPunct="1">
-                <a:spcBef>
-                  <a:spcPct val="20000"/>
-                </a:spcBef>
-                <a:buFont typeface="Arial"/>
-                <a:buChar char="»"/>
-                <a:defRPr sz="1800" kern="1200">
-                  <a:solidFill>
-                    <a:schemeClr val="tx1"/>
-                  </a:solidFill>
-                  <a:latin typeface="Century Gothic"/>
-                  <a:ea typeface="+mn-ea"/>
-                  <a:cs typeface="Century Gothic"/>
-                </a:defRPr>
-              </a:lvl5pPr>
-              <a:lvl6pPr marL="2514600" indent="-228600" algn="l" defTabSz="457200" rtl="0" eaLnBrk="1" latinLnBrk="0" hangingPunct="1">
-                <a:spcBef>
-                  <a:spcPct val="20000"/>
-                </a:spcBef>
-                <a:buFont typeface="Arial"/>
-                <a:buChar char="•"/>
-                <a:defRPr sz="2000" kern="1200">
-                  <a:solidFill>
-                    <a:schemeClr val="tx1"/>
-                  </a:solidFill>
-                  <a:latin typeface="+mn-lt"/>
-                  <a:ea typeface="+mn-ea"/>
-                  <a:cs typeface="+mn-cs"/>
-                </a:defRPr>
-              </a:lvl6pPr>
-              <a:lvl7pPr marL="2971800" indent="-228600" algn="l" defTabSz="457200" rtl="0" eaLnBrk="1" latinLnBrk="0" hangingPunct="1">
-                <a:spcBef>
-                  <a:spcPct val="20000"/>
-                </a:spcBef>
-                <a:buFont typeface="Arial"/>
-                <a:buChar char="•"/>
-                <a:defRPr sz="2000" kern="1200">
-                  <a:solidFill>
-                    <a:schemeClr val="tx1"/>
-                  </a:solidFill>
-                  <a:latin typeface="+mn-lt"/>
-                  <a:ea typeface="+mn-ea"/>
-                  <a:cs typeface="+mn-cs"/>
-                </a:defRPr>
-              </a:lvl7pPr>
-              <a:lvl8pPr marL="3429000" indent="-228600" algn="l" defTabSz="457200" rtl="0" eaLnBrk="1" latinLnBrk="0" hangingPunct="1">
-                <a:spcBef>
-                  <a:spcPct val="20000"/>
-                </a:spcBef>
-                <a:buFont typeface="Arial"/>
-                <a:buChar char="•"/>
-                <a:defRPr sz="2000" kern="1200">
-                  <a:solidFill>
-                    <a:schemeClr val="tx1"/>
-                  </a:solidFill>
-                  <a:latin typeface="+mn-lt"/>
-                  <a:ea typeface="+mn-ea"/>
-                  <a:cs typeface="+mn-cs"/>
-                </a:defRPr>
-              </a:lvl8pPr>
-              <a:lvl9pPr marL="3886200" indent="-228600" algn="l" defTabSz="457200" rtl="0" eaLnBrk="1" latinLnBrk="0" hangingPunct="1">
-                <a:spcBef>
-                  <a:spcPct val="20000"/>
-                </a:spcBef>
-                <a:buFont typeface="Arial"/>
-                <a:buChar char="•"/>
-                <a:defRPr sz="2000" kern="1200">
-                  <a:solidFill>
-                    <a:schemeClr val="tx1"/>
-                  </a:solidFill>
-                  <a:latin typeface="+mn-lt"/>
-                  <a:ea typeface="+mn-ea"/>
-                  <a:cs typeface="+mn-cs"/>
-                </a:defRPr>
-              </a:lvl9pPr>
-            </a:lstStyle>
-            <a:p>
-              <a:pPr algn="ctr"/>
-              <a:r>
-                <a:rPr lang="en-US" b="1" dirty="0">
-                  <a:solidFill>
-                    <a:srgbClr val="EA713D"/>
-                  </a:solidFill>
-                </a:rPr>
-                <a:t>Interoperability</a:t>
-              </a:r>
-            </a:p>
-            <a:p>
-              <a:pPr algn="ctr"/>
-              <a:r>
-                <a:rPr lang="en-US" sz="1400" dirty="0">
-                  <a:solidFill>
-                    <a:srgbClr val="000000"/>
-                  </a:solidFill>
-                </a:rPr>
-                <a:t>Client data should not be held hostage! We should charge for enabling data exchange only what it costs us to build</a:t>
-              </a:r>
-            </a:p>
-          </p:txBody>
-        </p:sp>
-        <p:pic>
-          <p:nvPicPr>
-            <p:cNvPr id="11" name="Picture 10" descr="sample icons-01.png"/>
-            <p:cNvPicPr>
-              <a:picLocks noChangeAspect="1"/>
-            </p:cNvPicPr>
-            <p:nvPr/>
-          </p:nvPicPr>
-          <p:blipFill>
-            <a:blip r:embed="rId2">
-              <a:extLst>
-                <a:ext uri="{BEBA8EAE-BF5A-486C-A8C5-ECC9F3942E4B}">
-                  <a14:imgProps xmlns:a14="http://schemas.microsoft.com/office/drawing/2010/main">
-                    <a14:imgLayer r:embed="rId3">
-                      <a14:imgEffect>
-                        <a14:colorTemperature colorTemp="5900"/>
-                      </a14:imgEffect>
-                    </a14:imgLayer>
-                  </a14:imgProps>
-                </a:ext>
-                <a:ext uri="{28A0092B-C50C-407E-A947-70E740481C1C}">
-                  <a14:useLocalDpi xmlns:a14="http://schemas.microsoft.com/office/drawing/2010/main" val="0"/>
-                </a:ext>
-              </a:extLst>
-            </a:blip>
-            <a:stretch>
-              <a:fillRect/>
-            </a:stretch>
-          </p:blipFill>
-          <p:spPr>
-            <a:xfrm>
-              <a:off x="2735132" y="1818138"/>
-              <a:ext cx="1260334" cy="1260334"/>
-            </a:xfrm>
-            <a:prstGeom prst="rect">
-              <a:avLst/>
-            </a:prstGeom>
-          </p:spPr>
-        </p:pic>
-      </p:grpSp>
-      <p:pic>
-        <p:nvPicPr>
-          <p:cNvPr id="16" name="Picture 15" descr="cloud.png"/>
-          <p:cNvPicPr>
-            <a:picLocks noChangeAspect="1"/>
-          </p:cNvPicPr>
-          <p:nvPr/>
-        </p:nvPicPr>
-        <p:blipFill>
-          <a:blip r:embed="rId4">
-            <a:duotone>
-              <a:schemeClr val="accent2">
-                <a:shade val="45000"/>
-                <a:satMod val="135000"/>
-              </a:schemeClr>
-              <a:prstClr val="white"/>
-            </a:duotone>
-            <a:extLst>
-              <a:ext uri="{28A0092B-C50C-407E-A947-70E740481C1C}">
-                <a14:useLocalDpi xmlns:a14="http://schemas.microsoft.com/office/drawing/2010/main" val="0"/>
-              </a:ext>
-            </a:extLst>
-          </a:blip>
-          <a:stretch>
-            <a:fillRect/>
-          </a:stretch>
-        </p:blipFill>
-        <p:spPr>
-          <a:xfrm>
-            <a:off x="318093" y="2062886"/>
-            <a:ext cx="1410163" cy="822595"/>
-          </a:xfrm>
-          <a:prstGeom prst="rect">
-            <a:avLst/>
-          </a:prstGeom>
-        </p:spPr>
-      </p:pic>
-      <p:grpSp>
-        <p:nvGrpSpPr>
-          <p:cNvPr id="6" name="Group 5"/>
-          <p:cNvGrpSpPr/>
-          <p:nvPr/>
-        </p:nvGrpSpPr>
-        <p:grpSpPr>
-          <a:xfrm>
-            <a:off x="4938526" y="2048535"/>
-            <a:ext cx="1820975" cy="3875050"/>
-            <a:chOff x="4805002" y="2048535"/>
-            <a:chExt cx="1820975" cy="3875050"/>
-          </a:xfrm>
-        </p:grpSpPr>
-        <p:sp>
-          <p:nvSpPr>
-            <p:cNvPr id="9" name="Content Placeholder 2"/>
-            <p:cNvSpPr txBox="1">
-              <a:spLocks/>
-            </p:cNvSpPr>
-            <p:nvPr/>
-          </p:nvSpPr>
-          <p:spPr>
-            <a:xfrm>
-              <a:off x="4821727" y="3078785"/>
-              <a:ext cx="1787525" cy="2844800"/>
-            </a:xfrm>
-            <a:prstGeom prst="rect">
-              <a:avLst/>
-            </a:prstGeom>
-          </p:spPr>
-          <p:txBody>
-            <a:bodyPr vert="horz" lIns="91440" tIns="45720" rIns="91440" bIns="45720" rtlCol="0">
-              <a:noAutofit/>
-            </a:bodyPr>
-            <a:lstStyle>
-              <a:lvl1pPr marL="0" indent="0" algn="l" defTabSz="457200" rtl="0" eaLnBrk="1" latinLnBrk="0" hangingPunct="1">
-                <a:lnSpc>
-                  <a:spcPct val="100000"/>
-                </a:lnSpc>
-                <a:spcBef>
-                  <a:spcPts val="500"/>
-                </a:spcBef>
-                <a:buFont typeface="Arial"/>
-                <a:buNone/>
-                <a:defRPr sz="2000" kern="1200">
-                  <a:solidFill>
-                    <a:schemeClr val="tx1"/>
-                  </a:solidFill>
-                  <a:latin typeface="Century Gothic"/>
-                  <a:ea typeface="+mn-ea"/>
-                  <a:cs typeface="Century Gothic"/>
-                </a:defRPr>
-              </a:lvl1pPr>
-              <a:lvl2pPr marL="458788" indent="-174625" algn="l" defTabSz="457200" rtl="0" eaLnBrk="1" latinLnBrk="0" hangingPunct="1">
-                <a:lnSpc>
-                  <a:spcPct val="100000"/>
-                </a:lnSpc>
-                <a:spcBef>
-                  <a:spcPts val="500"/>
-                </a:spcBef>
-                <a:buFont typeface="Arial"/>
-                <a:buChar char="•"/>
-                <a:defRPr sz="2000" kern="1200">
-                  <a:solidFill>
-                    <a:srgbClr val="525352"/>
-                  </a:solidFill>
-                  <a:latin typeface="Century Gothic"/>
-                  <a:ea typeface="+mn-ea"/>
-                  <a:cs typeface="Century Gothic"/>
-                </a:defRPr>
-              </a:lvl2pPr>
-              <a:lvl3pPr marL="919163" indent="-168275" algn="l" defTabSz="457200" rtl="0" eaLnBrk="1" latinLnBrk="0" hangingPunct="1">
-                <a:lnSpc>
-                  <a:spcPct val="100000"/>
-                </a:lnSpc>
-                <a:spcBef>
-                  <a:spcPts val="500"/>
-                </a:spcBef>
-                <a:buClr>
-                  <a:schemeClr val="accent2"/>
-                </a:buClr>
-                <a:buSzPct val="100000"/>
-                <a:buFont typeface="Wingdings" charset="2"/>
-                <a:buChar char="§"/>
-                <a:defRPr sz="1400" kern="1200">
-                  <a:solidFill>
-                    <a:schemeClr val="tx1"/>
-                  </a:solidFill>
-                  <a:latin typeface="Century Gothic"/>
-                  <a:ea typeface="+mn-ea"/>
-                  <a:cs typeface="Century Gothic"/>
-                </a:defRPr>
-              </a:lvl3pPr>
-              <a:lvl4pPr marL="1600200" indent="-228600" algn="l" defTabSz="457200" rtl="0" eaLnBrk="1" latinLnBrk="0" hangingPunct="1">
-                <a:spcBef>
-                  <a:spcPct val="20000"/>
-                </a:spcBef>
-                <a:buFont typeface="Arial"/>
-                <a:buChar char="–"/>
-                <a:defRPr sz="1800" kern="1200">
-                  <a:solidFill>
-                    <a:schemeClr val="tx1"/>
-                  </a:solidFill>
-                  <a:latin typeface="Century Gothic"/>
-                  <a:ea typeface="+mn-ea"/>
-                  <a:cs typeface="Century Gothic"/>
-                </a:defRPr>
-              </a:lvl4pPr>
-              <a:lvl5pPr marL="2057400" indent="-228600" algn="l" defTabSz="457200" rtl="0" eaLnBrk="1" latinLnBrk="0" hangingPunct="1">
-                <a:spcBef>
-                  <a:spcPct val="20000"/>
-                </a:spcBef>
-                <a:buFont typeface="Arial"/>
-                <a:buChar char="»"/>
-                <a:defRPr sz="1800" kern="1200">
-                  <a:solidFill>
-                    <a:schemeClr val="tx1"/>
-                  </a:solidFill>
-                  <a:latin typeface="Century Gothic"/>
-                  <a:ea typeface="+mn-ea"/>
-                  <a:cs typeface="Century Gothic"/>
-                </a:defRPr>
-              </a:lvl5pPr>
-              <a:lvl6pPr marL="2514600" indent="-228600" algn="l" defTabSz="457200" rtl="0" eaLnBrk="1" latinLnBrk="0" hangingPunct="1">
-                <a:spcBef>
-                  <a:spcPct val="20000"/>
-                </a:spcBef>
-                <a:buFont typeface="Arial"/>
-                <a:buChar char="•"/>
-                <a:defRPr sz="2000" kern="1200">
-                  <a:solidFill>
-                    <a:schemeClr val="tx1"/>
-                  </a:solidFill>
-                  <a:latin typeface="+mn-lt"/>
-                  <a:ea typeface="+mn-ea"/>
-                  <a:cs typeface="+mn-cs"/>
-                </a:defRPr>
-              </a:lvl6pPr>
-              <a:lvl7pPr marL="2971800" indent="-228600" algn="l" defTabSz="457200" rtl="0" eaLnBrk="1" latinLnBrk="0" hangingPunct="1">
-                <a:spcBef>
-                  <a:spcPct val="20000"/>
-                </a:spcBef>
-                <a:buFont typeface="Arial"/>
-                <a:buChar char="•"/>
-                <a:defRPr sz="2000" kern="1200">
-                  <a:solidFill>
-                    <a:schemeClr val="tx1"/>
-                  </a:solidFill>
-                  <a:latin typeface="+mn-lt"/>
-                  <a:ea typeface="+mn-ea"/>
-                  <a:cs typeface="+mn-cs"/>
-                </a:defRPr>
-              </a:lvl7pPr>
-              <a:lvl8pPr marL="3429000" indent="-228600" algn="l" defTabSz="457200" rtl="0" eaLnBrk="1" latinLnBrk="0" hangingPunct="1">
-                <a:spcBef>
-                  <a:spcPct val="20000"/>
-                </a:spcBef>
-                <a:buFont typeface="Arial"/>
-                <a:buChar char="•"/>
-                <a:defRPr sz="2000" kern="1200">
-                  <a:solidFill>
-                    <a:schemeClr val="tx1"/>
-                  </a:solidFill>
-                  <a:latin typeface="+mn-lt"/>
-                  <a:ea typeface="+mn-ea"/>
-                  <a:cs typeface="+mn-cs"/>
-                </a:defRPr>
-              </a:lvl8pPr>
-              <a:lvl9pPr marL="3886200" indent="-228600" algn="l" defTabSz="457200" rtl="0" eaLnBrk="1" latinLnBrk="0" hangingPunct="1">
-                <a:spcBef>
-                  <a:spcPct val="20000"/>
-                </a:spcBef>
-                <a:buFont typeface="Arial"/>
-                <a:buChar char="•"/>
-                <a:defRPr sz="2000" kern="1200">
-                  <a:solidFill>
-                    <a:schemeClr val="tx1"/>
-                  </a:solidFill>
-                  <a:latin typeface="+mn-lt"/>
-                  <a:ea typeface="+mn-ea"/>
-                  <a:cs typeface="+mn-cs"/>
-                </a:defRPr>
-              </a:lvl9pPr>
-            </a:lstStyle>
-            <a:p>
-              <a:pPr algn="ctr"/>
-              <a:r>
-                <a:rPr lang="en-US" b="1" dirty="0">
-                  <a:solidFill>
-                    <a:srgbClr val="EA713D"/>
-                  </a:solidFill>
-                </a:rPr>
-                <a:t>Performance</a:t>
-              </a:r>
-            </a:p>
-            <a:p>
-              <a:pPr algn="ctr"/>
-              <a:r>
-                <a:rPr lang="en-US" sz="1400" dirty="0" smtClean="0">
-                  <a:solidFill>
-                    <a:srgbClr val="000000"/>
-                  </a:solidFill>
-                </a:rPr>
-                <a:t>Performance and outcomes should be measured, monitored, and reported out on.</a:t>
-              </a:r>
-              <a:endParaRPr lang="en-US" sz="1400" dirty="0">
-                <a:solidFill>
-                  <a:srgbClr val="000000"/>
-                </a:solidFill>
-              </a:endParaRPr>
-            </a:p>
-          </p:txBody>
-        </p:sp>
-        <p:pic>
-          <p:nvPicPr>
-            <p:cNvPr id="1026" name="Picture 2" descr="C:\Users\msingh\Downloads\noun_52379_cc.png"/>
-            <p:cNvPicPr>
-              <a:picLocks noChangeAspect="1" noChangeArrowheads="1"/>
-            </p:cNvPicPr>
-            <p:nvPr/>
-          </p:nvPicPr>
-          <p:blipFill rotWithShape="1">
-            <a:blip r:embed="rId5">
-              <a:duotone>
-                <a:schemeClr val="accent2">
-                  <a:shade val="45000"/>
-                  <a:satMod val="135000"/>
-                </a:schemeClr>
-                <a:prstClr val="white"/>
-              </a:duotone>
-              <a:extLst>
-                <a:ext uri="{28A0092B-C50C-407E-A947-70E740481C1C}">
-                  <a14:useLocalDpi xmlns:a14="http://schemas.microsoft.com/office/drawing/2010/main" val="0"/>
-                </a:ext>
-              </a:extLst>
-            </a:blip>
-            <a:srcRect t="20954" b="35574"/>
-            <a:stretch/>
-          </p:blipFill>
-          <p:spPr bwMode="auto">
-            <a:xfrm>
-              <a:off x="4805002" y="2048535"/>
-              <a:ext cx="1820975" cy="923544"/>
-            </a:xfrm>
-            <a:prstGeom prst="rect">
-              <a:avLst/>
-            </a:prstGeom>
-            <a:noFill/>
-            <a:extLst>
-              <a:ext uri="{909E8E84-426E-40dd-AFC4-6F175D3DCCD1}">
-                <a14:hiddenFill xmlns:a14="http://schemas.microsoft.com/office/drawing/2010/main">
-                  <a:solidFill>
-                    <a:srgbClr val="FFFFFF"/>
-                  </a:solidFill>
-                </a14:hiddenFill>
-              </a:ext>
-            </a:extLst>
-          </p:spPr>
-        </p:pic>
-      </p:grpSp>
-      <p:grpSp>
-        <p:nvGrpSpPr>
-          <p:cNvPr id="7" name="Group 6"/>
-          <p:cNvGrpSpPr/>
-          <p:nvPr/>
-        </p:nvGrpSpPr>
-        <p:grpSpPr>
-          <a:xfrm>
-            <a:off x="6961738" y="1839860"/>
-            <a:ext cx="2162906" cy="4083725"/>
-            <a:chOff x="6961738" y="1839860"/>
-            <a:chExt cx="2162906" cy="4083725"/>
-          </a:xfrm>
-        </p:grpSpPr>
-        <p:sp>
-          <p:nvSpPr>
-            <p:cNvPr id="10" name="Content Placeholder 2"/>
-            <p:cNvSpPr txBox="1">
-              <a:spLocks/>
-            </p:cNvSpPr>
-            <p:nvPr/>
-          </p:nvSpPr>
-          <p:spPr>
-            <a:xfrm>
-              <a:off x="6961738" y="3078785"/>
-              <a:ext cx="2162906" cy="2844800"/>
-            </a:xfrm>
-            <a:prstGeom prst="rect">
-              <a:avLst/>
-            </a:prstGeom>
-          </p:spPr>
-          <p:txBody>
-            <a:bodyPr vert="horz" lIns="91440" tIns="45720" rIns="91440" bIns="45720" rtlCol="0">
-              <a:noAutofit/>
-            </a:bodyPr>
-            <a:lstStyle>
-              <a:lvl1pPr marL="0" indent="0" algn="l" defTabSz="457200" rtl="0" eaLnBrk="1" latinLnBrk="0" hangingPunct="1">
-                <a:lnSpc>
-                  <a:spcPct val="100000"/>
-                </a:lnSpc>
-                <a:spcBef>
-                  <a:spcPts val="500"/>
-                </a:spcBef>
-                <a:buFont typeface="Arial"/>
-                <a:buNone/>
-                <a:defRPr sz="2000" kern="1200">
-                  <a:solidFill>
-                    <a:schemeClr val="tx1"/>
-                  </a:solidFill>
-                  <a:latin typeface="Century Gothic"/>
-                  <a:ea typeface="+mn-ea"/>
-                  <a:cs typeface="Century Gothic"/>
-                </a:defRPr>
-              </a:lvl1pPr>
-              <a:lvl2pPr marL="458788" indent="-174625" algn="l" defTabSz="457200" rtl="0" eaLnBrk="1" latinLnBrk="0" hangingPunct="1">
-                <a:lnSpc>
-                  <a:spcPct val="100000"/>
-                </a:lnSpc>
-                <a:spcBef>
-                  <a:spcPts val="500"/>
-                </a:spcBef>
-                <a:buFont typeface="Arial"/>
-                <a:buChar char="•"/>
-                <a:defRPr sz="2000" kern="1200">
-                  <a:solidFill>
-                    <a:srgbClr val="525352"/>
-                  </a:solidFill>
-                  <a:latin typeface="Century Gothic"/>
-                  <a:ea typeface="+mn-ea"/>
-                  <a:cs typeface="Century Gothic"/>
-                </a:defRPr>
-              </a:lvl2pPr>
-              <a:lvl3pPr marL="919163" indent="-168275" algn="l" defTabSz="457200" rtl="0" eaLnBrk="1" latinLnBrk="0" hangingPunct="1">
-                <a:lnSpc>
-                  <a:spcPct val="100000"/>
-                </a:lnSpc>
-                <a:spcBef>
-                  <a:spcPts val="500"/>
-                </a:spcBef>
-                <a:buClr>
-                  <a:schemeClr val="accent2"/>
-                </a:buClr>
-                <a:buSzPct val="100000"/>
-                <a:buFont typeface="Wingdings" charset="2"/>
-                <a:buChar char="§"/>
-                <a:defRPr sz="1400" kern="1200">
-                  <a:solidFill>
-                    <a:schemeClr val="tx1"/>
-                  </a:solidFill>
-                  <a:latin typeface="Century Gothic"/>
-                  <a:ea typeface="+mn-ea"/>
-                  <a:cs typeface="Century Gothic"/>
-                </a:defRPr>
-              </a:lvl3pPr>
-              <a:lvl4pPr marL="1600200" indent="-228600" algn="l" defTabSz="457200" rtl="0" eaLnBrk="1" latinLnBrk="0" hangingPunct="1">
-                <a:spcBef>
-                  <a:spcPct val="20000"/>
-                </a:spcBef>
-                <a:buFont typeface="Arial"/>
-                <a:buChar char="–"/>
-                <a:defRPr sz="1800" kern="1200">
-                  <a:solidFill>
-                    <a:schemeClr val="tx1"/>
-                  </a:solidFill>
-                  <a:latin typeface="Century Gothic"/>
-                  <a:ea typeface="+mn-ea"/>
-                  <a:cs typeface="Century Gothic"/>
-                </a:defRPr>
-              </a:lvl4pPr>
-              <a:lvl5pPr marL="2057400" indent="-228600" algn="l" defTabSz="457200" rtl="0" eaLnBrk="1" latinLnBrk="0" hangingPunct="1">
-                <a:spcBef>
-                  <a:spcPct val="20000"/>
-                </a:spcBef>
-                <a:buFont typeface="Arial"/>
-                <a:buChar char="»"/>
-                <a:defRPr sz="1800" kern="1200">
-                  <a:solidFill>
-                    <a:schemeClr val="tx1"/>
-                  </a:solidFill>
-                  <a:latin typeface="Century Gothic"/>
-                  <a:ea typeface="+mn-ea"/>
-                  <a:cs typeface="Century Gothic"/>
-                </a:defRPr>
-              </a:lvl5pPr>
-              <a:lvl6pPr marL="2514600" indent="-228600" algn="l" defTabSz="457200" rtl="0" eaLnBrk="1" latinLnBrk="0" hangingPunct="1">
-                <a:spcBef>
-                  <a:spcPct val="20000"/>
-                </a:spcBef>
-                <a:buFont typeface="Arial"/>
-                <a:buChar char="•"/>
-                <a:defRPr sz="2000" kern="1200">
-                  <a:solidFill>
-                    <a:schemeClr val="tx1"/>
-                  </a:solidFill>
-                  <a:latin typeface="+mn-lt"/>
-                  <a:ea typeface="+mn-ea"/>
-                  <a:cs typeface="+mn-cs"/>
-                </a:defRPr>
-              </a:lvl6pPr>
-              <a:lvl7pPr marL="2971800" indent="-228600" algn="l" defTabSz="457200" rtl="0" eaLnBrk="1" latinLnBrk="0" hangingPunct="1">
-                <a:spcBef>
-                  <a:spcPct val="20000"/>
-                </a:spcBef>
-                <a:buFont typeface="Arial"/>
-                <a:buChar char="•"/>
-                <a:defRPr sz="2000" kern="1200">
-                  <a:solidFill>
-                    <a:schemeClr val="tx1"/>
-                  </a:solidFill>
-                  <a:latin typeface="+mn-lt"/>
-                  <a:ea typeface="+mn-ea"/>
-                  <a:cs typeface="+mn-cs"/>
-                </a:defRPr>
-              </a:lvl7pPr>
-              <a:lvl8pPr marL="3429000" indent="-228600" algn="l" defTabSz="457200" rtl="0" eaLnBrk="1" latinLnBrk="0" hangingPunct="1">
-                <a:spcBef>
-                  <a:spcPct val="20000"/>
-                </a:spcBef>
-                <a:buFont typeface="Arial"/>
-                <a:buChar char="•"/>
-                <a:defRPr sz="2000" kern="1200">
-                  <a:solidFill>
-                    <a:schemeClr val="tx1"/>
-                  </a:solidFill>
-                  <a:latin typeface="+mn-lt"/>
-                  <a:ea typeface="+mn-ea"/>
-                  <a:cs typeface="+mn-cs"/>
-                </a:defRPr>
-              </a:lvl8pPr>
-              <a:lvl9pPr marL="3886200" indent="-228600" algn="l" defTabSz="457200" rtl="0" eaLnBrk="1" latinLnBrk="0" hangingPunct="1">
-                <a:spcBef>
-                  <a:spcPct val="20000"/>
-                </a:spcBef>
-                <a:buFont typeface="Arial"/>
-                <a:buChar char="•"/>
-                <a:defRPr sz="2000" kern="1200">
-                  <a:solidFill>
-                    <a:schemeClr val="tx1"/>
-                  </a:solidFill>
-                  <a:latin typeface="+mn-lt"/>
-                  <a:ea typeface="+mn-ea"/>
-                  <a:cs typeface="+mn-cs"/>
-                </a:defRPr>
-              </a:lvl9pPr>
-            </a:lstStyle>
-            <a:p>
-              <a:pPr algn="ctr"/>
-              <a:r>
-                <a:rPr lang="en-US" b="1" dirty="0" smtClean="0">
-                  <a:solidFill>
-                    <a:srgbClr val="EA713D"/>
-                  </a:solidFill>
-                </a:rPr>
-                <a:t>Accountability</a:t>
-              </a:r>
-              <a:endParaRPr lang="en-US" b="1" dirty="0">
-                <a:solidFill>
-                  <a:srgbClr val="EA713D"/>
-                </a:solidFill>
-              </a:endParaRPr>
-            </a:p>
-            <a:p>
-              <a:pPr algn="ctr"/>
-              <a:r>
-                <a:rPr lang="en-US" sz="1400" dirty="0" smtClean="0">
-                  <a:solidFill>
-                    <a:srgbClr val="000000"/>
-                  </a:solidFill>
-                </a:rPr>
-                <a:t>If we don’t perform, we don’t mind being fired. </a:t>
-              </a:r>
-              <a:endParaRPr lang="en-US" sz="1400" dirty="0">
-                <a:solidFill>
-                  <a:srgbClr val="000000"/>
-                </a:solidFill>
-              </a:endParaRPr>
-            </a:p>
-          </p:txBody>
-        </p:sp>
-        <p:pic>
-          <p:nvPicPr>
-            <p:cNvPr id="1027" name="Picture 3" descr="C:\Users\msingh\Downloads\noun_331_cc.png"/>
-            <p:cNvPicPr>
-              <a:picLocks noChangeAspect="1" noChangeArrowheads="1"/>
-            </p:cNvPicPr>
-            <p:nvPr/>
-          </p:nvPicPr>
-          <p:blipFill rotWithShape="1">
-            <a:blip r:embed="rId6">
-              <a:duotone>
-                <a:schemeClr val="accent2">
-                  <a:shade val="45000"/>
-                  <a:satMod val="135000"/>
-                </a:schemeClr>
-                <a:prstClr val="white"/>
-              </a:duotone>
-              <a:extLst>
-                <a:ext uri="{28A0092B-C50C-407E-A947-70E740481C1C}">
-                  <a14:useLocalDpi xmlns:a14="http://schemas.microsoft.com/office/drawing/2010/main" val="0"/>
-                </a:ext>
-              </a:extLst>
-            </a:blip>
-            <a:srcRect l="5988" t="8275" r="3661" b="21989"/>
-            <a:stretch/>
-          </p:blipFill>
-          <p:spPr bwMode="auto">
-            <a:xfrm>
-              <a:off x="7363327" y="1839860"/>
-              <a:ext cx="1359729" cy="1224395"/>
-            </a:xfrm>
-            <a:prstGeom prst="rect">
-              <a:avLst/>
-            </a:prstGeom>
-            <a:noFill/>
-            <a:extLst>
-              <a:ext uri="{909E8E84-426E-40dd-AFC4-6F175D3DCCD1}">
-                <a14:hiddenFill xmlns:a14="http://schemas.microsoft.com/office/drawing/2010/main">
-                  <a:solidFill>
-                    <a:srgbClr val="FFFFFF"/>
-                  </a:solidFill>
-                </a14:hiddenFill>
-              </a:ext>
-            </a:extLst>
-          </p:spPr>
-        </p:pic>
-      </p:grpSp>
-    </p:spTree>
-    <p:extLst>
-      <p:ext uri="{BB962C8B-B14F-4D97-AF65-F5344CB8AC3E}">
-        <p14:creationId xmlns:p14="http://schemas.microsoft.com/office/powerpoint/2010/main" val="2408032620"/>
+        <p14:creationId xmlns:p14="http://schemas.microsoft.com/office/powerpoint/2010/main" val="4021399333"/>
       </p:ext>
     </p:extLst>
   </p:cSld>
@@ -11501,1622 +7185,6 @@
       </p:par>
     </p:tnLst>
   </p:timing>
-</p:sld>
-</file>
-
-<file path=ppt/slides/slide6.xml><?xml version="1.0" encoding="utf-8"?>
-<p:sld xmlns:a="http://schemas.openxmlformats.org/drawingml/2006/main" xmlns:r="http://schemas.openxmlformats.org/officeDocument/2006/relationships" xmlns:p="http://schemas.openxmlformats.org/presentationml/2006/main">
-  <p:cSld>
-    <p:spTree>
-      <p:nvGrpSpPr>
-        <p:cNvPr id="1" name=""/>
-        <p:cNvGrpSpPr/>
-        <p:nvPr/>
-      </p:nvGrpSpPr>
-      <p:grpSpPr>
-        <a:xfrm>
-          <a:off x="0" y="0"/>
-          <a:ext cx="0" cy="0"/>
-          <a:chOff x="0" y="0"/>
-          <a:chExt cx="0" cy="0"/>
-        </a:xfrm>
-      </p:grpSpPr>
-      <p:sp>
-        <p:nvSpPr>
-          <p:cNvPr id="2" name="Title 1"/>
-          <p:cNvSpPr>
-            <a:spLocks noGrp="1"/>
-          </p:cNvSpPr>
-          <p:nvPr>
-            <p:ph type="title"/>
-          </p:nvPr>
-        </p:nvSpPr>
-        <p:spPr/>
-        <p:txBody>
-          <a:bodyPr/>
-          <a:lstStyle/>
-          <a:p>
-            <a:r>
-              <a:rPr lang="en-US" dirty="0" smtClean="0"/>
-              <a:t>Icon Sample</a:t>
-            </a:r>
-            <a:endParaRPr lang="en-US" dirty="0"/>
-          </a:p>
-        </p:txBody>
-      </p:sp>
-      <p:sp>
-        <p:nvSpPr>
-          <p:cNvPr id="3" name="Slide Number Placeholder 2"/>
-          <p:cNvSpPr>
-            <a:spLocks noGrp="1"/>
-          </p:cNvSpPr>
-          <p:nvPr>
-            <p:ph type="sldNum" sz="quarter" idx="12"/>
-          </p:nvPr>
-        </p:nvSpPr>
-        <p:spPr/>
-        <p:txBody>
-          <a:bodyPr/>
-          <a:lstStyle/>
-          <a:p>
-            <a:fld id="{D3DEDF89-8E0A-854D-9A33-444D75E69871}" type="slidenum">
-              <a:rPr lang="en-US" smtClean="0"/>
-              <a:t>6</a:t>
-            </a:fld>
-            <a:endParaRPr lang="en-US"/>
-          </a:p>
-        </p:txBody>
-      </p:sp>
-      <p:pic>
-        <p:nvPicPr>
-          <p:cNvPr id="4" name="Picture 3" descr="cloud.png"/>
-          <p:cNvPicPr>
-            <a:picLocks noChangeAspect="1"/>
-          </p:cNvPicPr>
-          <p:nvPr/>
-        </p:nvPicPr>
-        <p:blipFill>
-          <a:blip r:embed="rId2">
-            <a:duotone>
-              <a:schemeClr val="accent1">
-                <a:shade val="45000"/>
-                <a:satMod val="135000"/>
-              </a:schemeClr>
-              <a:prstClr val="white"/>
-            </a:duotone>
-            <a:extLst>
-              <a:ext uri="{28A0092B-C50C-407E-A947-70E740481C1C}">
-                <a14:useLocalDpi xmlns:a14="http://schemas.microsoft.com/office/drawing/2010/main" val="0"/>
-              </a:ext>
-            </a:extLst>
-          </a:blip>
-          <a:stretch>
-            <a:fillRect/>
-          </a:stretch>
-        </p:blipFill>
-        <p:spPr>
-          <a:xfrm>
-            <a:off x="680701" y="1662178"/>
-            <a:ext cx="963160" cy="561844"/>
-          </a:xfrm>
-          <a:prstGeom prst="rect">
-            <a:avLst/>
-          </a:prstGeom>
-        </p:spPr>
-      </p:pic>
-      <p:pic>
-        <p:nvPicPr>
-          <p:cNvPr id="5" name="Picture 4"/>
-          <p:cNvPicPr>
-            <a:picLocks noChangeAspect="1"/>
-          </p:cNvPicPr>
-          <p:nvPr/>
-        </p:nvPicPr>
-        <p:blipFill>
-          <a:blip r:embed="rId3">
-            <a:duotone>
-              <a:schemeClr val="accent1">
-                <a:shade val="45000"/>
-                <a:satMod val="135000"/>
-              </a:schemeClr>
-              <a:prstClr val="white"/>
-            </a:duotone>
-            <a:extLst>
-              <a:ext uri="{28A0092B-C50C-407E-A947-70E740481C1C}">
-                <a14:useLocalDpi xmlns:a14="http://schemas.microsoft.com/office/drawing/2010/main" val="0"/>
-              </a:ext>
-            </a:extLst>
-          </a:blip>
-          <a:stretch>
-            <a:fillRect/>
-          </a:stretch>
-        </p:blipFill>
-        <p:spPr>
-          <a:xfrm>
-            <a:off x="862377" y="2662103"/>
-            <a:ext cx="599808" cy="822595"/>
-          </a:xfrm>
-          <a:prstGeom prst="rect">
-            <a:avLst/>
-          </a:prstGeom>
-        </p:spPr>
-      </p:pic>
-      <p:pic>
-        <p:nvPicPr>
-          <p:cNvPr id="6" name="Picture 5"/>
-          <p:cNvPicPr>
-            <a:picLocks noChangeAspect="1"/>
-          </p:cNvPicPr>
-          <p:nvPr/>
-        </p:nvPicPr>
-        <p:blipFill>
-          <a:blip r:embed="rId4">
-            <a:duotone>
-              <a:schemeClr val="accent1">
-                <a:shade val="45000"/>
-                <a:satMod val="135000"/>
-              </a:schemeClr>
-              <a:prstClr val="white"/>
-            </a:duotone>
-            <a:extLst>
-              <a:ext uri="{28A0092B-C50C-407E-A947-70E740481C1C}">
-                <a14:useLocalDpi xmlns:a14="http://schemas.microsoft.com/office/drawing/2010/main" val="0"/>
-              </a:ext>
-            </a:extLst>
-          </a:blip>
-          <a:stretch>
-            <a:fillRect/>
-          </a:stretch>
-        </p:blipFill>
-        <p:spPr>
-          <a:xfrm>
-            <a:off x="799540" y="3779703"/>
-            <a:ext cx="725483" cy="822595"/>
-          </a:xfrm>
-          <a:prstGeom prst="rect">
-            <a:avLst/>
-          </a:prstGeom>
-        </p:spPr>
-      </p:pic>
-      <p:pic>
-        <p:nvPicPr>
-          <p:cNvPr id="7" name="Picture 6"/>
-          <p:cNvPicPr>
-            <a:picLocks noChangeAspect="1"/>
-          </p:cNvPicPr>
-          <p:nvPr/>
-        </p:nvPicPr>
-        <p:blipFill>
-          <a:blip r:embed="rId5">
-            <a:duotone>
-              <a:schemeClr val="accent1">
-                <a:shade val="45000"/>
-                <a:satMod val="135000"/>
-              </a:schemeClr>
-              <a:prstClr val="white"/>
-            </a:duotone>
-            <a:extLst>
-              <a:ext uri="{28A0092B-C50C-407E-A947-70E740481C1C}">
-                <a14:useLocalDpi xmlns:a14="http://schemas.microsoft.com/office/drawing/2010/main" val="0"/>
-              </a:ext>
-            </a:extLst>
-          </a:blip>
-          <a:stretch>
-            <a:fillRect/>
-          </a:stretch>
-        </p:blipFill>
-        <p:spPr>
-          <a:xfrm>
-            <a:off x="752402" y="4998903"/>
-            <a:ext cx="819758" cy="822595"/>
-          </a:xfrm>
-          <a:prstGeom prst="rect">
-            <a:avLst/>
-          </a:prstGeom>
-        </p:spPr>
-      </p:pic>
-      <p:sp>
-        <p:nvSpPr>
-          <p:cNvPr id="8" name="Content Placeholder 2"/>
-          <p:cNvSpPr txBox="1">
-            <a:spLocks/>
-          </p:cNvSpPr>
-          <p:nvPr/>
-        </p:nvSpPr>
-        <p:spPr>
-          <a:xfrm>
-            <a:off x="1733550" y="1516685"/>
-            <a:ext cx="5937250" cy="720037"/>
-          </a:xfrm>
-          <a:prstGeom prst="rect">
-            <a:avLst/>
-          </a:prstGeom>
-        </p:spPr>
-        <p:txBody>
-          <a:bodyPr/>
-          <a:lstStyle>
-            <a:lvl1pPr marL="0" indent="0" algn="l" defTabSz="457200" rtl="0" eaLnBrk="1" latinLnBrk="0" hangingPunct="1">
-              <a:lnSpc>
-                <a:spcPct val="100000"/>
-              </a:lnSpc>
-              <a:spcBef>
-                <a:spcPts val="500"/>
-              </a:spcBef>
-              <a:buFont typeface="Arial"/>
-              <a:buNone/>
-              <a:defRPr sz="2000" kern="1200">
-                <a:solidFill>
-                  <a:schemeClr val="tx1"/>
-                </a:solidFill>
-                <a:latin typeface="Century Gothic"/>
-                <a:ea typeface="+mn-ea"/>
-                <a:cs typeface="Century Gothic"/>
-              </a:defRPr>
-            </a:lvl1pPr>
-            <a:lvl2pPr marL="458788" indent="-174625" algn="l" defTabSz="457200" rtl="0" eaLnBrk="1" latinLnBrk="0" hangingPunct="1">
-              <a:lnSpc>
-                <a:spcPct val="100000"/>
-              </a:lnSpc>
-              <a:spcBef>
-                <a:spcPts val="500"/>
-              </a:spcBef>
-              <a:buFont typeface="Arial"/>
-              <a:buChar char="•"/>
-              <a:defRPr sz="2000" kern="1200">
-                <a:solidFill>
-                  <a:srgbClr val="525352"/>
-                </a:solidFill>
-                <a:latin typeface="Century Gothic"/>
-                <a:ea typeface="+mn-ea"/>
-                <a:cs typeface="Century Gothic"/>
-              </a:defRPr>
-            </a:lvl2pPr>
-            <a:lvl3pPr marL="919163" indent="-168275" algn="l" defTabSz="457200" rtl="0" eaLnBrk="1" latinLnBrk="0" hangingPunct="1">
-              <a:lnSpc>
-                <a:spcPct val="100000"/>
-              </a:lnSpc>
-              <a:spcBef>
-                <a:spcPts val="500"/>
-              </a:spcBef>
-              <a:buClr>
-                <a:schemeClr val="accent2"/>
-              </a:buClr>
-              <a:buSzPct val="100000"/>
-              <a:buFont typeface="Wingdings" charset="2"/>
-              <a:buChar char="§"/>
-              <a:defRPr sz="1400" kern="1200">
-                <a:solidFill>
-                  <a:schemeClr val="tx1"/>
-                </a:solidFill>
-                <a:latin typeface="Century Gothic"/>
-                <a:ea typeface="+mn-ea"/>
-                <a:cs typeface="Century Gothic"/>
-              </a:defRPr>
-            </a:lvl3pPr>
-            <a:lvl4pPr marL="1600200" indent="-228600" algn="l" defTabSz="457200" rtl="0" eaLnBrk="1" latinLnBrk="0" hangingPunct="1">
-              <a:spcBef>
-                <a:spcPct val="20000"/>
-              </a:spcBef>
-              <a:buFont typeface="Arial"/>
-              <a:buChar char="–"/>
-              <a:defRPr sz="1800" kern="1200">
-                <a:solidFill>
-                  <a:schemeClr val="tx1"/>
-                </a:solidFill>
-                <a:latin typeface="Century Gothic"/>
-                <a:ea typeface="+mn-ea"/>
-                <a:cs typeface="Century Gothic"/>
-              </a:defRPr>
-            </a:lvl4pPr>
-            <a:lvl5pPr marL="2057400" indent="-228600" algn="l" defTabSz="457200" rtl="0" eaLnBrk="1" latinLnBrk="0" hangingPunct="1">
-              <a:spcBef>
-                <a:spcPct val="20000"/>
-              </a:spcBef>
-              <a:buFont typeface="Arial"/>
-              <a:buChar char="»"/>
-              <a:defRPr sz="1800" kern="1200">
-                <a:solidFill>
-                  <a:schemeClr val="tx1"/>
-                </a:solidFill>
-                <a:latin typeface="Century Gothic"/>
-                <a:ea typeface="+mn-ea"/>
-                <a:cs typeface="Century Gothic"/>
-              </a:defRPr>
-            </a:lvl5pPr>
-            <a:lvl6pPr marL="2514600" indent="-228600" algn="l" defTabSz="457200" rtl="0" eaLnBrk="1" latinLnBrk="0" hangingPunct="1">
-              <a:spcBef>
-                <a:spcPct val="20000"/>
-              </a:spcBef>
-              <a:buFont typeface="Arial"/>
-              <a:buChar char="•"/>
-              <a:defRPr sz="2000" kern="1200">
-                <a:solidFill>
-                  <a:schemeClr val="tx1"/>
-                </a:solidFill>
-                <a:latin typeface="+mn-lt"/>
-                <a:ea typeface="+mn-ea"/>
-                <a:cs typeface="+mn-cs"/>
-              </a:defRPr>
-            </a:lvl6pPr>
-            <a:lvl7pPr marL="2971800" indent="-228600" algn="l" defTabSz="457200" rtl="0" eaLnBrk="1" latinLnBrk="0" hangingPunct="1">
-              <a:spcBef>
-                <a:spcPct val="20000"/>
-              </a:spcBef>
-              <a:buFont typeface="Arial"/>
-              <a:buChar char="•"/>
-              <a:defRPr sz="2000" kern="1200">
-                <a:solidFill>
-                  <a:schemeClr val="tx1"/>
-                </a:solidFill>
-                <a:latin typeface="+mn-lt"/>
-                <a:ea typeface="+mn-ea"/>
-                <a:cs typeface="+mn-cs"/>
-              </a:defRPr>
-            </a:lvl7pPr>
-            <a:lvl8pPr marL="3429000" indent="-228600" algn="l" defTabSz="457200" rtl="0" eaLnBrk="1" latinLnBrk="0" hangingPunct="1">
-              <a:spcBef>
-                <a:spcPct val="20000"/>
-              </a:spcBef>
-              <a:buFont typeface="Arial"/>
-              <a:buChar char="•"/>
-              <a:defRPr sz="2000" kern="1200">
-                <a:solidFill>
-                  <a:schemeClr val="tx1"/>
-                </a:solidFill>
-                <a:latin typeface="+mn-lt"/>
-                <a:ea typeface="+mn-ea"/>
-                <a:cs typeface="+mn-cs"/>
-              </a:defRPr>
-            </a:lvl8pPr>
-            <a:lvl9pPr marL="3886200" indent="-228600" algn="l" defTabSz="457200" rtl="0" eaLnBrk="1" latinLnBrk="0" hangingPunct="1">
-              <a:spcBef>
-                <a:spcPct val="20000"/>
-              </a:spcBef>
-              <a:buFont typeface="Arial"/>
-              <a:buChar char="•"/>
-              <a:defRPr sz="2000" kern="1200">
-                <a:solidFill>
-                  <a:schemeClr val="tx1"/>
-                </a:solidFill>
-                <a:latin typeface="+mn-lt"/>
-                <a:ea typeface="+mn-ea"/>
-                <a:cs typeface="+mn-cs"/>
-              </a:defRPr>
-            </a:lvl9pPr>
-          </a:lstStyle>
-          <a:p>
-            <a:pPr>
-              <a:lnSpc>
-                <a:spcPct val="90000"/>
-              </a:lnSpc>
-            </a:pPr>
-            <a:r>
-              <a:rPr lang="en-US" sz="2400" b="1" dirty="0" smtClean="0">
-                <a:solidFill>
-                  <a:srgbClr val="EA713D"/>
-                </a:solidFill>
-              </a:rPr>
-              <a:t>Text </a:t>
-            </a:r>
-            <a:r>
-              <a:rPr lang="en-US" sz="2400" b="1" dirty="0">
-                <a:solidFill>
-                  <a:srgbClr val="EA713D"/>
-                </a:solidFill>
-              </a:rPr>
-              <a:t>Here</a:t>
-            </a:r>
-          </a:p>
-          <a:p>
-            <a:pPr>
-              <a:lnSpc>
-                <a:spcPct val="90000"/>
-              </a:lnSpc>
-            </a:pPr>
-            <a:r>
-              <a:rPr lang="en-US" sz="1600" dirty="0" err="1">
-                <a:solidFill>
-                  <a:srgbClr val="000000"/>
-                </a:solidFill>
-              </a:rPr>
-              <a:t>Lorem</a:t>
-            </a:r>
-            <a:r>
-              <a:rPr lang="en-US" sz="1600" dirty="0">
-                <a:solidFill>
-                  <a:srgbClr val="000000"/>
-                </a:solidFill>
-              </a:rPr>
-              <a:t> </a:t>
-            </a:r>
-            <a:r>
-              <a:rPr lang="en-US" sz="1600" dirty="0" err="1">
-                <a:solidFill>
-                  <a:srgbClr val="000000"/>
-                </a:solidFill>
-              </a:rPr>
-              <a:t>ipsum</a:t>
-            </a:r>
-            <a:r>
-              <a:rPr lang="en-US" sz="1600" dirty="0">
-                <a:solidFill>
-                  <a:srgbClr val="000000"/>
-                </a:solidFill>
-              </a:rPr>
-              <a:t> dolor </a:t>
-            </a:r>
-            <a:r>
-              <a:rPr lang="en-US" sz="1600" dirty="0" err="1">
-                <a:solidFill>
-                  <a:srgbClr val="000000"/>
-                </a:solidFill>
-              </a:rPr>
-              <a:t>sae</a:t>
-            </a:r>
-            <a:r>
-              <a:rPr lang="en-US" sz="1600" dirty="0">
-                <a:solidFill>
-                  <a:srgbClr val="000000"/>
-                </a:solidFill>
-              </a:rPr>
-              <a:t> </a:t>
-            </a:r>
-            <a:r>
-              <a:rPr lang="en-US" sz="1600" dirty="0" err="1">
-                <a:solidFill>
-                  <a:srgbClr val="000000"/>
-                </a:solidFill>
-              </a:rPr>
-              <a:t>nisitasi</a:t>
-            </a:r>
-            <a:r>
-              <a:rPr lang="en-US" sz="1600" dirty="0">
-                <a:solidFill>
-                  <a:srgbClr val="000000"/>
-                </a:solidFill>
-              </a:rPr>
-              <a:t> </a:t>
-            </a:r>
-            <a:r>
-              <a:rPr lang="en-US" sz="1600" dirty="0" err="1">
-                <a:solidFill>
-                  <a:srgbClr val="000000"/>
-                </a:solidFill>
-              </a:rPr>
-              <a:t>offici</a:t>
-            </a:r>
-            <a:r>
-              <a:rPr lang="en-US" sz="1600" dirty="0">
-                <a:solidFill>
-                  <a:srgbClr val="000000"/>
-                </a:solidFill>
-              </a:rPr>
-              <a:t> </a:t>
-            </a:r>
-            <a:r>
-              <a:rPr lang="en-US" sz="1600" dirty="0" err="1">
-                <a:solidFill>
-                  <a:srgbClr val="000000"/>
-                </a:solidFill>
-              </a:rPr>
-              <a:t>veliquos</a:t>
-            </a:r>
-            <a:r>
-              <a:rPr lang="en-US" sz="1600" dirty="0">
-                <a:solidFill>
-                  <a:srgbClr val="000000"/>
-                </a:solidFill>
-              </a:rPr>
-              <a:t> re </a:t>
-            </a:r>
-            <a:r>
-              <a:rPr lang="en-US" sz="1600" dirty="0" err="1" smtClean="0">
-                <a:solidFill>
-                  <a:srgbClr val="000000"/>
-                </a:solidFill>
-              </a:rPr>
-              <a:t>doluptia</a:t>
-            </a:r>
-            <a:endParaRPr lang="en-US" sz="1600" dirty="0"/>
-          </a:p>
-        </p:txBody>
-      </p:sp>
-      <p:sp>
-        <p:nvSpPr>
-          <p:cNvPr id="10" name="Content Placeholder 2"/>
-          <p:cNvSpPr txBox="1">
-            <a:spLocks/>
-          </p:cNvSpPr>
-          <p:nvPr/>
-        </p:nvSpPr>
-        <p:spPr>
-          <a:xfrm>
-            <a:off x="1733550" y="2688461"/>
-            <a:ext cx="5937250" cy="720037"/>
-          </a:xfrm>
-          <a:prstGeom prst="rect">
-            <a:avLst/>
-          </a:prstGeom>
-        </p:spPr>
-        <p:txBody>
-          <a:bodyPr/>
-          <a:lstStyle>
-            <a:lvl1pPr marL="0" indent="0" algn="l" defTabSz="457200" rtl="0" eaLnBrk="1" latinLnBrk="0" hangingPunct="1">
-              <a:lnSpc>
-                <a:spcPct val="100000"/>
-              </a:lnSpc>
-              <a:spcBef>
-                <a:spcPts val="500"/>
-              </a:spcBef>
-              <a:buFont typeface="Arial"/>
-              <a:buNone/>
-              <a:defRPr sz="2000" kern="1200">
-                <a:solidFill>
-                  <a:schemeClr val="tx1"/>
-                </a:solidFill>
-                <a:latin typeface="Century Gothic"/>
-                <a:ea typeface="+mn-ea"/>
-                <a:cs typeface="Century Gothic"/>
-              </a:defRPr>
-            </a:lvl1pPr>
-            <a:lvl2pPr marL="458788" indent="-174625" algn="l" defTabSz="457200" rtl="0" eaLnBrk="1" latinLnBrk="0" hangingPunct="1">
-              <a:lnSpc>
-                <a:spcPct val="100000"/>
-              </a:lnSpc>
-              <a:spcBef>
-                <a:spcPts val="500"/>
-              </a:spcBef>
-              <a:buFont typeface="Arial"/>
-              <a:buChar char="•"/>
-              <a:defRPr sz="2000" kern="1200">
-                <a:solidFill>
-                  <a:srgbClr val="525352"/>
-                </a:solidFill>
-                <a:latin typeface="Century Gothic"/>
-                <a:ea typeface="+mn-ea"/>
-                <a:cs typeface="Century Gothic"/>
-              </a:defRPr>
-            </a:lvl2pPr>
-            <a:lvl3pPr marL="919163" indent="-168275" algn="l" defTabSz="457200" rtl="0" eaLnBrk="1" latinLnBrk="0" hangingPunct="1">
-              <a:lnSpc>
-                <a:spcPct val="100000"/>
-              </a:lnSpc>
-              <a:spcBef>
-                <a:spcPts val="500"/>
-              </a:spcBef>
-              <a:buClr>
-                <a:schemeClr val="accent2"/>
-              </a:buClr>
-              <a:buSzPct val="100000"/>
-              <a:buFont typeface="Wingdings" charset="2"/>
-              <a:buChar char="§"/>
-              <a:defRPr sz="1400" kern="1200">
-                <a:solidFill>
-                  <a:schemeClr val="tx1"/>
-                </a:solidFill>
-                <a:latin typeface="Century Gothic"/>
-                <a:ea typeface="+mn-ea"/>
-                <a:cs typeface="Century Gothic"/>
-              </a:defRPr>
-            </a:lvl3pPr>
-            <a:lvl4pPr marL="1600200" indent="-228600" algn="l" defTabSz="457200" rtl="0" eaLnBrk="1" latinLnBrk="0" hangingPunct="1">
-              <a:spcBef>
-                <a:spcPct val="20000"/>
-              </a:spcBef>
-              <a:buFont typeface="Arial"/>
-              <a:buChar char="–"/>
-              <a:defRPr sz="1800" kern="1200">
-                <a:solidFill>
-                  <a:schemeClr val="tx1"/>
-                </a:solidFill>
-                <a:latin typeface="Century Gothic"/>
-                <a:ea typeface="+mn-ea"/>
-                <a:cs typeface="Century Gothic"/>
-              </a:defRPr>
-            </a:lvl4pPr>
-            <a:lvl5pPr marL="2057400" indent="-228600" algn="l" defTabSz="457200" rtl="0" eaLnBrk="1" latinLnBrk="0" hangingPunct="1">
-              <a:spcBef>
-                <a:spcPct val="20000"/>
-              </a:spcBef>
-              <a:buFont typeface="Arial"/>
-              <a:buChar char="»"/>
-              <a:defRPr sz="1800" kern="1200">
-                <a:solidFill>
-                  <a:schemeClr val="tx1"/>
-                </a:solidFill>
-                <a:latin typeface="Century Gothic"/>
-                <a:ea typeface="+mn-ea"/>
-                <a:cs typeface="Century Gothic"/>
-              </a:defRPr>
-            </a:lvl5pPr>
-            <a:lvl6pPr marL="2514600" indent="-228600" algn="l" defTabSz="457200" rtl="0" eaLnBrk="1" latinLnBrk="0" hangingPunct="1">
-              <a:spcBef>
-                <a:spcPct val="20000"/>
-              </a:spcBef>
-              <a:buFont typeface="Arial"/>
-              <a:buChar char="•"/>
-              <a:defRPr sz="2000" kern="1200">
-                <a:solidFill>
-                  <a:schemeClr val="tx1"/>
-                </a:solidFill>
-                <a:latin typeface="+mn-lt"/>
-                <a:ea typeface="+mn-ea"/>
-                <a:cs typeface="+mn-cs"/>
-              </a:defRPr>
-            </a:lvl6pPr>
-            <a:lvl7pPr marL="2971800" indent="-228600" algn="l" defTabSz="457200" rtl="0" eaLnBrk="1" latinLnBrk="0" hangingPunct="1">
-              <a:spcBef>
-                <a:spcPct val="20000"/>
-              </a:spcBef>
-              <a:buFont typeface="Arial"/>
-              <a:buChar char="•"/>
-              <a:defRPr sz="2000" kern="1200">
-                <a:solidFill>
-                  <a:schemeClr val="tx1"/>
-                </a:solidFill>
-                <a:latin typeface="+mn-lt"/>
-                <a:ea typeface="+mn-ea"/>
-                <a:cs typeface="+mn-cs"/>
-              </a:defRPr>
-            </a:lvl7pPr>
-            <a:lvl8pPr marL="3429000" indent="-228600" algn="l" defTabSz="457200" rtl="0" eaLnBrk="1" latinLnBrk="0" hangingPunct="1">
-              <a:spcBef>
-                <a:spcPct val="20000"/>
-              </a:spcBef>
-              <a:buFont typeface="Arial"/>
-              <a:buChar char="•"/>
-              <a:defRPr sz="2000" kern="1200">
-                <a:solidFill>
-                  <a:schemeClr val="tx1"/>
-                </a:solidFill>
-                <a:latin typeface="+mn-lt"/>
-                <a:ea typeface="+mn-ea"/>
-                <a:cs typeface="+mn-cs"/>
-              </a:defRPr>
-            </a:lvl8pPr>
-            <a:lvl9pPr marL="3886200" indent="-228600" algn="l" defTabSz="457200" rtl="0" eaLnBrk="1" latinLnBrk="0" hangingPunct="1">
-              <a:spcBef>
-                <a:spcPct val="20000"/>
-              </a:spcBef>
-              <a:buFont typeface="Arial"/>
-              <a:buChar char="•"/>
-              <a:defRPr sz="2000" kern="1200">
-                <a:solidFill>
-                  <a:schemeClr val="tx1"/>
-                </a:solidFill>
-                <a:latin typeface="+mn-lt"/>
-                <a:ea typeface="+mn-ea"/>
-                <a:cs typeface="+mn-cs"/>
-              </a:defRPr>
-            </a:lvl9pPr>
-          </a:lstStyle>
-          <a:p>
-            <a:pPr>
-              <a:lnSpc>
-                <a:spcPct val="90000"/>
-              </a:lnSpc>
-            </a:pPr>
-            <a:r>
-              <a:rPr lang="en-US" sz="2400" b="1" dirty="0" smtClean="0">
-                <a:solidFill>
-                  <a:srgbClr val="EA713D"/>
-                </a:solidFill>
-              </a:rPr>
-              <a:t>Text </a:t>
-            </a:r>
-            <a:r>
-              <a:rPr lang="en-US" sz="2400" b="1" dirty="0">
-                <a:solidFill>
-                  <a:srgbClr val="EA713D"/>
-                </a:solidFill>
-              </a:rPr>
-              <a:t>Here</a:t>
-            </a:r>
-          </a:p>
-          <a:p>
-            <a:pPr>
-              <a:lnSpc>
-                <a:spcPct val="90000"/>
-              </a:lnSpc>
-            </a:pPr>
-            <a:r>
-              <a:rPr lang="en-US" sz="1600" dirty="0" err="1">
-                <a:solidFill>
-                  <a:srgbClr val="000000"/>
-                </a:solidFill>
-              </a:rPr>
-              <a:t>Lorem</a:t>
-            </a:r>
-            <a:r>
-              <a:rPr lang="en-US" sz="1600" dirty="0">
-                <a:solidFill>
-                  <a:srgbClr val="000000"/>
-                </a:solidFill>
-              </a:rPr>
-              <a:t> </a:t>
-            </a:r>
-            <a:r>
-              <a:rPr lang="en-US" sz="1600" dirty="0" err="1">
-                <a:solidFill>
-                  <a:srgbClr val="000000"/>
-                </a:solidFill>
-              </a:rPr>
-              <a:t>ipsum</a:t>
-            </a:r>
-            <a:r>
-              <a:rPr lang="en-US" sz="1600" dirty="0">
-                <a:solidFill>
-                  <a:srgbClr val="000000"/>
-                </a:solidFill>
-              </a:rPr>
-              <a:t> dolor </a:t>
-            </a:r>
-            <a:r>
-              <a:rPr lang="en-US" sz="1600" dirty="0" err="1">
-                <a:solidFill>
-                  <a:srgbClr val="000000"/>
-                </a:solidFill>
-              </a:rPr>
-              <a:t>sae</a:t>
-            </a:r>
-            <a:r>
-              <a:rPr lang="en-US" sz="1600" dirty="0">
-                <a:solidFill>
-                  <a:srgbClr val="000000"/>
-                </a:solidFill>
-              </a:rPr>
-              <a:t> </a:t>
-            </a:r>
-            <a:r>
-              <a:rPr lang="en-US" sz="1600" dirty="0" err="1">
-                <a:solidFill>
-                  <a:srgbClr val="000000"/>
-                </a:solidFill>
-              </a:rPr>
-              <a:t>nisitasi</a:t>
-            </a:r>
-            <a:r>
-              <a:rPr lang="en-US" sz="1600" dirty="0">
-                <a:solidFill>
-                  <a:srgbClr val="000000"/>
-                </a:solidFill>
-              </a:rPr>
-              <a:t> </a:t>
-            </a:r>
-            <a:r>
-              <a:rPr lang="en-US" sz="1600" dirty="0" err="1">
-                <a:solidFill>
-                  <a:srgbClr val="000000"/>
-                </a:solidFill>
-              </a:rPr>
-              <a:t>offici</a:t>
-            </a:r>
-            <a:r>
-              <a:rPr lang="en-US" sz="1600" dirty="0">
-                <a:solidFill>
-                  <a:srgbClr val="000000"/>
-                </a:solidFill>
-              </a:rPr>
-              <a:t> </a:t>
-            </a:r>
-            <a:r>
-              <a:rPr lang="en-US" sz="1600" dirty="0" err="1">
-                <a:solidFill>
-                  <a:srgbClr val="000000"/>
-                </a:solidFill>
-              </a:rPr>
-              <a:t>veliquos</a:t>
-            </a:r>
-            <a:r>
-              <a:rPr lang="en-US" sz="1600" dirty="0">
-                <a:solidFill>
-                  <a:srgbClr val="000000"/>
-                </a:solidFill>
-              </a:rPr>
-              <a:t> re </a:t>
-            </a:r>
-            <a:r>
-              <a:rPr lang="en-US" sz="1600" dirty="0" err="1" smtClean="0">
-                <a:solidFill>
-                  <a:srgbClr val="000000"/>
-                </a:solidFill>
-              </a:rPr>
-              <a:t>doluptia</a:t>
-            </a:r>
-            <a:endParaRPr lang="en-US" sz="1600" dirty="0"/>
-          </a:p>
-        </p:txBody>
-      </p:sp>
-      <p:sp>
-        <p:nvSpPr>
-          <p:cNvPr id="13" name="Content Placeholder 2"/>
-          <p:cNvSpPr txBox="1">
-            <a:spLocks/>
-          </p:cNvSpPr>
-          <p:nvPr/>
-        </p:nvSpPr>
-        <p:spPr>
-          <a:xfrm>
-            <a:off x="1733550" y="3851400"/>
-            <a:ext cx="5937250" cy="720037"/>
-          </a:xfrm>
-          <a:prstGeom prst="rect">
-            <a:avLst/>
-          </a:prstGeom>
-        </p:spPr>
-        <p:txBody>
-          <a:bodyPr/>
-          <a:lstStyle>
-            <a:lvl1pPr marL="0" indent="0" algn="l" defTabSz="457200" rtl="0" eaLnBrk="1" latinLnBrk="0" hangingPunct="1">
-              <a:lnSpc>
-                <a:spcPct val="100000"/>
-              </a:lnSpc>
-              <a:spcBef>
-                <a:spcPts val="500"/>
-              </a:spcBef>
-              <a:buFont typeface="Arial"/>
-              <a:buNone/>
-              <a:defRPr sz="2000" kern="1200">
-                <a:solidFill>
-                  <a:schemeClr val="tx1"/>
-                </a:solidFill>
-                <a:latin typeface="Century Gothic"/>
-                <a:ea typeface="+mn-ea"/>
-                <a:cs typeface="Century Gothic"/>
-              </a:defRPr>
-            </a:lvl1pPr>
-            <a:lvl2pPr marL="458788" indent="-174625" algn="l" defTabSz="457200" rtl="0" eaLnBrk="1" latinLnBrk="0" hangingPunct="1">
-              <a:lnSpc>
-                <a:spcPct val="100000"/>
-              </a:lnSpc>
-              <a:spcBef>
-                <a:spcPts val="500"/>
-              </a:spcBef>
-              <a:buFont typeface="Arial"/>
-              <a:buChar char="•"/>
-              <a:defRPr sz="2000" kern="1200">
-                <a:solidFill>
-                  <a:srgbClr val="525352"/>
-                </a:solidFill>
-                <a:latin typeface="Century Gothic"/>
-                <a:ea typeface="+mn-ea"/>
-                <a:cs typeface="Century Gothic"/>
-              </a:defRPr>
-            </a:lvl2pPr>
-            <a:lvl3pPr marL="919163" indent="-168275" algn="l" defTabSz="457200" rtl="0" eaLnBrk="1" latinLnBrk="0" hangingPunct="1">
-              <a:lnSpc>
-                <a:spcPct val="100000"/>
-              </a:lnSpc>
-              <a:spcBef>
-                <a:spcPts val="500"/>
-              </a:spcBef>
-              <a:buClr>
-                <a:schemeClr val="accent2"/>
-              </a:buClr>
-              <a:buSzPct val="100000"/>
-              <a:buFont typeface="Wingdings" charset="2"/>
-              <a:buChar char="§"/>
-              <a:defRPr sz="1400" kern="1200">
-                <a:solidFill>
-                  <a:schemeClr val="tx1"/>
-                </a:solidFill>
-                <a:latin typeface="Century Gothic"/>
-                <a:ea typeface="+mn-ea"/>
-                <a:cs typeface="Century Gothic"/>
-              </a:defRPr>
-            </a:lvl3pPr>
-            <a:lvl4pPr marL="1600200" indent="-228600" algn="l" defTabSz="457200" rtl="0" eaLnBrk="1" latinLnBrk="0" hangingPunct="1">
-              <a:spcBef>
-                <a:spcPct val="20000"/>
-              </a:spcBef>
-              <a:buFont typeface="Arial"/>
-              <a:buChar char="–"/>
-              <a:defRPr sz="1800" kern="1200">
-                <a:solidFill>
-                  <a:schemeClr val="tx1"/>
-                </a:solidFill>
-                <a:latin typeface="Century Gothic"/>
-                <a:ea typeface="+mn-ea"/>
-                <a:cs typeface="Century Gothic"/>
-              </a:defRPr>
-            </a:lvl4pPr>
-            <a:lvl5pPr marL="2057400" indent="-228600" algn="l" defTabSz="457200" rtl="0" eaLnBrk="1" latinLnBrk="0" hangingPunct="1">
-              <a:spcBef>
-                <a:spcPct val="20000"/>
-              </a:spcBef>
-              <a:buFont typeface="Arial"/>
-              <a:buChar char="»"/>
-              <a:defRPr sz="1800" kern="1200">
-                <a:solidFill>
-                  <a:schemeClr val="tx1"/>
-                </a:solidFill>
-                <a:latin typeface="Century Gothic"/>
-                <a:ea typeface="+mn-ea"/>
-                <a:cs typeface="Century Gothic"/>
-              </a:defRPr>
-            </a:lvl5pPr>
-            <a:lvl6pPr marL="2514600" indent="-228600" algn="l" defTabSz="457200" rtl="0" eaLnBrk="1" latinLnBrk="0" hangingPunct="1">
-              <a:spcBef>
-                <a:spcPct val="20000"/>
-              </a:spcBef>
-              <a:buFont typeface="Arial"/>
-              <a:buChar char="•"/>
-              <a:defRPr sz="2000" kern="1200">
-                <a:solidFill>
-                  <a:schemeClr val="tx1"/>
-                </a:solidFill>
-                <a:latin typeface="+mn-lt"/>
-                <a:ea typeface="+mn-ea"/>
-                <a:cs typeface="+mn-cs"/>
-              </a:defRPr>
-            </a:lvl6pPr>
-            <a:lvl7pPr marL="2971800" indent="-228600" algn="l" defTabSz="457200" rtl="0" eaLnBrk="1" latinLnBrk="0" hangingPunct="1">
-              <a:spcBef>
-                <a:spcPct val="20000"/>
-              </a:spcBef>
-              <a:buFont typeface="Arial"/>
-              <a:buChar char="•"/>
-              <a:defRPr sz="2000" kern="1200">
-                <a:solidFill>
-                  <a:schemeClr val="tx1"/>
-                </a:solidFill>
-                <a:latin typeface="+mn-lt"/>
-                <a:ea typeface="+mn-ea"/>
-                <a:cs typeface="+mn-cs"/>
-              </a:defRPr>
-            </a:lvl7pPr>
-            <a:lvl8pPr marL="3429000" indent="-228600" algn="l" defTabSz="457200" rtl="0" eaLnBrk="1" latinLnBrk="0" hangingPunct="1">
-              <a:spcBef>
-                <a:spcPct val="20000"/>
-              </a:spcBef>
-              <a:buFont typeface="Arial"/>
-              <a:buChar char="•"/>
-              <a:defRPr sz="2000" kern="1200">
-                <a:solidFill>
-                  <a:schemeClr val="tx1"/>
-                </a:solidFill>
-                <a:latin typeface="+mn-lt"/>
-                <a:ea typeface="+mn-ea"/>
-                <a:cs typeface="+mn-cs"/>
-              </a:defRPr>
-            </a:lvl8pPr>
-            <a:lvl9pPr marL="3886200" indent="-228600" algn="l" defTabSz="457200" rtl="0" eaLnBrk="1" latinLnBrk="0" hangingPunct="1">
-              <a:spcBef>
-                <a:spcPct val="20000"/>
-              </a:spcBef>
-              <a:buFont typeface="Arial"/>
-              <a:buChar char="•"/>
-              <a:defRPr sz="2000" kern="1200">
-                <a:solidFill>
-                  <a:schemeClr val="tx1"/>
-                </a:solidFill>
-                <a:latin typeface="+mn-lt"/>
-                <a:ea typeface="+mn-ea"/>
-                <a:cs typeface="+mn-cs"/>
-              </a:defRPr>
-            </a:lvl9pPr>
-          </a:lstStyle>
-          <a:p>
-            <a:pPr>
-              <a:lnSpc>
-                <a:spcPct val="90000"/>
-              </a:lnSpc>
-            </a:pPr>
-            <a:r>
-              <a:rPr lang="en-US" sz="2400" b="1" dirty="0" smtClean="0">
-                <a:solidFill>
-                  <a:srgbClr val="EA713D"/>
-                </a:solidFill>
-              </a:rPr>
-              <a:t>Text </a:t>
-            </a:r>
-            <a:r>
-              <a:rPr lang="en-US" sz="2400" b="1" dirty="0">
-                <a:solidFill>
-                  <a:srgbClr val="EA713D"/>
-                </a:solidFill>
-              </a:rPr>
-              <a:t>Here</a:t>
-            </a:r>
-          </a:p>
-          <a:p>
-            <a:pPr>
-              <a:lnSpc>
-                <a:spcPct val="90000"/>
-              </a:lnSpc>
-            </a:pPr>
-            <a:r>
-              <a:rPr lang="en-US" sz="1600" dirty="0" err="1">
-                <a:solidFill>
-                  <a:srgbClr val="000000"/>
-                </a:solidFill>
-              </a:rPr>
-              <a:t>Lorem</a:t>
-            </a:r>
-            <a:r>
-              <a:rPr lang="en-US" sz="1600" dirty="0">
-                <a:solidFill>
-                  <a:srgbClr val="000000"/>
-                </a:solidFill>
-              </a:rPr>
-              <a:t> </a:t>
-            </a:r>
-            <a:r>
-              <a:rPr lang="en-US" sz="1600" dirty="0" err="1">
-                <a:solidFill>
-                  <a:srgbClr val="000000"/>
-                </a:solidFill>
-              </a:rPr>
-              <a:t>ipsum</a:t>
-            </a:r>
-            <a:r>
-              <a:rPr lang="en-US" sz="1600" dirty="0">
-                <a:solidFill>
-                  <a:srgbClr val="000000"/>
-                </a:solidFill>
-              </a:rPr>
-              <a:t> dolor </a:t>
-            </a:r>
-            <a:r>
-              <a:rPr lang="en-US" sz="1600" dirty="0" err="1">
-                <a:solidFill>
-                  <a:srgbClr val="000000"/>
-                </a:solidFill>
-              </a:rPr>
-              <a:t>sae</a:t>
-            </a:r>
-            <a:r>
-              <a:rPr lang="en-US" sz="1600" dirty="0">
-                <a:solidFill>
-                  <a:srgbClr val="000000"/>
-                </a:solidFill>
-              </a:rPr>
-              <a:t> </a:t>
-            </a:r>
-            <a:r>
-              <a:rPr lang="en-US" sz="1600" dirty="0" err="1">
-                <a:solidFill>
-                  <a:srgbClr val="000000"/>
-                </a:solidFill>
-              </a:rPr>
-              <a:t>nisitasi</a:t>
-            </a:r>
-            <a:r>
-              <a:rPr lang="en-US" sz="1600" dirty="0">
-                <a:solidFill>
-                  <a:srgbClr val="000000"/>
-                </a:solidFill>
-              </a:rPr>
-              <a:t> </a:t>
-            </a:r>
-            <a:r>
-              <a:rPr lang="en-US" sz="1600" dirty="0" err="1">
-                <a:solidFill>
-                  <a:srgbClr val="000000"/>
-                </a:solidFill>
-              </a:rPr>
-              <a:t>offici</a:t>
-            </a:r>
-            <a:r>
-              <a:rPr lang="en-US" sz="1600" dirty="0">
-                <a:solidFill>
-                  <a:srgbClr val="000000"/>
-                </a:solidFill>
-              </a:rPr>
-              <a:t> </a:t>
-            </a:r>
-            <a:r>
-              <a:rPr lang="en-US" sz="1600" dirty="0" err="1">
-                <a:solidFill>
-                  <a:srgbClr val="000000"/>
-                </a:solidFill>
-              </a:rPr>
-              <a:t>veliquos</a:t>
-            </a:r>
-            <a:r>
-              <a:rPr lang="en-US" sz="1600" dirty="0">
-                <a:solidFill>
-                  <a:srgbClr val="000000"/>
-                </a:solidFill>
-              </a:rPr>
-              <a:t> re </a:t>
-            </a:r>
-            <a:r>
-              <a:rPr lang="en-US" sz="1600" dirty="0" err="1" smtClean="0">
-                <a:solidFill>
-                  <a:srgbClr val="000000"/>
-                </a:solidFill>
-              </a:rPr>
-              <a:t>doluptia</a:t>
-            </a:r>
-            <a:endParaRPr lang="en-US" sz="1600" dirty="0"/>
-          </a:p>
-        </p:txBody>
-      </p:sp>
-      <p:sp>
-        <p:nvSpPr>
-          <p:cNvPr id="14" name="Content Placeholder 2"/>
-          <p:cNvSpPr txBox="1">
-            <a:spLocks/>
-          </p:cNvSpPr>
-          <p:nvPr/>
-        </p:nvSpPr>
-        <p:spPr>
-          <a:xfrm>
-            <a:off x="1733550" y="5021322"/>
-            <a:ext cx="5937250" cy="720037"/>
-          </a:xfrm>
-          <a:prstGeom prst="rect">
-            <a:avLst/>
-          </a:prstGeom>
-        </p:spPr>
-        <p:txBody>
-          <a:bodyPr/>
-          <a:lstStyle>
-            <a:lvl1pPr marL="0" indent="0" algn="l" defTabSz="457200" rtl="0" eaLnBrk="1" latinLnBrk="0" hangingPunct="1">
-              <a:lnSpc>
-                <a:spcPct val="100000"/>
-              </a:lnSpc>
-              <a:spcBef>
-                <a:spcPts val="500"/>
-              </a:spcBef>
-              <a:buFont typeface="Arial"/>
-              <a:buNone/>
-              <a:defRPr sz="2000" kern="1200">
-                <a:solidFill>
-                  <a:schemeClr val="tx1"/>
-                </a:solidFill>
-                <a:latin typeface="Century Gothic"/>
-                <a:ea typeface="+mn-ea"/>
-                <a:cs typeface="Century Gothic"/>
-              </a:defRPr>
-            </a:lvl1pPr>
-            <a:lvl2pPr marL="458788" indent="-174625" algn="l" defTabSz="457200" rtl="0" eaLnBrk="1" latinLnBrk="0" hangingPunct="1">
-              <a:lnSpc>
-                <a:spcPct val="100000"/>
-              </a:lnSpc>
-              <a:spcBef>
-                <a:spcPts val="500"/>
-              </a:spcBef>
-              <a:buFont typeface="Arial"/>
-              <a:buChar char="•"/>
-              <a:defRPr sz="2000" kern="1200">
-                <a:solidFill>
-                  <a:srgbClr val="525352"/>
-                </a:solidFill>
-                <a:latin typeface="Century Gothic"/>
-                <a:ea typeface="+mn-ea"/>
-                <a:cs typeface="Century Gothic"/>
-              </a:defRPr>
-            </a:lvl2pPr>
-            <a:lvl3pPr marL="919163" indent="-168275" algn="l" defTabSz="457200" rtl="0" eaLnBrk="1" latinLnBrk="0" hangingPunct="1">
-              <a:lnSpc>
-                <a:spcPct val="100000"/>
-              </a:lnSpc>
-              <a:spcBef>
-                <a:spcPts val="500"/>
-              </a:spcBef>
-              <a:buClr>
-                <a:schemeClr val="accent2"/>
-              </a:buClr>
-              <a:buSzPct val="100000"/>
-              <a:buFont typeface="Wingdings" charset="2"/>
-              <a:buChar char="§"/>
-              <a:defRPr sz="1400" kern="1200">
-                <a:solidFill>
-                  <a:schemeClr val="tx1"/>
-                </a:solidFill>
-                <a:latin typeface="Century Gothic"/>
-                <a:ea typeface="+mn-ea"/>
-                <a:cs typeface="Century Gothic"/>
-              </a:defRPr>
-            </a:lvl3pPr>
-            <a:lvl4pPr marL="1600200" indent="-228600" algn="l" defTabSz="457200" rtl="0" eaLnBrk="1" latinLnBrk="0" hangingPunct="1">
-              <a:spcBef>
-                <a:spcPct val="20000"/>
-              </a:spcBef>
-              <a:buFont typeface="Arial"/>
-              <a:buChar char="–"/>
-              <a:defRPr sz="1800" kern="1200">
-                <a:solidFill>
-                  <a:schemeClr val="tx1"/>
-                </a:solidFill>
-                <a:latin typeface="Century Gothic"/>
-                <a:ea typeface="+mn-ea"/>
-                <a:cs typeface="Century Gothic"/>
-              </a:defRPr>
-            </a:lvl4pPr>
-            <a:lvl5pPr marL="2057400" indent="-228600" algn="l" defTabSz="457200" rtl="0" eaLnBrk="1" latinLnBrk="0" hangingPunct="1">
-              <a:spcBef>
-                <a:spcPct val="20000"/>
-              </a:spcBef>
-              <a:buFont typeface="Arial"/>
-              <a:buChar char="»"/>
-              <a:defRPr sz="1800" kern="1200">
-                <a:solidFill>
-                  <a:schemeClr val="tx1"/>
-                </a:solidFill>
-                <a:latin typeface="Century Gothic"/>
-                <a:ea typeface="+mn-ea"/>
-                <a:cs typeface="Century Gothic"/>
-              </a:defRPr>
-            </a:lvl5pPr>
-            <a:lvl6pPr marL="2514600" indent="-228600" algn="l" defTabSz="457200" rtl="0" eaLnBrk="1" latinLnBrk="0" hangingPunct="1">
-              <a:spcBef>
-                <a:spcPct val="20000"/>
-              </a:spcBef>
-              <a:buFont typeface="Arial"/>
-              <a:buChar char="•"/>
-              <a:defRPr sz="2000" kern="1200">
-                <a:solidFill>
-                  <a:schemeClr val="tx1"/>
-                </a:solidFill>
-                <a:latin typeface="+mn-lt"/>
-                <a:ea typeface="+mn-ea"/>
-                <a:cs typeface="+mn-cs"/>
-              </a:defRPr>
-            </a:lvl6pPr>
-            <a:lvl7pPr marL="2971800" indent="-228600" algn="l" defTabSz="457200" rtl="0" eaLnBrk="1" latinLnBrk="0" hangingPunct="1">
-              <a:spcBef>
-                <a:spcPct val="20000"/>
-              </a:spcBef>
-              <a:buFont typeface="Arial"/>
-              <a:buChar char="•"/>
-              <a:defRPr sz="2000" kern="1200">
-                <a:solidFill>
-                  <a:schemeClr val="tx1"/>
-                </a:solidFill>
-                <a:latin typeface="+mn-lt"/>
-                <a:ea typeface="+mn-ea"/>
-                <a:cs typeface="+mn-cs"/>
-              </a:defRPr>
-            </a:lvl7pPr>
-            <a:lvl8pPr marL="3429000" indent="-228600" algn="l" defTabSz="457200" rtl="0" eaLnBrk="1" latinLnBrk="0" hangingPunct="1">
-              <a:spcBef>
-                <a:spcPct val="20000"/>
-              </a:spcBef>
-              <a:buFont typeface="Arial"/>
-              <a:buChar char="•"/>
-              <a:defRPr sz="2000" kern="1200">
-                <a:solidFill>
-                  <a:schemeClr val="tx1"/>
-                </a:solidFill>
-                <a:latin typeface="+mn-lt"/>
-                <a:ea typeface="+mn-ea"/>
-                <a:cs typeface="+mn-cs"/>
-              </a:defRPr>
-            </a:lvl8pPr>
-            <a:lvl9pPr marL="3886200" indent="-228600" algn="l" defTabSz="457200" rtl="0" eaLnBrk="1" latinLnBrk="0" hangingPunct="1">
-              <a:spcBef>
-                <a:spcPct val="20000"/>
-              </a:spcBef>
-              <a:buFont typeface="Arial"/>
-              <a:buChar char="•"/>
-              <a:defRPr sz="2000" kern="1200">
-                <a:solidFill>
-                  <a:schemeClr val="tx1"/>
-                </a:solidFill>
-                <a:latin typeface="+mn-lt"/>
-                <a:ea typeface="+mn-ea"/>
-                <a:cs typeface="+mn-cs"/>
-              </a:defRPr>
-            </a:lvl9pPr>
-          </a:lstStyle>
-          <a:p>
-            <a:pPr>
-              <a:lnSpc>
-                <a:spcPct val="90000"/>
-              </a:lnSpc>
-            </a:pPr>
-            <a:r>
-              <a:rPr lang="en-US" sz="2400" b="1" dirty="0" smtClean="0">
-                <a:solidFill>
-                  <a:srgbClr val="EA713D"/>
-                </a:solidFill>
-              </a:rPr>
-              <a:t>Text </a:t>
-            </a:r>
-            <a:r>
-              <a:rPr lang="en-US" sz="2400" b="1" dirty="0">
-                <a:solidFill>
-                  <a:srgbClr val="EA713D"/>
-                </a:solidFill>
-              </a:rPr>
-              <a:t>Here</a:t>
-            </a:r>
-          </a:p>
-          <a:p>
-            <a:pPr>
-              <a:lnSpc>
-                <a:spcPct val="90000"/>
-              </a:lnSpc>
-            </a:pPr>
-            <a:r>
-              <a:rPr lang="en-US" sz="1600" dirty="0" err="1">
-                <a:solidFill>
-                  <a:srgbClr val="000000"/>
-                </a:solidFill>
-              </a:rPr>
-              <a:t>Lorem</a:t>
-            </a:r>
-            <a:r>
-              <a:rPr lang="en-US" sz="1600" dirty="0">
-                <a:solidFill>
-                  <a:srgbClr val="000000"/>
-                </a:solidFill>
-              </a:rPr>
-              <a:t> </a:t>
-            </a:r>
-            <a:r>
-              <a:rPr lang="en-US" sz="1600" dirty="0" err="1">
-                <a:solidFill>
-                  <a:srgbClr val="000000"/>
-                </a:solidFill>
-              </a:rPr>
-              <a:t>ipsum</a:t>
-            </a:r>
-            <a:r>
-              <a:rPr lang="en-US" sz="1600" dirty="0">
-                <a:solidFill>
-                  <a:srgbClr val="000000"/>
-                </a:solidFill>
-              </a:rPr>
-              <a:t> dolor </a:t>
-            </a:r>
-            <a:r>
-              <a:rPr lang="en-US" sz="1600" dirty="0" err="1">
-                <a:solidFill>
-                  <a:srgbClr val="000000"/>
-                </a:solidFill>
-              </a:rPr>
-              <a:t>sae</a:t>
-            </a:r>
-            <a:r>
-              <a:rPr lang="en-US" sz="1600" dirty="0">
-                <a:solidFill>
-                  <a:srgbClr val="000000"/>
-                </a:solidFill>
-              </a:rPr>
-              <a:t> </a:t>
-            </a:r>
-            <a:r>
-              <a:rPr lang="en-US" sz="1600" dirty="0" err="1">
-                <a:solidFill>
-                  <a:srgbClr val="000000"/>
-                </a:solidFill>
-              </a:rPr>
-              <a:t>nisitasi</a:t>
-            </a:r>
-            <a:r>
-              <a:rPr lang="en-US" sz="1600" dirty="0">
-                <a:solidFill>
-                  <a:srgbClr val="000000"/>
-                </a:solidFill>
-              </a:rPr>
-              <a:t> </a:t>
-            </a:r>
-            <a:r>
-              <a:rPr lang="en-US" sz="1600" dirty="0" err="1">
-                <a:solidFill>
-                  <a:srgbClr val="000000"/>
-                </a:solidFill>
-              </a:rPr>
-              <a:t>offici</a:t>
-            </a:r>
-            <a:r>
-              <a:rPr lang="en-US" sz="1600" dirty="0">
-                <a:solidFill>
-                  <a:srgbClr val="000000"/>
-                </a:solidFill>
-              </a:rPr>
-              <a:t> </a:t>
-            </a:r>
-            <a:r>
-              <a:rPr lang="en-US" sz="1600" dirty="0" err="1">
-                <a:solidFill>
-                  <a:srgbClr val="000000"/>
-                </a:solidFill>
-              </a:rPr>
-              <a:t>veliquos</a:t>
-            </a:r>
-            <a:r>
-              <a:rPr lang="en-US" sz="1600" dirty="0">
-                <a:solidFill>
-                  <a:srgbClr val="000000"/>
-                </a:solidFill>
-              </a:rPr>
-              <a:t> re </a:t>
-            </a:r>
-            <a:r>
-              <a:rPr lang="en-US" sz="1600" dirty="0" err="1" smtClean="0">
-                <a:solidFill>
-                  <a:srgbClr val="000000"/>
-                </a:solidFill>
-              </a:rPr>
-              <a:t>doluptia</a:t>
-            </a:r>
-            <a:endParaRPr lang="en-US" sz="1600" dirty="0"/>
-          </a:p>
-        </p:txBody>
-      </p:sp>
-      <p:cxnSp>
-        <p:nvCxnSpPr>
-          <p:cNvPr id="15" name="Straight Connector 14"/>
-          <p:cNvCxnSpPr/>
-          <p:nvPr/>
-        </p:nvCxnSpPr>
-        <p:spPr>
-          <a:xfrm>
-            <a:off x="457200" y="2499240"/>
-            <a:ext cx="8229600" cy="0"/>
-          </a:xfrm>
-          <a:prstGeom prst="line">
-            <a:avLst/>
-          </a:prstGeom>
-          <a:ln w="6350" cmpd="sng">
-            <a:solidFill>
-              <a:schemeClr val="bg2"/>
-            </a:solidFill>
-          </a:ln>
-          <a:effectLst/>
-        </p:spPr>
-        <p:style>
-          <a:lnRef idx="2">
-            <a:schemeClr val="accent1"/>
-          </a:lnRef>
-          <a:fillRef idx="0">
-            <a:schemeClr val="accent1"/>
-          </a:fillRef>
-          <a:effectRef idx="1">
-            <a:schemeClr val="accent1"/>
-          </a:effectRef>
-          <a:fontRef idx="minor">
-            <a:schemeClr val="tx1"/>
-          </a:fontRef>
-        </p:style>
-      </p:cxnSp>
-      <p:cxnSp>
-        <p:nvCxnSpPr>
-          <p:cNvPr id="18" name="Straight Connector 17"/>
-          <p:cNvCxnSpPr/>
-          <p:nvPr/>
-        </p:nvCxnSpPr>
-        <p:spPr>
-          <a:xfrm>
-            <a:off x="457200" y="3637343"/>
-            <a:ext cx="8229600" cy="0"/>
-          </a:xfrm>
-          <a:prstGeom prst="line">
-            <a:avLst/>
-          </a:prstGeom>
-          <a:ln w="6350" cmpd="sng">
-            <a:solidFill>
-              <a:schemeClr val="bg2"/>
-            </a:solidFill>
-          </a:ln>
-          <a:effectLst/>
-        </p:spPr>
-        <p:style>
-          <a:lnRef idx="2">
-            <a:schemeClr val="accent1"/>
-          </a:lnRef>
-          <a:fillRef idx="0">
-            <a:schemeClr val="accent1"/>
-          </a:fillRef>
-          <a:effectRef idx="1">
-            <a:schemeClr val="accent1"/>
-          </a:effectRef>
-          <a:fontRef idx="minor">
-            <a:schemeClr val="tx1"/>
-          </a:fontRef>
-        </p:style>
-      </p:cxnSp>
-      <p:cxnSp>
-        <p:nvCxnSpPr>
-          <p:cNvPr id="19" name="Straight Connector 18"/>
-          <p:cNvCxnSpPr/>
-          <p:nvPr/>
-        </p:nvCxnSpPr>
-        <p:spPr>
-          <a:xfrm>
-            <a:off x="457200" y="4848740"/>
-            <a:ext cx="8229600" cy="0"/>
-          </a:xfrm>
-          <a:prstGeom prst="line">
-            <a:avLst/>
-          </a:prstGeom>
-          <a:ln w="6350" cmpd="sng">
-            <a:solidFill>
-              <a:schemeClr val="bg2"/>
-            </a:solidFill>
-          </a:ln>
-          <a:effectLst/>
-        </p:spPr>
-        <p:style>
-          <a:lnRef idx="2">
-            <a:schemeClr val="accent1"/>
-          </a:lnRef>
-          <a:fillRef idx="0">
-            <a:schemeClr val="accent1"/>
-          </a:fillRef>
-          <a:effectRef idx="1">
-            <a:schemeClr val="accent1"/>
-          </a:effectRef>
-          <a:fontRef idx="minor">
-            <a:schemeClr val="tx1"/>
-          </a:fontRef>
-        </p:style>
-      </p:cxnSp>
-    </p:spTree>
-    <p:extLst>
-      <p:ext uri="{BB962C8B-B14F-4D97-AF65-F5344CB8AC3E}">
-        <p14:creationId xmlns:p14="http://schemas.microsoft.com/office/powerpoint/2010/main" val="3120386178"/>
-      </p:ext>
-    </p:extLst>
-  </p:cSld>
-  <p:clrMapOvr>
-    <a:masterClrMapping/>
-  </p:clrMapOvr>
-  <p:timing>
-    <p:tnLst>
-      <p:par>
-        <p:cTn xmlns:p14="http://schemas.microsoft.com/office/powerpoint/2010/main" id="1" dur="indefinite" restart="never" nodeType="tmRoot"/>
-      </p:par>
-    </p:tnLst>
-  </p:timing>
-</p:sld>
-</file>
-
-<file path=ppt/slides/slide7.xml><?xml version="1.0" encoding="utf-8"?>
-<p:sld xmlns:a="http://schemas.openxmlformats.org/drawingml/2006/main" xmlns:r="http://schemas.openxmlformats.org/officeDocument/2006/relationships" xmlns:p="http://schemas.openxmlformats.org/presentationml/2006/main">
-  <p:cSld>
-    <p:spTree>
-      <p:nvGrpSpPr>
-        <p:cNvPr id="1" name=""/>
-        <p:cNvGrpSpPr/>
-        <p:nvPr/>
-      </p:nvGrpSpPr>
-      <p:grpSpPr>
-        <a:xfrm>
-          <a:off x="0" y="0"/>
-          <a:ext cx="0" cy="0"/>
-          <a:chOff x="0" y="0"/>
-          <a:chExt cx="0" cy="0"/>
-        </a:xfrm>
-      </p:grpSpPr>
-      <p:sp>
-        <p:nvSpPr>
-          <p:cNvPr id="2" name="Title 1"/>
-          <p:cNvSpPr>
-            <a:spLocks noGrp="1"/>
-          </p:cNvSpPr>
-          <p:nvPr>
-            <p:ph type="ctrTitle"/>
-          </p:nvPr>
-        </p:nvSpPr>
-        <p:spPr/>
-        <p:txBody>
-          <a:bodyPr/>
-          <a:lstStyle/>
-          <a:p>
-            <a:r>
-              <a:rPr lang="en-US" dirty="0" smtClean="0"/>
-              <a:t>Thank You</a:t>
-            </a:r>
-            <a:endParaRPr lang="en-US" dirty="0"/>
-          </a:p>
-        </p:txBody>
-      </p:sp>
-    </p:spTree>
-    <p:extLst>
-      <p:ext uri="{BB962C8B-B14F-4D97-AF65-F5344CB8AC3E}">
-        <p14:creationId xmlns:p14="http://schemas.microsoft.com/office/powerpoint/2010/main" val="4021399333"/>
-      </p:ext>
-    </p:extLst>
-  </p:cSld>
-  <p:clrMapOvr>
-    <a:masterClrMapping/>
-  </p:clrMapOvr>
 </p:sld>
 </file>
 
